--- a/新建 Microsoft PowerPoint 演示文稿.pptx
+++ b/新建 Microsoft PowerPoint 演示文稿.pptx
@@ -5,7 +5,7 @@
     <p:sldMasterId id="2147483648" r:id="rId1"/>
   </p:sldMasterIdLst>
   <p:notesMasterIdLst>
-    <p:notesMasterId r:id="rId12"/>
+    <p:notesMasterId r:id="rId13"/>
   </p:notesMasterIdLst>
   <p:sldIdLst>
     <p:sldId id="256" r:id="rId2"/>
@@ -18,6 +18,7 @@
     <p:sldId id="264" r:id="rId9"/>
     <p:sldId id="265" r:id="rId10"/>
     <p:sldId id="266" r:id="rId11"/>
+    <p:sldId id="267" r:id="rId12"/>
   </p:sldIdLst>
   <p:sldSz cx="12192000" cy="6858000"/>
   <p:notesSz cx="6858000" cy="9144000"/>
@@ -116,6 +117,11 @@
       </a:defRPr>
     </a:lvl9pPr>
   </p:defaultTextStyle>
+  <p:extLst>
+    <p:ext uri="{EFAFB233-063F-42B5-8137-9DF3F51BA10A}">
+      <p15:sldGuideLst xmlns:p15="http://schemas.microsoft.com/office/powerpoint/2012/main"/>
+    </p:ext>
+  </p:extLst>
 </p:presentation>
 </file>
 
@@ -201,7 +207,7 @@
           <a:p>
             <a:fld id="{15276FB2-53B6-4397-A2DD-A4A0D74BA534}" type="datetimeFigureOut">
               <a:rPr lang="zh-CN" altLang="en-US" smtClean="0"/>
-              <a:t>2019/1/13</a:t>
+              <a:t>2019/1/16</a:t>
             </a:fld>
             <a:endParaRPr lang="zh-CN" altLang="en-US"/>
           </a:p>
@@ -1085,7 +1091,7 @@
           <p:cNvPr id="2" name="标题 1">
             <a:extLst>
               <a:ext uri="{FF2B5EF4-FFF2-40B4-BE49-F238E27FC236}">
-                <a16:creationId xmlns:a16="http://schemas.microsoft.com/office/drawing/2014/main" id="{4DD6C28B-13D9-43AE-8086-21CF208CE34A}"/>
+                <a16:creationId xmlns:a16="http://schemas.microsoft.com/office/drawing/2014/main" xmlns="" id="{4DD6C28B-13D9-43AE-8086-21CF208CE34A}"/>
               </a:ext>
             </a:extLst>
           </p:cNvPr>
@@ -1122,7 +1128,7 @@
           <p:cNvPr id="3" name="副标题 2">
             <a:extLst>
               <a:ext uri="{FF2B5EF4-FFF2-40B4-BE49-F238E27FC236}">
-                <a16:creationId xmlns:a16="http://schemas.microsoft.com/office/drawing/2014/main" id="{F6BF65B4-6C30-433A-BCDF-7B7306A8DD15}"/>
+                <a16:creationId xmlns:a16="http://schemas.microsoft.com/office/drawing/2014/main" xmlns="" id="{F6BF65B4-6C30-433A-BCDF-7B7306A8DD15}"/>
               </a:ext>
             </a:extLst>
           </p:cNvPr>
@@ -1192,7 +1198,7 @@
           <p:cNvPr id="4" name="日期占位符 3">
             <a:extLst>
               <a:ext uri="{FF2B5EF4-FFF2-40B4-BE49-F238E27FC236}">
-                <a16:creationId xmlns:a16="http://schemas.microsoft.com/office/drawing/2014/main" id="{DF5835A2-A4A8-40E0-B19A-E6FB3DD43265}"/>
+                <a16:creationId xmlns:a16="http://schemas.microsoft.com/office/drawing/2014/main" xmlns="" id="{DF5835A2-A4A8-40E0-B19A-E6FB3DD43265}"/>
               </a:ext>
             </a:extLst>
           </p:cNvPr>
@@ -1210,7 +1216,7 @@
           <a:p>
             <a:fld id="{98E2CBEF-B294-466C-8925-A1E487525CE0}" type="datetimeFigureOut">
               <a:rPr lang="zh-CN" altLang="en-US" smtClean="0"/>
-              <a:t>2019/1/13</a:t>
+              <a:t>2019/1/16</a:t>
             </a:fld>
             <a:endParaRPr lang="zh-CN" altLang="en-US"/>
           </a:p>
@@ -1221,7 +1227,7 @@
           <p:cNvPr id="5" name="页脚占位符 4">
             <a:extLst>
               <a:ext uri="{FF2B5EF4-FFF2-40B4-BE49-F238E27FC236}">
-                <a16:creationId xmlns:a16="http://schemas.microsoft.com/office/drawing/2014/main" id="{0B49CB3D-73E7-4E15-AD23-52D83A573959}"/>
+                <a16:creationId xmlns:a16="http://schemas.microsoft.com/office/drawing/2014/main" xmlns="" id="{0B49CB3D-73E7-4E15-AD23-52D83A573959}"/>
               </a:ext>
             </a:extLst>
           </p:cNvPr>
@@ -1246,7 +1252,7 @@
           <p:cNvPr id="6" name="灯片编号占位符 5">
             <a:extLst>
               <a:ext uri="{FF2B5EF4-FFF2-40B4-BE49-F238E27FC236}">
-                <a16:creationId xmlns:a16="http://schemas.microsoft.com/office/drawing/2014/main" id="{2E8F8649-F747-4751-8476-2B8694E13E67}"/>
+                <a16:creationId xmlns:a16="http://schemas.microsoft.com/office/drawing/2014/main" xmlns="" id="{2E8F8649-F747-4751-8476-2B8694E13E67}"/>
               </a:ext>
             </a:extLst>
           </p:cNvPr>
@@ -1305,7 +1311,7 @@
           <p:cNvPr id="2" name="标题 1">
             <a:extLst>
               <a:ext uri="{FF2B5EF4-FFF2-40B4-BE49-F238E27FC236}">
-                <a16:creationId xmlns:a16="http://schemas.microsoft.com/office/drawing/2014/main" id="{900D9BBC-C5BC-41CF-9AB4-D02FAE84FA44}"/>
+                <a16:creationId xmlns:a16="http://schemas.microsoft.com/office/drawing/2014/main" xmlns="" id="{900D9BBC-C5BC-41CF-9AB4-D02FAE84FA44}"/>
               </a:ext>
             </a:extLst>
           </p:cNvPr>
@@ -1333,7 +1339,7 @@
           <p:cNvPr id="3" name="竖排文字占位符 2">
             <a:extLst>
               <a:ext uri="{FF2B5EF4-FFF2-40B4-BE49-F238E27FC236}">
-                <a16:creationId xmlns:a16="http://schemas.microsoft.com/office/drawing/2014/main" id="{EBCD22E4-F2DA-438B-A9DF-BB7E6F0470EE}"/>
+                <a16:creationId xmlns:a16="http://schemas.microsoft.com/office/drawing/2014/main" xmlns="" id="{EBCD22E4-F2DA-438B-A9DF-BB7E6F0470EE}"/>
               </a:ext>
             </a:extLst>
           </p:cNvPr>
@@ -1390,7 +1396,7 @@
           <p:cNvPr id="4" name="日期占位符 3">
             <a:extLst>
               <a:ext uri="{FF2B5EF4-FFF2-40B4-BE49-F238E27FC236}">
-                <a16:creationId xmlns:a16="http://schemas.microsoft.com/office/drawing/2014/main" id="{E988D384-F3BF-4E4C-A138-D201F8DB9728}"/>
+                <a16:creationId xmlns:a16="http://schemas.microsoft.com/office/drawing/2014/main" xmlns="" id="{E988D384-F3BF-4E4C-A138-D201F8DB9728}"/>
               </a:ext>
             </a:extLst>
           </p:cNvPr>
@@ -1408,7 +1414,7 @@
           <a:p>
             <a:fld id="{98E2CBEF-B294-466C-8925-A1E487525CE0}" type="datetimeFigureOut">
               <a:rPr lang="zh-CN" altLang="en-US" smtClean="0"/>
-              <a:t>2019/1/13</a:t>
+              <a:t>2019/1/16</a:t>
             </a:fld>
             <a:endParaRPr lang="zh-CN" altLang="en-US"/>
           </a:p>
@@ -1419,7 +1425,7 @@
           <p:cNvPr id="5" name="页脚占位符 4">
             <a:extLst>
               <a:ext uri="{FF2B5EF4-FFF2-40B4-BE49-F238E27FC236}">
-                <a16:creationId xmlns:a16="http://schemas.microsoft.com/office/drawing/2014/main" id="{E4E31477-5364-44A5-9292-AFC54C0DCFF2}"/>
+                <a16:creationId xmlns:a16="http://schemas.microsoft.com/office/drawing/2014/main" xmlns="" id="{E4E31477-5364-44A5-9292-AFC54C0DCFF2}"/>
               </a:ext>
             </a:extLst>
           </p:cNvPr>
@@ -1444,7 +1450,7 @@
           <p:cNvPr id="6" name="灯片编号占位符 5">
             <a:extLst>
               <a:ext uri="{FF2B5EF4-FFF2-40B4-BE49-F238E27FC236}">
-                <a16:creationId xmlns:a16="http://schemas.microsoft.com/office/drawing/2014/main" id="{D642C2E9-FCFC-46E3-B5F0-227E259061D0}"/>
+                <a16:creationId xmlns:a16="http://schemas.microsoft.com/office/drawing/2014/main" xmlns="" id="{D642C2E9-FCFC-46E3-B5F0-227E259061D0}"/>
               </a:ext>
             </a:extLst>
           </p:cNvPr>
@@ -1503,7 +1509,7 @@
           <p:cNvPr id="2" name="竖排标题 1">
             <a:extLst>
               <a:ext uri="{FF2B5EF4-FFF2-40B4-BE49-F238E27FC236}">
-                <a16:creationId xmlns:a16="http://schemas.microsoft.com/office/drawing/2014/main" id="{857B01E3-5B81-42D0-9A3F-33D7B80F069C}"/>
+                <a16:creationId xmlns:a16="http://schemas.microsoft.com/office/drawing/2014/main" xmlns="" id="{857B01E3-5B81-42D0-9A3F-33D7B80F069C}"/>
               </a:ext>
             </a:extLst>
           </p:cNvPr>
@@ -1536,7 +1542,7 @@
           <p:cNvPr id="3" name="竖排文字占位符 2">
             <a:extLst>
               <a:ext uri="{FF2B5EF4-FFF2-40B4-BE49-F238E27FC236}">
-                <a16:creationId xmlns:a16="http://schemas.microsoft.com/office/drawing/2014/main" id="{C2B48FA0-B203-44B2-8DDC-1FA775AF92E4}"/>
+                <a16:creationId xmlns:a16="http://schemas.microsoft.com/office/drawing/2014/main" xmlns="" id="{C2B48FA0-B203-44B2-8DDC-1FA775AF92E4}"/>
               </a:ext>
             </a:extLst>
           </p:cNvPr>
@@ -1598,7 +1604,7 @@
           <p:cNvPr id="4" name="日期占位符 3">
             <a:extLst>
               <a:ext uri="{FF2B5EF4-FFF2-40B4-BE49-F238E27FC236}">
-                <a16:creationId xmlns:a16="http://schemas.microsoft.com/office/drawing/2014/main" id="{0DF6910E-3830-41FD-A0D4-B052B3096449}"/>
+                <a16:creationId xmlns:a16="http://schemas.microsoft.com/office/drawing/2014/main" xmlns="" id="{0DF6910E-3830-41FD-A0D4-B052B3096449}"/>
               </a:ext>
             </a:extLst>
           </p:cNvPr>
@@ -1616,7 +1622,7 @@
           <a:p>
             <a:fld id="{98E2CBEF-B294-466C-8925-A1E487525CE0}" type="datetimeFigureOut">
               <a:rPr lang="zh-CN" altLang="en-US" smtClean="0"/>
-              <a:t>2019/1/13</a:t>
+              <a:t>2019/1/16</a:t>
             </a:fld>
             <a:endParaRPr lang="zh-CN" altLang="en-US"/>
           </a:p>
@@ -1627,7 +1633,7 @@
           <p:cNvPr id="5" name="页脚占位符 4">
             <a:extLst>
               <a:ext uri="{FF2B5EF4-FFF2-40B4-BE49-F238E27FC236}">
-                <a16:creationId xmlns:a16="http://schemas.microsoft.com/office/drawing/2014/main" id="{F15FDC7C-3462-4011-82A3-7B4B4F747421}"/>
+                <a16:creationId xmlns:a16="http://schemas.microsoft.com/office/drawing/2014/main" xmlns="" id="{F15FDC7C-3462-4011-82A3-7B4B4F747421}"/>
               </a:ext>
             </a:extLst>
           </p:cNvPr>
@@ -1652,7 +1658,7 @@
           <p:cNvPr id="6" name="灯片编号占位符 5">
             <a:extLst>
               <a:ext uri="{FF2B5EF4-FFF2-40B4-BE49-F238E27FC236}">
-                <a16:creationId xmlns:a16="http://schemas.microsoft.com/office/drawing/2014/main" id="{B3CC6E41-1BB1-4A5F-93D8-1679357CA3D3}"/>
+                <a16:creationId xmlns:a16="http://schemas.microsoft.com/office/drawing/2014/main" xmlns="" id="{B3CC6E41-1BB1-4A5F-93D8-1679357CA3D3}"/>
               </a:ext>
             </a:extLst>
           </p:cNvPr>
@@ -1711,7 +1717,7 @@
           <p:cNvPr id="2" name="标题 1">
             <a:extLst>
               <a:ext uri="{FF2B5EF4-FFF2-40B4-BE49-F238E27FC236}">
-                <a16:creationId xmlns:a16="http://schemas.microsoft.com/office/drawing/2014/main" id="{A291B57F-061D-4A22-A602-D97F42BD2EDC}"/>
+                <a16:creationId xmlns:a16="http://schemas.microsoft.com/office/drawing/2014/main" xmlns="" id="{A291B57F-061D-4A22-A602-D97F42BD2EDC}"/>
               </a:ext>
             </a:extLst>
           </p:cNvPr>
@@ -1739,7 +1745,7 @@
           <p:cNvPr id="3" name="内容占位符 2">
             <a:extLst>
               <a:ext uri="{FF2B5EF4-FFF2-40B4-BE49-F238E27FC236}">
-                <a16:creationId xmlns:a16="http://schemas.microsoft.com/office/drawing/2014/main" id="{AAC634F8-C098-4464-B274-37AF280C68A5}"/>
+                <a16:creationId xmlns:a16="http://schemas.microsoft.com/office/drawing/2014/main" xmlns="" id="{AAC634F8-C098-4464-B274-37AF280C68A5}"/>
               </a:ext>
             </a:extLst>
           </p:cNvPr>
@@ -1796,7 +1802,7 @@
           <p:cNvPr id="4" name="日期占位符 3">
             <a:extLst>
               <a:ext uri="{FF2B5EF4-FFF2-40B4-BE49-F238E27FC236}">
-                <a16:creationId xmlns:a16="http://schemas.microsoft.com/office/drawing/2014/main" id="{907FDB47-ADF9-43B2-837F-01B3B9A01458}"/>
+                <a16:creationId xmlns:a16="http://schemas.microsoft.com/office/drawing/2014/main" xmlns="" id="{907FDB47-ADF9-43B2-837F-01B3B9A01458}"/>
               </a:ext>
             </a:extLst>
           </p:cNvPr>
@@ -1814,7 +1820,7 @@
           <a:p>
             <a:fld id="{98E2CBEF-B294-466C-8925-A1E487525CE0}" type="datetimeFigureOut">
               <a:rPr lang="zh-CN" altLang="en-US" smtClean="0"/>
-              <a:t>2019/1/13</a:t>
+              <a:t>2019/1/16</a:t>
             </a:fld>
             <a:endParaRPr lang="zh-CN" altLang="en-US"/>
           </a:p>
@@ -1825,7 +1831,7 @@
           <p:cNvPr id="5" name="页脚占位符 4">
             <a:extLst>
               <a:ext uri="{FF2B5EF4-FFF2-40B4-BE49-F238E27FC236}">
-                <a16:creationId xmlns:a16="http://schemas.microsoft.com/office/drawing/2014/main" id="{0C70DC2D-F7D4-4793-9E1B-40C286601CEC}"/>
+                <a16:creationId xmlns:a16="http://schemas.microsoft.com/office/drawing/2014/main" xmlns="" id="{0C70DC2D-F7D4-4793-9E1B-40C286601CEC}"/>
               </a:ext>
             </a:extLst>
           </p:cNvPr>
@@ -1850,7 +1856,7 @@
           <p:cNvPr id="6" name="灯片编号占位符 5">
             <a:extLst>
               <a:ext uri="{FF2B5EF4-FFF2-40B4-BE49-F238E27FC236}">
-                <a16:creationId xmlns:a16="http://schemas.microsoft.com/office/drawing/2014/main" id="{BE4A3343-1AE6-4D14-9875-A778731E8D36}"/>
+                <a16:creationId xmlns:a16="http://schemas.microsoft.com/office/drawing/2014/main" xmlns="" id="{BE4A3343-1AE6-4D14-9875-A778731E8D36}"/>
               </a:ext>
             </a:extLst>
           </p:cNvPr>
@@ -1909,7 +1915,7 @@
           <p:cNvPr id="2" name="标题 1">
             <a:extLst>
               <a:ext uri="{FF2B5EF4-FFF2-40B4-BE49-F238E27FC236}">
-                <a16:creationId xmlns:a16="http://schemas.microsoft.com/office/drawing/2014/main" id="{52E1D61A-B961-4EDF-A992-58D643A08CB8}"/>
+                <a16:creationId xmlns:a16="http://schemas.microsoft.com/office/drawing/2014/main" xmlns="" id="{52E1D61A-B961-4EDF-A992-58D643A08CB8}"/>
               </a:ext>
             </a:extLst>
           </p:cNvPr>
@@ -1946,7 +1952,7 @@
           <p:cNvPr id="3" name="文本占位符 2">
             <a:extLst>
               <a:ext uri="{FF2B5EF4-FFF2-40B4-BE49-F238E27FC236}">
-                <a16:creationId xmlns:a16="http://schemas.microsoft.com/office/drawing/2014/main" id="{8B597321-1506-4A6E-869E-8E6F059B5B93}"/>
+                <a16:creationId xmlns:a16="http://schemas.microsoft.com/office/drawing/2014/main" xmlns="" id="{8B597321-1506-4A6E-869E-8E6F059B5B93}"/>
               </a:ext>
             </a:extLst>
           </p:cNvPr>
@@ -2071,7 +2077,7 @@
           <p:cNvPr id="4" name="日期占位符 3">
             <a:extLst>
               <a:ext uri="{FF2B5EF4-FFF2-40B4-BE49-F238E27FC236}">
-                <a16:creationId xmlns:a16="http://schemas.microsoft.com/office/drawing/2014/main" id="{CF524974-4379-43CD-B800-47E161856153}"/>
+                <a16:creationId xmlns:a16="http://schemas.microsoft.com/office/drawing/2014/main" xmlns="" id="{CF524974-4379-43CD-B800-47E161856153}"/>
               </a:ext>
             </a:extLst>
           </p:cNvPr>
@@ -2089,7 +2095,7 @@
           <a:p>
             <a:fld id="{98E2CBEF-B294-466C-8925-A1E487525CE0}" type="datetimeFigureOut">
               <a:rPr lang="zh-CN" altLang="en-US" smtClean="0"/>
-              <a:t>2019/1/13</a:t>
+              <a:t>2019/1/16</a:t>
             </a:fld>
             <a:endParaRPr lang="zh-CN" altLang="en-US"/>
           </a:p>
@@ -2100,7 +2106,7 @@
           <p:cNvPr id="5" name="页脚占位符 4">
             <a:extLst>
               <a:ext uri="{FF2B5EF4-FFF2-40B4-BE49-F238E27FC236}">
-                <a16:creationId xmlns:a16="http://schemas.microsoft.com/office/drawing/2014/main" id="{4DC02924-FA37-4E5C-A0F2-0E38D00F2D54}"/>
+                <a16:creationId xmlns:a16="http://schemas.microsoft.com/office/drawing/2014/main" xmlns="" id="{4DC02924-FA37-4E5C-A0F2-0E38D00F2D54}"/>
               </a:ext>
             </a:extLst>
           </p:cNvPr>
@@ -2125,7 +2131,7 @@
           <p:cNvPr id="6" name="灯片编号占位符 5">
             <a:extLst>
               <a:ext uri="{FF2B5EF4-FFF2-40B4-BE49-F238E27FC236}">
-                <a16:creationId xmlns:a16="http://schemas.microsoft.com/office/drawing/2014/main" id="{506618C2-06E5-4ACB-AD2F-5581ADFC20DB}"/>
+                <a16:creationId xmlns:a16="http://schemas.microsoft.com/office/drawing/2014/main" xmlns="" id="{506618C2-06E5-4ACB-AD2F-5581ADFC20DB}"/>
               </a:ext>
             </a:extLst>
           </p:cNvPr>
@@ -2184,7 +2190,7 @@
           <p:cNvPr id="2" name="标题 1">
             <a:extLst>
               <a:ext uri="{FF2B5EF4-FFF2-40B4-BE49-F238E27FC236}">
-                <a16:creationId xmlns:a16="http://schemas.microsoft.com/office/drawing/2014/main" id="{39647FC4-6EE9-48FB-8769-B76AD67F72CC}"/>
+                <a16:creationId xmlns:a16="http://schemas.microsoft.com/office/drawing/2014/main" xmlns="" id="{39647FC4-6EE9-48FB-8769-B76AD67F72CC}"/>
               </a:ext>
             </a:extLst>
           </p:cNvPr>
@@ -2212,7 +2218,7 @@
           <p:cNvPr id="3" name="内容占位符 2">
             <a:extLst>
               <a:ext uri="{FF2B5EF4-FFF2-40B4-BE49-F238E27FC236}">
-                <a16:creationId xmlns:a16="http://schemas.microsoft.com/office/drawing/2014/main" id="{BAFF29A8-4906-4AE3-B3CC-AE4459620E28}"/>
+                <a16:creationId xmlns:a16="http://schemas.microsoft.com/office/drawing/2014/main" xmlns="" id="{BAFF29A8-4906-4AE3-B3CC-AE4459620E28}"/>
               </a:ext>
             </a:extLst>
           </p:cNvPr>
@@ -2274,7 +2280,7 @@
           <p:cNvPr id="4" name="内容占位符 3">
             <a:extLst>
               <a:ext uri="{FF2B5EF4-FFF2-40B4-BE49-F238E27FC236}">
-                <a16:creationId xmlns:a16="http://schemas.microsoft.com/office/drawing/2014/main" id="{CAC720B3-EFEB-40E1-950D-D6A6A922E61A}"/>
+                <a16:creationId xmlns:a16="http://schemas.microsoft.com/office/drawing/2014/main" xmlns="" id="{CAC720B3-EFEB-40E1-950D-D6A6A922E61A}"/>
               </a:ext>
             </a:extLst>
           </p:cNvPr>
@@ -2336,7 +2342,7 @@
           <p:cNvPr id="5" name="日期占位符 4">
             <a:extLst>
               <a:ext uri="{FF2B5EF4-FFF2-40B4-BE49-F238E27FC236}">
-                <a16:creationId xmlns:a16="http://schemas.microsoft.com/office/drawing/2014/main" id="{EA6D3B0C-3C11-4AC9-ACA4-E32F9AAAA488}"/>
+                <a16:creationId xmlns:a16="http://schemas.microsoft.com/office/drawing/2014/main" xmlns="" id="{EA6D3B0C-3C11-4AC9-ACA4-E32F9AAAA488}"/>
               </a:ext>
             </a:extLst>
           </p:cNvPr>
@@ -2354,7 +2360,7 @@
           <a:p>
             <a:fld id="{98E2CBEF-B294-466C-8925-A1E487525CE0}" type="datetimeFigureOut">
               <a:rPr lang="zh-CN" altLang="en-US" smtClean="0"/>
-              <a:t>2019/1/13</a:t>
+              <a:t>2019/1/16</a:t>
             </a:fld>
             <a:endParaRPr lang="zh-CN" altLang="en-US"/>
           </a:p>
@@ -2365,7 +2371,7 @@
           <p:cNvPr id="6" name="页脚占位符 5">
             <a:extLst>
               <a:ext uri="{FF2B5EF4-FFF2-40B4-BE49-F238E27FC236}">
-                <a16:creationId xmlns:a16="http://schemas.microsoft.com/office/drawing/2014/main" id="{9FCB1A8F-B49A-4A90-8B06-8A2051BAC2E1}"/>
+                <a16:creationId xmlns:a16="http://schemas.microsoft.com/office/drawing/2014/main" xmlns="" id="{9FCB1A8F-B49A-4A90-8B06-8A2051BAC2E1}"/>
               </a:ext>
             </a:extLst>
           </p:cNvPr>
@@ -2390,7 +2396,7 @@
           <p:cNvPr id="7" name="灯片编号占位符 6">
             <a:extLst>
               <a:ext uri="{FF2B5EF4-FFF2-40B4-BE49-F238E27FC236}">
-                <a16:creationId xmlns:a16="http://schemas.microsoft.com/office/drawing/2014/main" id="{06E20D34-DE01-4B3D-9747-66DD8E60AEBB}"/>
+                <a16:creationId xmlns:a16="http://schemas.microsoft.com/office/drawing/2014/main" xmlns="" id="{06E20D34-DE01-4B3D-9747-66DD8E60AEBB}"/>
               </a:ext>
             </a:extLst>
           </p:cNvPr>
@@ -2449,7 +2455,7 @@
           <p:cNvPr id="2" name="标题 1">
             <a:extLst>
               <a:ext uri="{FF2B5EF4-FFF2-40B4-BE49-F238E27FC236}">
-                <a16:creationId xmlns:a16="http://schemas.microsoft.com/office/drawing/2014/main" id="{59BE6F45-C360-458C-A2F4-24F2DC7B8963}"/>
+                <a16:creationId xmlns:a16="http://schemas.microsoft.com/office/drawing/2014/main" xmlns="" id="{59BE6F45-C360-458C-A2F4-24F2DC7B8963}"/>
               </a:ext>
             </a:extLst>
           </p:cNvPr>
@@ -2482,7 +2488,7 @@
           <p:cNvPr id="3" name="文本占位符 2">
             <a:extLst>
               <a:ext uri="{FF2B5EF4-FFF2-40B4-BE49-F238E27FC236}">
-                <a16:creationId xmlns:a16="http://schemas.microsoft.com/office/drawing/2014/main" id="{A69201B2-437C-4C4D-B8B8-6BFAA0F4E043}"/>
+                <a16:creationId xmlns:a16="http://schemas.microsoft.com/office/drawing/2014/main" xmlns="" id="{A69201B2-437C-4C4D-B8B8-6BFAA0F4E043}"/>
               </a:ext>
             </a:extLst>
           </p:cNvPr>
@@ -2553,7 +2559,7 @@
           <p:cNvPr id="4" name="内容占位符 3">
             <a:extLst>
               <a:ext uri="{FF2B5EF4-FFF2-40B4-BE49-F238E27FC236}">
-                <a16:creationId xmlns:a16="http://schemas.microsoft.com/office/drawing/2014/main" id="{D0DF58E2-B57D-472B-A1AD-7E49B89DDAAF}"/>
+                <a16:creationId xmlns:a16="http://schemas.microsoft.com/office/drawing/2014/main" xmlns="" id="{D0DF58E2-B57D-472B-A1AD-7E49B89DDAAF}"/>
               </a:ext>
             </a:extLst>
           </p:cNvPr>
@@ -2615,7 +2621,7 @@
           <p:cNvPr id="5" name="文本占位符 4">
             <a:extLst>
               <a:ext uri="{FF2B5EF4-FFF2-40B4-BE49-F238E27FC236}">
-                <a16:creationId xmlns:a16="http://schemas.microsoft.com/office/drawing/2014/main" id="{9A756C6D-688B-4A50-8C50-CD085474F66F}"/>
+                <a16:creationId xmlns:a16="http://schemas.microsoft.com/office/drawing/2014/main" xmlns="" id="{9A756C6D-688B-4A50-8C50-CD085474F66F}"/>
               </a:ext>
             </a:extLst>
           </p:cNvPr>
@@ -2686,7 +2692,7 @@
           <p:cNvPr id="6" name="内容占位符 5">
             <a:extLst>
               <a:ext uri="{FF2B5EF4-FFF2-40B4-BE49-F238E27FC236}">
-                <a16:creationId xmlns:a16="http://schemas.microsoft.com/office/drawing/2014/main" id="{3BB3DA0C-44A3-42A1-888A-2FB69CE64B01}"/>
+                <a16:creationId xmlns:a16="http://schemas.microsoft.com/office/drawing/2014/main" xmlns="" id="{3BB3DA0C-44A3-42A1-888A-2FB69CE64B01}"/>
               </a:ext>
             </a:extLst>
           </p:cNvPr>
@@ -2748,7 +2754,7 @@
           <p:cNvPr id="7" name="日期占位符 6">
             <a:extLst>
               <a:ext uri="{FF2B5EF4-FFF2-40B4-BE49-F238E27FC236}">
-                <a16:creationId xmlns:a16="http://schemas.microsoft.com/office/drawing/2014/main" id="{9E84FA6D-82B0-4258-ACA2-389EE2F417BA}"/>
+                <a16:creationId xmlns:a16="http://schemas.microsoft.com/office/drawing/2014/main" xmlns="" id="{9E84FA6D-82B0-4258-ACA2-389EE2F417BA}"/>
               </a:ext>
             </a:extLst>
           </p:cNvPr>
@@ -2766,7 +2772,7 @@
           <a:p>
             <a:fld id="{98E2CBEF-B294-466C-8925-A1E487525CE0}" type="datetimeFigureOut">
               <a:rPr lang="zh-CN" altLang="en-US" smtClean="0"/>
-              <a:t>2019/1/13</a:t>
+              <a:t>2019/1/16</a:t>
             </a:fld>
             <a:endParaRPr lang="zh-CN" altLang="en-US"/>
           </a:p>
@@ -2777,7 +2783,7 @@
           <p:cNvPr id="8" name="页脚占位符 7">
             <a:extLst>
               <a:ext uri="{FF2B5EF4-FFF2-40B4-BE49-F238E27FC236}">
-                <a16:creationId xmlns:a16="http://schemas.microsoft.com/office/drawing/2014/main" id="{0DF08106-CE8A-4D10-A862-223710AFB369}"/>
+                <a16:creationId xmlns:a16="http://schemas.microsoft.com/office/drawing/2014/main" xmlns="" id="{0DF08106-CE8A-4D10-A862-223710AFB369}"/>
               </a:ext>
             </a:extLst>
           </p:cNvPr>
@@ -2802,7 +2808,7 @@
           <p:cNvPr id="9" name="灯片编号占位符 8">
             <a:extLst>
               <a:ext uri="{FF2B5EF4-FFF2-40B4-BE49-F238E27FC236}">
-                <a16:creationId xmlns:a16="http://schemas.microsoft.com/office/drawing/2014/main" id="{CBDAA6A9-4F88-4B32-A631-E56C813EF75B}"/>
+                <a16:creationId xmlns:a16="http://schemas.microsoft.com/office/drawing/2014/main" xmlns="" id="{CBDAA6A9-4F88-4B32-A631-E56C813EF75B}"/>
               </a:ext>
             </a:extLst>
           </p:cNvPr>
@@ -2861,7 +2867,7 @@
           <p:cNvPr id="2" name="标题 1">
             <a:extLst>
               <a:ext uri="{FF2B5EF4-FFF2-40B4-BE49-F238E27FC236}">
-                <a16:creationId xmlns:a16="http://schemas.microsoft.com/office/drawing/2014/main" id="{ED8B6126-4983-47D5-A1C1-A0544C50346D}"/>
+                <a16:creationId xmlns:a16="http://schemas.microsoft.com/office/drawing/2014/main" xmlns="" id="{ED8B6126-4983-47D5-A1C1-A0544C50346D}"/>
               </a:ext>
             </a:extLst>
           </p:cNvPr>
@@ -2889,7 +2895,7 @@
           <p:cNvPr id="3" name="日期占位符 2">
             <a:extLst>
               <a:ext uri="{FF2B5EF4-FFF2-40B4-BE49-F238E27FC236}">
-                <a16:creationId xmlns:a16="http://schemas.microsoft.com/office/drawing/2014/main" id="{4A5CB1B9-ABB2-423E-A01F-ACA9F6E45D46}"/>
+                <a16:creationId xmlns:a16="http://schemas.microsoft.com/office/drawing/2014/main" xmlns="" id="{4A5CB1B9-ABB2-423E-A01F-ACA9F6E45D46}"/>
               </a:ext>
             </a:extLst>
           </p:cNvPr>
@@ -2907,7 +2913,7 @@
           <a:p>
             <a:fld id="{98E2CBEF-B294-466C-8925-A1E487525CE0}" type="datetimeFigureOut">
               <a:rPr lang="zh-CN" altLang="en-US" smtClean="0"/>
-              <a:t>2019/1/13</a:t>
+              <a:t>2019/1/16</a:t>
             </a:fld>
             <a:endParaRPr lang="zh-CN" altLang="en-US"/>
           </a:p>
@@ -2918,7 +2924,7 @@
           <p:cNvPr id="4" name="页脚占位符 3">
             <a:extLst>
               <a:ext uri="{FF2B5EF4-FFF2-40B4-BE49-F238E27FC236}">
-                <a16:creationId xmlns:a16="http://schemas.microsoft.com/office/drawing/2014/main" id="{8F39BA59-97E7-492C-BBE4-4BD6712EB967}"/>
+                <a16:creationId xmlns:a16="http://schemas.microsoft.com/office/drawing/2014/main" xmlns="" id="{8F39BA59-97E7-492C-BBE4-4BD6712EB967}"/>
               </a:ext>
             </a:extLst>
           </p:cNvPr>
@@ -2943,7 +2949,7 @@
           <p:cNvPr id="5" name="灯片编号占位符 4">
             <a:extLst>
               <a:ext uri="{FF2B5EF4-FFF2-40B4-BE49-F238E27FC236}">
-                <a16:creationId xmlns:a16="http://schemas.microsoft.com/office/drawing/2014/main" id="{647AE3C5-B010-458B-9E85-0AAE7FCD1BF5}"/>
+                <a16:creationId xmlns:a16="http://schemas.microsoft.com/office/drawing/2014/main" xmlns="" id="{647AE3C5-B010-458B-9E85-0AAE7FCD1BF5}"/>
               </a:ext>
             </a:extLst>
           </p:cNvPr>
@@ -3002,7 +3008,7 @@
           <p:cNvPr id="2" name="日期占位符 1">
             <a:extLst>
               <a:ext uri="{FF2B5EF4-FFF2-40B4-BE49-F238E27FC236}">
-                <a16:creationId xmlns:a16="http://schemas.microsoft.com/office/drawing/2014/main" id="{2BF9EA9F-CF8A-421F-81D4-EE17866C3604}"/>
+                <a16:creationId xmlns:a16="http://schemas.microsoft.com/office/drawing/2014/main" xmlns="" id="{2BF9EA9F-CF8A-421F-81D4-EE17866C3604}"/>
               </a:ext>
             </a:extLst>
           </p:cNvPr>
@@ -3020,7 +3026,7 @@
           <a:p>
             <a:fld id="{98E2CBEF-B294-466C-8925-A1E487525CE0}" type="datetimeFigureOut">
               <a:rPr lang="zh-CN" altLang="en-US" smtClean="0"/>
-              <a:t>2019/1/13</a:t>
+              <a:t>2019/1/16</a:t>
             </a:fld>
             <a:endParaRPr lang="zh-CN" altLang="en-US"/>
           </a:p>
@@ -3031,7 +3037,7 @@
           <p:cNvPr id="3" name="页脚占位符 2">
             <a:extLst>
               <a:ext uri="{FF2B5EF4-FFF2-40B4-BE49-F238E27FC236}">
-                <a16:creationId xmlns:a16="http://schemas.microsoft.com/office/drawing/2014/main" id="{9E2A15D1-1DC7-4DE2-AE55-6E4A680C6152}"/>
+                <a16:creationId xmlns:a16="http://schemas.microsoft.com/office/drawing/2014/main" xmlns="" id="{9E2A15D1-1DC7-4DE2-AE55-6E4A680C6152}"/>
               </a:ext>
             </a:extLst>
           </p:cNvPr>
@@ -3056,7 +3062,7 @@
           <p:cNvPr id="4" name="灯片编号占位符 3">
             <a:extLst>
               <a:ext uri="{FF2B5EF4-FFF2-40B4-BE49-F238E27FC236}">
-                <a16:creationId xmlns:a16="http://schemas.microsoft.com/office/drawing/2014/main" id="{6BB9DCB1-79B9-48FE-9D2F-FAC162CA4E6C}"/>
+                <a16:creationId xmlns:a16="http://schemas.microsoft.com/office/drawing/2014/main" xmlns="" id="{6BB9DCB1-79B9-48FE-9D2F-FAC162CA4E6C}"/>
               </a:ext>
             </a:extLst>
           </p:cNvPr>
@@ -3115,7 +3121,7 @@
           <p:cNvPr id="2" name="标题 1">
             <a:extLst>
               <a:ext uri="{FF2B5EF4-FFF2-40B4-BE49-F238E27FC236}">
-                <a16:creationId xmlns:a16="http://schemas.microsoft.com/office/drawing/2014/main" id="{19C59565-8700-420F-99D8-3173B4F407FB}"/>
+                <a16:creationId xmlns:a16="http://schemas.microsoft.com/office/drawing/2014/main" xmlns="" id="{19C59565-8700-420F-99D8-3173B4F407FB}"/>
               </a:ext>
             </a:extLst>
           </p:cNvPr>
@@ -3152,7 +3158,7 @@
           <p:cNvPr id="3" name="内容占位符 2">
             <a:extLst>
               <a:ext uri="{FF2B5EF4-FFF2-40B4-BE49-F238E27FC236}">
-                <a16:creationId xmlns:a16="http://schemas.microsoft.com/office/drawing/2014/main" id="{399DE201-BEEA-4FE0-BC93-25B402F14C53}"/>
+                <a16:creationId xmlns:a16="http://schemas.microsoft.com/office/drawing/2014/main" xmlns="" id="{399DE201-BEEA-4FE0-BC93-25B402F14C53}"/>
               </a:ext>
             </a:extLst>
           </p:cNvPr>
@@ -3242,7 +3248,7 @@
           <p:cNvPr id="4" name="文本占位符 3">
             <a:extLst>
               <a:ext uri="{FF2B5EF4-FFF2-40B4-BE49-F238E27FC236}">
-                <a16:creationId xmlns:a16="http://schemas.microsoft.com/office/drawing/2014/main" id="{3D82BE0A-533D-4156-8AE5-5FA08D7F5278}"/>
+                <a16:creationId xmlns:a16="http://schemas.microsoft.com/office/drawing/2014/main" xmlns="" id="{3D82BE0A-533D-4156-8AE5-5FA08D7F5278}"/>
               </a:ext>
             </a:extLst>
           </p:cNvPr>
@@ -3313,7 +3319,7 @@
           <p:cNvPr id="5" name="日期占位符 4">
             <a:extLst>
               <a:ext uri="{FF2B5EF4-FFF2-40B4-BE49-F238E27FC236}">
-                <a16:creationId xmlns:a16="http://schemas.microsoft.com/office/drawing/2014/main" id="{F45B2D80-29F4-4BBB-86D2-D49AEB2CC470}"/>
+                <a16:creationId xmlns:a16="http://schemas.microsoft.com/office/drawing/2014/main" xmlns="" id="{F45B2D80-29F4-4BBB-86D2-D49AEB2CC470}"/>
               </a:ext>
             </a:extLst>
           </p:cNvPr>
@@ -3331,7 +3337,7 @@
           <a:p>
             <a:fld id="{98E2CBEF-B294-466C-8925-A1E487525CE0}" type="datetimeFigureOut">
               <a:rPr lang="zh-CN" altLang="en-US" smtClean="0"/>
-              <a:t>2019/1/13</a:t>
+              <a:t>2019/1/16</a:t>
             </a:fld>
             <a:endParaRPr lang="zh-CN" altLang="en-US"/>
           </a:p>
@@ -3342,7 +3348,7 @@
           <p:cNvPr id="6" name="页脚占位符 5">
             <a:extLst>
               <a:ext uri="{FF2B5EF4-FFF2-40B4-BE49-F238E27FC236}">
-                <a16:creationId xmlns:a16="http://schemas.microsoft.com/office/drawing/2014/main" id="{6BCED152-F21C-42F3-803C-1DD1620FD658}"/>
+                <a16:creationId xmlns:a16="http://schemas.microsoft.com/office/drawing/2014/main" xmlns="" id="{6BCED152-F21C-42F3-803C-1DD1620FD658}"/>
               </a:ext>
             </a:extLst>
           </p:cNvPr>
@@ -3367,7 +3373,7 @@
           <p:cNvPr id="7" name="灯片编号占位符 6">
             <a:extLst>
               <a:ext uri="{FF2B5EF4-FFF2-40B4-BE49-F238E27FC236}">
-                <a16:creationId xmlns:a16="http://schemas.microsoft.com/office/drawing/2014/main" id="{F169CD22-D9DC-443D-B766-53D22554B882}"/>
+                <a16:creationId xmlns:a16="http://schemas.microsoft.com/office/drawing/2014/main" xmlns="" id="{F169CD22-D9DC-443D-B766-53D22554B882}"/>
               </a:ext>
             </a:extLst>
           </p:cNvPr>
@@ -3426,7 +3432,7 @@
           <p:cNvPr id="2" name="标题 1">
             <a:extLst>
               <a:ext uri="{FF2B5EF4-FFF2-40B4-BE49-F238E27FC236}">
-                <a16:creationId xmlns:a16="http://schemas.microsoft.com/office/drawing/2014/main" id="{0A9EBF46-64AD-485B-8883-103B9C83C36F}"/>
+                <a16:creationId xmlns:a16="http://schemas.microsoft.com/office/drawing/2014/main" xmlns="" id="{0A9EBF46-64AD-485B-8883-103B9C83C36F}"/>
               </a:ext>
             </a:extLst>
           </p:cNvPr>
@@ -3463,7 +3469,7 @@
           <p:cNvPr id="3" name="图片占位符 2">
             <a:extLst>
               <a:ext uri="{FF2B5EF4-FFF2-40B4-BE49-F238E27FC236}">
-                <a16:creationId xmlns:a16="http://schemas.microsoft.com/office/drawing/2014/main" id="{43086960-4711-4169-821D-B9A81DC9013F}"/>
+                <a16:creationId xmlns:a16="http://schemas.microsoft.com/office/drawing/2014/main" xmlns="" id="{43086960-4711-4169-821D-B9A81DC9013F}"/>
               </a:ext>
             </a:extLst>
           </p:cNvPr>
@@ -3530,7 +3536,7 @@
           <p:cNvPr id="4" name="文本占位符 3">
             <a:extLst>
               <a:ext uri="{FF2B5EF4-FFF2-40B4-BE49-F238E27FC236}">
-                <a16:creationId xmlns:a16="http://schemas.microsoft.com/office/drawing/2014/main" id="{595AFA39-96C7-4B60-AA04-658F999B3B88}"/>
+                <a16:creationId xmlns:a16="http://schemas.microsoft.com/office/drawing/2014/main" xmlns="" id="{595AFA39-96C7-4B60-AA04-658F999B3B88}"/>
               </a:ext>
             </a:extLst>
           </p:cNvPr>
@@ -3601,7 +3607,7 @@
           <p:cNvPr id="5" name="日期占位符 4">
             <a:extLst>
               <a:ext uri="{FF2B5EF4-FFF2-40B4-BE49-F238E27FC236}">
-                <a16:creationId xmlns:a16="http://schemas.microsoft.com/office/drawing/2014/main" id="{D607AC73-CA67-4ECC-B4A5-6284D87F0F2E}"/>
+                <a16:creationId xmlns:a16="http://schemas.microsoft.com/office/drawing/2014/main" xmlns="" id="{D607AC73-CA67-4ECC-B4A5-6284D87F0F2E}"/>
               </a:ext>
             </a:extLst>
           </p:cNvPr>
@@ -3619,7 +3625,7 @@
           <a:p>
             <a:fld id="{98E2CBEF-B294-466C-8925-A1E487525CE0}" type="datetimeFigureOut">
               <a:rPr lang="zh-CN" altLang="en-US" smtClean="0"/>
-              <a:t>2019/1/13</a:t>
+              <a:t>2019/1/16</a:t>
             </a:fld>
             <a:endParaRPr lang="zh-CN" altLang="en-US"/>
           </a:p>
@@ -3630,7 +3636,7 @@
           <p:cNvPr id="6" name="页脚占位符 5">
             <a:extLst>
               <a:ext uri="{FF2B5EF4-FFF2-40B4-BE49-F238E27FC236}">
-                <a16:creationId xmlns:a16="http://schemas.microsoft.com/office/drawing/2014/main" id="{DA613D71-3473-46D3-B140-97A582119D99}"/>
+                <a16:creationId xmlns:a16="http://schemas.microsoft.com/office/drawing/2014/main" xmlns="" id="{DA613D71-3473-46D3-B140-97A582119D99}"/>
               </a:ext>
             </a:extLst>
           </p:cNvPr>
@@ -3655,7 +3661,7 @@
           <p:cNvPr id="7" name="灯片编号占位符 6">
             <a:extLst>
               <a:ext uri="{FF2B5EF4-FFF2-40B4-BE49-F238E27FC236}">
-                <a16:creationId xmlns:a16="http://schemas.microsoft.com/office/drawing/2014/main" id="{C0FE3CE2-75EE-4C12-BCFD-12F5282D6F33}"/>
+                <a16:creationId xmlns:a16="http://schemas.microsoft.com/office/drawing/2014/main" xmlns="" id="{C0FE3CE2-75EE-4C12-BCFD-12F5282D6F33}"/>
               </a:ext>
             </a:extLst>
           </p:cNvPr>
@@ -3719,7 +3725,7 @@
           <p:cNvPr id="2" name="标题占位符 1">
             <a:extLst>
               <a:ext uri="{FF2B5EF4-FFF2-40B4-BE49-F238E27FC236}">
-                <a16:creationId xmlns:a16="http://schemas.microsoft.com/office/drawing/2014/main" id="{22943E31-0BD0-4E4A-A318-716FDBB63CF0}"/>
+                <a16:creationId xmlns:a16="http://schemas.microsoft.com/office/drawing/2014/main" xmlns="" id="{22943E31-0BD0-4E4A-A318-716FDBB63CF0}"/>
               </a:ext>
             </a:extLst>
           </p:cNvPr>
@@ -3757,7 +3763,7 @@
           <p:cNvPr id="3" name="文本占位符 2">
             <a:extLst>
               <a:ext uri="{FF2B5EF4-FFF2-40B4-BE49-F238E27FC236}">
-                <a16:creationId xmlns:a16="http://schemas.microsoft.com/office/drawing/2014/main" id="{1889A2B7-2AF5-4F64-872B-2CC12D04638B}"/>
+                <a16:creationId xmlns:a16="http://schemas.microsoft.com/office/drawing/2014/main" xmlns="" id="{1889A2B7-2AF5-4F64-872B-2CC12D04638B}"/>
               </a:ext>
             </a:extLst>
           </p:cNvPr>
@@ -3824,7 +3830,7 @@
           <p:cNvPr id="4" name="日期占位符 3">
             <a:extLst>
               <a:ext uri="{FF2B5EF4-FFF2-40B4-BE49-F238E27FC236}">
-                <a16:creationId xmlns:a16="http://schemas.microsoft.com/office/drawing/2014/main" id="{F9EBCF2A-2F04-4088-8D87-FCEF487B96BE}"/>
+                <a16:creationId xmlns:a16="http://schemas.microsoft.com/office/drawing/2014/main" xmlns="" id="{F9EBCF2A-2F04-4088-8D87-FCEF487B96BE}"/>
               </a:ext>
             </a:extLst>
           </p:cNvPr>
@@ -3860,7 +3866,7 @@
           <a:p>
             <a:fld id="{98E2CBEF-B294-466C-8925-A1E487525CE0}" type="datetimeFigureOut">
               <a:rPr lang="zh-CN" altLang="en-US" smtClean="0"/>
-              <a:t>2019/1/13</a:t>
+              <a:t>2019/1/16</a:t>
             </a:fld>
             <a:endParaRPr lang="zh-CN" altLang="en-US"/>
           </a:p>
@@ -3871,7 +3877,7 @@
           <p:cNvPr id="5" name="页脚占位符 4">
             <a:extLst>
               <a:ext uri="{FF2B5EF4-FFF2-40B4-BE49-F238E27FC236}">
-                <a16:creationId xmlns:a16="http://schemas.microsoft.com/office/drawing/2014/main" id="{0D064B0C-74C7-4318-9862-F37D1B8D0BA3}"/>
+                <a16:creationId xmlns:a16="http://schemas.microsoft.com/office/drawing/2014/main" xmlns="" id="{0D064B0C-74C7-4318-9862-F37D1B8D0BA3}"/>
               </a:ext>
             </a:extLst>
           </p:cNvPr>
@@ -3914,7 +3920,7 @@
           <p:cNvPr id="6" name="灯片编号占位符 5">
             <a:extLst>
               <a:ext uri="{FF2B5EF4-FFF2-40B4-BE49-F238E27FC236}">
-                <a16:creationId xmlns:a16="http://schemas.microsoft.com/office/drawing/2014/main" id="{E0B76D1B-5564-4012-B8C7-5EA1F8C23023}"/>
+                <a16:creationId xmlns:a16="http://schemas.microsoft.com/office/drawing/2014/main" xmlns="" id="{E0B76D1B-5564-4012-B8C7-5EA1F8C23023}"/>
               </a:ext>
             </a:extLst>
           </p:cNvPr>
@@ -4291,7 +4297,7 @@
           <p:cNvPr id="2" name="标题 1">
             <a:extLst>
               <a:ext uri="{FF2B5EF4-FFF2-40B4-BE49-F238E27FC236}">
-                <a16:creationId xmlns:a16="http://schemas.microsoft.com/office/drawing/2014/main" id="{D60E2B79-D73D-4B65-97EB-DDE189E2DD74}"/>
+                <a16:creationId xmlns:a16="http://schemas.microsoft.com/office/drawing/2014/main" xmlns="" id="{D60E2B79-D73D-4B65-97EB-DDE189E2DD74}"/>
               </a:ext>
             </a:extLst>
           </p:cNvPr>
@@ -4320,7 +4326,7 @@
           <p:cNvPr id="3" name="副标题 2">
             <a:extLst>
               <a:ext uri="{FF2B5EF4-FFF2-40B4-BE49-F238E27FC236}">
-                <a16:creationId xmlns:a16="http://schemas.microsoft.com/office/drawing/2014/main" id="{3F8FFAC7-2B2A-4D7E-AF92-F275D4E60344}"/>
+                <a16:creationId xmlns:a16="http://schemas.microsoft.com/office/drawing/2014/main" xmlns="" id="{3F8FFAC7-2B2A-4D7E-AF92-F275D4E60344}"/>
               </a:ext>
             </a:extLst>
           </p:cNvPr>
@@ -4357,6 +4363,13 @@
   <p:clrMapOvr>
     <a:masterClrMapping/>
   </p:clrMapOvr>
+  <p:timing>
+    <p:tnLst>
+      <p:par>
+        <p:cTn id="1" dur="indefinite" restart="never" nodeType="tmRoot"/>
+      </p:par>
+    </p:tnLst>
+  </p:timing>
 </p:sld>
 </file>
 
@@ -4382,7 +4395,7 @@
           <p:cNvPr id="2" name="标题 1">
             <a:extLst>
               <a:ext uri="{FF2B5EF4-FFF2-40B4-BE49-F238E27FC236}">
-                <a16:creationId xmlns:a16="http://schemas.microsoft.com/office/drawing/2014/main" id="{03FCCFFB-FFB7-4AC4-97E4-E963267422F0}"/>
+                <a16:creationId xmlns:a16="http://schemas.microsoft.com/office/drawing/2014/main" xmlns="" id="{03FCCFFB-FFB7-4AC4-97E4-E963267422F0}"/>
               </a:ext>
             </a:extLst>
           </p:cNvPr>
@@ -4412,7 +4425,7 @@
           <p:cNvPr id="3" name="内容占位符 2">
             <a:extLst>
               <a:ext uri="{FF2B5EF4-FFF2-40B4-BE49-F238E27FC236}">
-                <a16:creationId xmlns:a16="http://schemas.microsoft.com/office/drawing/2014/main" id="{8DF7D23A-14A4-422F-B817-E208D7B44F56}"/>
+                <a16:creationId xmlns:a16="http://schemas.microsoft.com/office/drawing/2014/main" xmlns="" id="{8DF7D23A-14A4-422F-B817-E208D7B44F56}"/>
               </a:ext>
             </a:extLst>
           </p:cNvPr>
@@ -4432,79 +4445,51 @@
               <a:buNone/>
             </a:pPr>
             <a:r>
-              <a:rPr lang="en-US" altLang="zh-CN" dirty="0"/>
-              <a:t>Unsafe</a:t>
-            </a:r>
-            <a:r>
-              <a:rPr lang="zh-CN" altLang="en-US" dirty="0"/>
-              <a:t>类介绍</a:t>
-            </a:r>
+              <a:rPr lang="zh-CN" altLang="en-US" dirty="0" smtClean="0"/>
+              <a:t>如何</a:t>
+            </a:r>
+            <a:r>
+              <a:rPr lang="zh-CN" altLang="en-US" dirty="0"/>
+              <a:t>创建</a:t>
+            </a:r>
+            <a:r>
+              <a:rPr lang="zh-CN" altLang="en-US" dirty="0" smtClean="0"/>
+              <a:t>对象</a:t>
+            </a:r>
+            <a:endParaRPr lang="en-US" altLang="zh-CN" dirty="0" smtClean="0"/>
+          </a:p>
+          <a:p>
+            <a:pPr marL="0" indent="0">
+              <a:buNone/>
+            </a:pPr>
             <a:endParaRPr lang="en-US" altLang="zh-CN" dirty="0"/>
           </a:p>
-          <a:p>
-            <a:pPr marL="0" indent="0">
-              <a:buNone/>
-            </a:pPr>
-            <a:r>
-              <a:rPr lang="en-US" altLang="zh-CN" dirty="0"/>
-              <a:t>Cas</a:t>
-            </a:r>
-          </a:p>
-          <a:p>
-            <a:pPr marL="0" indent="0">
-              <a:buNone/>
-            </a:pPr>
-            <a:r>
-              <a:rPr lang="zh-CN" altLang="en-US" dirty="0"/>
-              <a:t>对象</a:t>
-            </a:r>
-            <a:r>
-              <a:rPr lang="en-US" altLang="zh-CN" dirty="0"/>
-              <a:t>clone</a:t>
-            </a:r>
-          </a:p>
-          <a:p>
-            <a:pPr marL="0" indent="0">
-              <a:buNone/>
-            </a:pPr>
-            <a:r>
-              <a:rPr lang="zh-CN" altLang="en-US" dirty="0"/>
-              <a:t>线程挂起恢复</a:t>
-            </a:r>
-            <a:endParaRPr lang="en-US" altLang="zh-CN" dirty="0"/>
-          </a:p>
-          <a:p>
-            <a:pPr marL="0" indent="0">
-              <a:buNone/>
-            </a:pPr>
-            <a:r>
-              <a:rPr lang="zh-CN" altLang="en-US" dirty="0"/>
-              <a:t>堆外内存</a:t>
-            </a:r>
-            <a:endParaRPr lang="en-US" altLang="zh-CN" dirty="0"/>
-          </a:p>
-          <a:p>
-            <a:pPr marL="0" indent="0">
-              <a:buNone/>
-            </a:pPr>
-            <a:r>
-              <a:rPr lang="zh-CN" altLang="en-US" dirty="0"/>
-              <a:t>计算对象大小</a:t>
-            </a:r>
-            <a:endParaRPr lang="en-US" altLang="zh-CN" dirty="0"/>
-          </a:p>
-          <a:p>
-            <a:pPr marL="0" indent="0">
-              <a:buNone/>
-            </a:pPr>
-            <a:r>
-              <a:rPr lang="zh-CN" altLang="en-US" dirty="0"/>
-              <a:t>如何创建对象</a:t>
-            </a:r>
-            <a:endParaRPr lang="en-US" altLang="zh-CN" dirty="0"/>
-          </a:p>
-        </p:txBody>
-      </p:sp>
+        </p:txBody>
+      </p:sp>
+      <p:pic>
+        <p:nvPicPr>
+          <p:cNvPr id="4" name="图片 3"/>
+          <p:cNvPicPr>
+            <a:picLocks noChangeAspect="1"/>
+          </p:cNvPicPr>
+          <p:nvPr/>
+        </p:nvPicPr>
+        <p:blipFill>
+          <a:blip r:embed="rId2"/>
+          <a:stretch>
+            <a:fillRect/>
+          </a:stretch>
+        </p:blipFill>
+        <p:spPr>
+          <a:xfrm>
+            <a:off x="1002553" y="2341951"/>
+            <a:ext cx="9801225" cy="3318685"/>
+          </a:xfrm>
+          <a:prstGeom prst="rect">
+            <a:avLst/>
+          </a:prstGeom>
+        </p:spPr>
+      </p:pic>
     </p:spTree>
     <p:extLst>
       <p:ext uri="{BB962C8B-B14F-4D97-AF65-F5344CB8AC3E}">
@@ -4515,6 +4500,108 @@
   <p:clrMapOvr>
     <a:masterClrMapping/>
   </p:clrMapOvr>
+  <p:timing>
+    <p:tnLst>
+      <p:par>
+        <p:cTn id="1" dur="indefinite" restart="never" nodeType="tmRoot"/>
+      </p:par>
+    </p:tnLst>
+  </p:timing>
+</p:sld>
+</file>
+
+<file path=ppt/slides/slide11.xml><?xml version="1.0" encoding="utf-8"?>
+<p:sld xmlns:a="http://schemas.openxmlformats.org/drawingml/2006/main" xmlns:r="http://schemas.openxmlformats.org/officeDocument/2006/relationships" xmlns:p="http://schemas.openxmlformats.org/presentationml/2006/main">
+  <p:cSld>
+    <p:spTree>
+      <p:nvGrpSpPr>
+        <p:cNvPr id="1" name=""/>
+        <p:cNvGrpSpPr/>
+        <p:nvPr/>
+      </p:nvGrpSpPr>
+      <p:grpSpPr>
+        <a:xfrm>
+          <a:off x="0" y="0"/>
+          <a:ext cx="0" cy="0"/>
+          <a:chOff x="0" y="0"/>
+          <a:chExt cx="0" cy="0"/>
+        </a:xfrm>
+      </p:grpSpPr>
+      <p:sp>
+        <p:nvSpPr>
+          <p:cNvPr id="2" name="标题 1">
+            <a:extLst>
+              <a:ext uri="{FF2B5EF4-FFF2-40B4-BE49-F238E27FC236}">
+                <a16:creationId xmlns:a16="http://schemas.microsoft.com/office/drawing/2014/main" xmlns="" id="{03FCCFFB-FFB7-4AC4-97E4-E963267422F0}"/>
+              </a:ext>
+            </a:extLst>
+          </p:cNvPr>
+          <p:cNvSpPr>
+            <a:spLocks noGrp="1"/>
+          </p:cNvSpPr>
+          <p:nvPr>
+            <p:ph type="title"/>
+          </p:nvPr>
+        </p:nvSpPr>
+        <p:spPr/>
+        <p:txBody>
+          <a:bodyPr/>
+          <a:lstStyle/>
+          <a:p>
+            <a:pPr algn="ctr"/>
+            <a:r>
+              <a:rPr lang="zh-CN" altLang="en-US" b="1" dirty="0" smtClean="0"/>
+              <a:t>写代码时经常碰到的问题</a:t>
+            </a:r>
+            <a:endParaRPr lang="zh-CN" altLang="en-US" b="1" dirty="0"/>
+          </a:p>
+        </p:txBody>
+      </p:sp>
+      <p:sp>
+        <p:nvSpPr>
+          <p:cNvPr id="3" name="内容占位符 2">
+            <a:extLst>
+              <a:ext uri="{FF2B5EF4-FFF2-40B4-BE49-F238E27FC236}">
+                <a16:creationId xmlns:a16="http://schemas.microsoft.com/office/drawing/2014/main" xmlns="" id="{8DF7D23A-14A4-422F-B817-E208D7B44F56}"/>
+              </a:ext>
+            </a:extLst>
+          </p:cNvPr>
+          <p:cNvSpPr>
+            <a:spLocks noGrp="1"/>
+          </p:cNvSpPr>
+          <p:nvPr>
+            <p:ph idx="1"/>
+          </p:nvPr>
+        </p:nvSpPr>
+        <p:spPr/>
+        <p:txBody>
+          <a:bodyPr/>
+          <a:lstStyle/>
+          <a:p>
+            <a:pPr marL="0" indent="0">
+              <a:buNone/>
+            </a:pPr>
+            <a:endParaRPr lang="en-US" altLang="zh-CN" dirty="0"/>
+          </a:p>
+        </p:txBody>
+      </p:sp>
+    </p:spTree>
+    <p:extLst>
+      <p:ext uri="{BB962C8B-B14F-4D97-AF65-F5344CB8AC3E}">
+        <p14:creationId xmlns:p14="http://schemas.microsoft.com/office/powerpoint/2010/main" val="2115744727"/>
+      </p:ext>
+    </p:extLst>
+  </p:cSld>
+  <p:clrMapOvr>
+    <a:masterClrMapping/>
+  </p:clrMapOvr>
+  <p:timing>
+    <p:tnLst>
+      <p:par>
+        <p:cTn id="1" dur="indefinite" restart="never" nodeType="tmRoot"/>
+      </p:par>
+    </p:tnLst>
+  </p:timing>
 </p:sld>
 </file>
 
@@ -4540,7 +4627,7 @@
           <p:cNvPr id="2" name="标题 1">
             <a:extLst>
               <a:ext uri="{FF2B5EF4-FFF2-40B4-BE49-F238E27FC236}">
-                <a16:creationId xmlns:a16="http://schemas.microsoft.com/office/drawing/2014/main" id="{03FCCFFB-FFB7-4AC4-97E4-E963267422F0}"/>
+                <a16:creationId xmlns:a16="http://schemas.microsoft.com/office/drawing/2014/main" xmlns="" id="{03FCCFFB-FFB7-4AC4-97E4-E963267422F0}"/>
               </a:ext>
             </a:extLst>
           </p:cNvPr>
@@ -4568,7 +4655,7 @@
           <p:cNvPr id="3" name="内容占位符 2">
             <a:extLst>
               <a:ext uri="{FF2B5EF4-FFF2-40B4-BE49-F238E27FC236}">
-                <a16:creationId xmlns:a16="http://schemas.microsoft.com/office/drawing/2014/main" id="{8DF7D23A-14A4-422F-B817-E208D7B44F56}"/>
+                <a16:creationId xmlns:a16="http://schemas.microsoft.com/office/drawing/2014/main" xmlns="" id="{8DF7D23A-14A4-422F-B817-E208D7B44F56}"/>
               </a:ext>
             </a:extLst>
           </p:cNvPr>
@@ -4609,6 +4696,13 @@
   <p:clrMapOvr>
     <a:masterClrMapping/>
   </p:clrMapOvr>
+  <p:timing>
+    <p:tnLst>
+      <p:par>
+        <p:cTn id="1" dur="indefinite" restart="never" nodeType="tmRoot"/>
+      </p:par>
+    </p:tnLst>
+  </p:timing>
 </p:sld>
 </file>
 
@@ -4634,7 +4728,7 @@
           <p:cNvPr id="2" name="标题 1">
             <a:extLst>
               <a:ext uri="{FF2B5EF4-FFF2-40B4-BE49-F238E27FC236}">
-                <a16:creationId xmlns:a16="http://schemas.microsoft.com/office/drawing/2014/main" id="{03FCCFFB-FFB7-4AC4-97E4-E963267422F0}"/>
+                <a16:creationId xmlns:a16="http://schemas.microsoft.com/office/drawing/2014/main" xmlns="" id="{03FCCFFB-FFB7-4AC4-97E4-E963267422F0}"/>
               </a:ext>
             </a:extLst>
           </p:cNvPr>
@@ -4662,7 +4756,7 @@
           <p:cNvPr id="3" name="内容占位符 2">
             <a:extLst>
               <a:ext uri="{FF2B5EF4-FFF2-40B4-BE49-F238E27FC236}">
-                <a16:creationId xmlns:a16="http://schemas.microsoft.com/office/drawing/2014/main" id="{8DF7D23A-14A4-422F-B817-E208D7B44F56}"/>
+                <a16:creationId xmlns:a16="http://schemas.microsoft.com/office/drawing/2014/main" xmlns="" id="{8DF7D23A-14A4-422F-B817-E208D7B44F56}"/>
               </a:ext>
             </a:extLst>
           </p:cNvPr>
@@ -4744,6 +4838,13 @@
   <p:clrMapOvr>
     <a:masterClrMapping/>
   </p:clrMapOvr>
+  <p:timing>
+    <p:tnLst>
+      <p:par>
+        <p:cTn id="1" dur="indefinite" restart="never" nodeType="tmRoot"/>
+      </p:par>
+    </p:tnLst>
+  </p:timing>
 </p:sld>
 </file>
 
@@ -4769,7 +4870,7 @@
           <p:cNvPr id="2" name="标题 1">
             <a:extLst>
               <a:ext uri="{FF2B5EF4-FFF2-40B4-BE49-F238E27FC236}">
-                <a16:creationId xmlns:a16="http://schemas.microsoft.com/office/drawing/2014/main" id="{03FCCFFB-FFB7-4AC4-97E4-E963267422F0}"/>
+                <a16:creationId xmlns:a16="http://schemas.microsoft.com/office/drawing/2014/main" xmlns="" id="{03FCCFFB-FFB7-4AC4-97E4-E963267422F0}"/>
               </a:ext>
             </a:extLst>
           </p:cNvPr>
@@ -4805,7 +4906,7 @@
           <p:cNvPr id="3" name="内容占位符 2">
             <a:extLst>
               <a:ext uri="{FF2B5EF4-FFF2-40B4-BE49-F238E27FC236}">
-                <a16:creationId xmlns:a16="http://schemas.microsoft.com/office/drawing/2014/main" id="{8DF7D23A-14A4-422F-B817-E208D7B44F56}"/>
+                <a16:creationId xmlns:a16="http://schemas.microsoft.com/office/drawing/2014/main" xmlns="" id="{8DF7D23A-14A4-422F-B817-E208D7B44F56}"/>
               </a:ext>
             </a:extLst>
           </p:cNvPr>
@@ -4824,6 +4925,10 @@
             <a:pPr marL="0" indent="0">
               <a:buNone/>
             </a:pPr>
+            <a:r>
+              <a:rPr lang="zh-CN" altLang="en-US" dirty="0" smtClean="0"/>
+              <a:t>不演示</a:t>
+            </a:r>
             <a:endParaRPr lang="zh-CN" altLang="en-US" dirty="0"/>
           </a:p>
         </p:txBody>
@@ -4838,6 +4943,13 @@
   <p:clrMapOvr>
     <a:masterClrMapping/>
   </p:clrMapOvr>
+  <p:timing>
+    <p:tnLst>
+      <p:par>
+        <p:cTn id="1" dur="indefinite" restart="never" nodeType="tmRoot"/>
+      </p:par>
+    </p:tnLst>
+  </p:timing>
 </p:sld>
 </file>
 
@@ -4863,7 +4975,7 @@
           <p:cNvPr id="2" name="标题 1">
             <a:extLst>
               <a:ext uri="{FF2B5EF4-FFF2-40B4-BE49-F238E27FC236}">
-                <a16:creationId xmlns:a16="http://schemas.microsoft.com/office/drawing/2014/main" id="{03FCCFFB-FFB7-4AC4-97E4-E963267422F0}"/>
+                <a16:creationId xmlns:a16="http://schemas.microsoft.com/office/drawing/2014/main" xmlns="" id="{03FCCFFB-FFB7-4AC4-97E4-E963267422F0}"/>
               </a:ext>
             </a:extLst>
           </p:cNvPr>
@@ -4892,7 +5004,7 @@
           <p:cNvPr id="3" name="内容占位符 2">
             <a:extLst>
               <a:ext uri="{FF2B5EF4-FFF2-40B4-BE49-F238E27FC236}">
-                <a16:creationId xmlns:a16="http://schemas.microsoft.com/office/drawing/2014/main" id="{8DF7D23A-14A4-422F-B817-E208D7B44F56}"/>
+                <a16:creationId xmlns:a16="http://schemas.microsoft.com/office/drawing/2014/main" xmlns="" id="{8DF7D23A-14A4-422F-B817-E208D7B44F56}"/>
               </a:ext>
             </a:extLst>
           </p:cNvPr>
@@ -4990,7 +5102,7 @@
           <p:cNvPr id="10" name="图片 9">
             <a:extLst>
               <a:ext uri="{FF2B5EF4-FFF2-40B4-BE49-F238E27FC236}">
-                <a16:creationId xmlns:a16="http://schemas.microsoft.com/office/drawing/2014/main" id="{3E661419-B75F-4AD4-8FEE-5A788603A8FB}"/>
+                <a16:creationId xmlns:a16="http://schemas.microsoft.com/office/drawing/2014/main" xmlns="" id="{3E661419-B75F-4AD4-8FEE-5A788603A8FB}"/>
               </a:ext>
             </a:extLst>
           </p:cNvPr>
@@ -5020,7 +5132,7 @@
           <p:cNvPr id="12" name="直接连接符 11">
             <a:extLst>
               <a:ext uri="{FF2B5EF4-FFF2-40B4-BE49-F238E27FC236}">
-                <a16:creationId xmlns:a16="http://schemas.microsoft.com/office/drawing/2014/main" id="{76B0CAE6-105D-4D3B-93E6-749D4F03A8DE}"/>
+                <a16:creationId xmlns:a16="http://schemas.microsoft.com/office/drawing/2014/main" xmlns="" id="{76B0CAE6-105D-4D3B-93E6-749D4F03A8DE}"/>
               </a:ext>
             </a:extLst>
           </p:cNvPr>
@@ -5056,7 +5168,7 @@
           <p:cNvPr id="14" name="直接连接符 13">
             <a:extLst>
               <a:ext uri="{FF2B5EF4-FFF2-40B4-BE49-F238E27FC236}">
-                <a16:creationId xmlns:a16="http://schemas.microsoft.com/office/drawing/2014/main" id="{75417691-A296-48B8-8C62-A5908AC6DACB}"/>
+                <a16:creationId xmlns:a16="http://schemas.microsoft.com/office/drawing/2014/main" xmlns="" id="{75417691-A296-48B8-8C62-A5908AC6DACB}"/>
               </a:ext>
             </a:extLst>
           </p:cNvPr>
@@ -5097,6 +5209,13 @@
   <p:clrMapOvr>
     <a:masterClrMapping/>
   </p:clrMapOvr>
+  <p:timing>
+    <p:tnLst>
+      <p:par>
+        <p:cTn id="1" dur="indefinite" restart="never" nodeType="tmRoot"/>
+      </p:par>
+    </p:tnLst>
+  </p:timing>
 </p:sld>
 </file>
 
@@ -5122,7 +5241,7 @@
           <p:cNvPr id="2" name="标题 1">
             <a:extLst>
               <a:ext uri="{FF2B5EF4-FFF2-40B4-BE49-F238E27FC236}">
-                <a16:creationId xmlns:a16="http://schemas.microsoft.com/office/drawing/2014/main" id="{03FCCFFB-FFB7-4AC4-97E4-E963267422F0}"/>
+                <a16:creationId xmlns:a16="http://schemas.microsoft.com/office/drawing/2014/main" xmlns="" id="{03FCCFFB-FFB7-4AC4-97E4-E963267422F0}"/>
               </a:ext>
             </a:extLst>
           </p:cNvPr>
@@ -5152,7 +5271,7 @@
           <p:cNvPr id="3" name="内容占位符 2">
             <a:extLst>
               <a:ext uri="{FF2B5EF4-FFF2-40B4-BE49-F238E27FC236}">
-                <a16:creationId xmlns:a16="http://schemas.microsoft.com/office/drawing/2014/main" id="{8DF7D23A-14A4-422F-B817-E208D7B44F56}"/>
+                <a16:creationId xmlns:a16="http://schemas.microsoft.com/office/drawing/2014/main" xmlns="" id="{8DF7D23A-14A4-422F-B817-E208D7B44F56}"/>
               </a:ext>
             </a:extLst>
           </p:cNvPr>
@@ -5237,6 +5356,13 @@
   <p:clrMapOvr>
     <a:masterClrMapping/>
   </p:clrMapOvr>
+  <p:timing>
+    <p:tnLst>
+      <p:par>
+        <p:cTn id="1" dur="indefinite" restart="never" nodeType="tmRoot"/>
+      </p:par>
+    </p:tnLst>
+  </p:timing>
 </p:sld>
 </file>
 
@@ -5262,7 +5388,7 @@
           <p:cNvPr id="2" name="标题 1">
             <a:extLst>
               <a:ext uri="{FF2B5EF4-FFF2-40B4-BE49-F238E27FC236}">
-                <a16:creationId xmlns:a16="http://schemas.microsoft.com/office/drawing/2014/main" id="{03FCCFFB-FFB7-4AC4-97E4-E963267422F0}"/>
+                <a16:creationId xmlns:a16="http://schemas.microsoft.com/office/drawing/2014/main" xmlns="" id="{03FCCFFB-FFB7-4AC4-97E4-E963267422F0}"/>
               </a:ext>
             </a:extLst>
           </p:cNvPr>
@@ -5291,7 +5417,7 @@
           <p:cNvPr id="6" name="内容占位符 5">
             <a:extLst>
               <a:ext uri="{FF2B5EF4-FFF2-40B4-BE49-F238E27FC236}">
-                <a16:creationId xmlns:a16="http://schemas.microsoft.com/office/drawing/2014/main" id="{A7FA1D3A-7E94-4DC4-839F-306646E7D14A}"/>
+                <a16:creationId xmlns:a16="http://schemas.microsoft.com/office/drawing/2014/main" xmlns="" id="{A7FA1D3A-7E94-4DC4-839F-306646E7D14A}"/>
               </a:ext>
             </a:extLst>
           </p:cNvPr>
@@ -5312,22 +5438,28 @@
               <a:t>参考</a:t>
             </a:r>
             <a:r>
-              <a:rPr lang="en-US" altLang="zh-CN" dirty="0"/>
+              <a:rPr lang="en-US" altLang="zh-CN" dirty="0" smtClean="0"/>
               <a:t>Test02</a:t>
             </a:r>
-            <a:endParaRPr lang="zh-CN" altLang="en-US" dirty="0"/>
+            <a:endParaRPr lang="en-US" altLang="zh-CN" dirty="0"/>
+          </a:p>
+          <a:p>
+            <a:pPr marL="0" indent="0">
+              <a:buNone/>
+            </a:pPr>
+            <a:endParaRPr lang="en-US" altLang="zh-CN" dirty="0"/>
+          </a:p>
+          <a:p>
+            <a:pPr marL="0" indent="0">
+              <a:buNone/>
+            </a:pPr>
+            <a:endParaRPr lang="en-US" altLang="zh-CN" dirty="0" smtClean="0"/>
           </a:p>
         </p:txBody>
       </p:sp>
       <p:pic>
         <p:nvPicPr>
-          <p:cNvPr id="7" name="图片 6">
-            <a:extLst>
-              <a:ext uri="{FF2B5EF4-FFF2-40B4-BE49-F238E27FC236}">
-                <a16:creationId xmlns:a16="http://schemas.microsoft.com/office/drawing/2014/main" id="{14A858DE-5789-4B92-81DA-F36073405BA6}"/>
-              </a:ext>
-            </a:extLst>
-          </p:cNvPr>
+          <p:cNvPr id="3" name="图片 2"/>
           <p:cNvPicPr>
             <a:picLocks noChangeAspect="1"/>
           </p:cNvPicPr>
@@ -5341,310 +5473,14 @@
         </p:blipFill>
         <p:spPr>
           <a:xfrm>
-            <a:off x="2067407" y="2406449"/>
-            <a:ext cx="9413393" cy="3905451"/>
+            <a:off x="1430597" y="2766526"/>
+            <a:ext cx="8086725" cy="2743200"/>
           </a:xfrm>
           <a:prstGeom prst="rect">
             <a:avLst/>
           </a:prstGeom>
         </p:spPr>
       </p:pic>
-      <p:sp>
-        <p:nvSpPr>
-          <p:cNvPr id="8" name="矩形 7">
-            <a:extLst>
-              <a:ext uri="{FF2B5EF4-FFF2-40B4-BE49-F238E27FC236}">
-                <a16:creationId xmlns:a16="http://schemas.microsoft.com/office/drawing/2014/main" id="{7B325AC4-FA63-4C8F-AD2B-5ABC44A487F5}"/>
-              </a:ext>
-            </a:extLst>
-          </p:cNvPr>
-          <p:cNvSpPr/>
-          <p:nvPr/>
-        </p:nvSpPr>
-        <p:spPr>
-          <a:xfrm>
-            <a:off x="1087120" y="2580640"/>
-            <a:ext cx="1259840" cy="1696720"/>
-          </a:xfrm>
-          <a:prstGeom prst="rect">
-            <a:avLst/>
-          </a:prstGeom>
-        </p:spPr>
-        <p:style>
-          <a:lnRef idx="2">
-            <a:schemeClr val="accent6"/>
-          </a:lnRef>
-          <a:fillRef idx="1">
-            <a:schemeClr val="lt1"/>
-          </a:fillRef>
-          <a:effectRef idx="0">
-            <a:schemeClr val="accent6"/>
-          </a:effectRef>
-          <a:fontRef idx="minor">
-            <a:schemeClr val="dk1"/>
-          </a:fontRef>
-        </p:style>
-        <p:txBody>
-          <a:bodyPr rtlCol="0" anchor="ctr"/>
-          <a:lstStyle/>
-          <a:p>
-            <a:pPr algn="ctr"/>
-            <a:endParaRPr lang="zh-CN" altLang="en-US"/>
-          </a:p>
-        </p:txBody>
-      </p:sp>
-      <p:cxnSp>
-        <p:nvCxnSpPr>
-          <p:cNvPr id="10" name="直接连接符 9">
-            <a:extLst>
-              <a:ext uri="{FF2B5EF4-FFF2-40B4-BE49-F238E27FC236}">
-                <a16:creationId xmlns:a16="http://schemas.microsoft.com/office/drawing/2014/main" id="{088817A2-44B1-400A-8132-51F33A8DCCE7}"/>
-              </a:ext>
-            </a:extLst>
-          </p:cNvPr>
-          <p:cNvCxnSpPr/>
-          <p:nvPr/>
-        </p:nvCxnSpPr>
-        <p:spPr>
-          <a:xfrm>
-            <a:off x="1087120" y="3037840"/>
-            <a:ext cx="1178560" cy="0"/>
-          </a:xfrm>
-          <a:prstGeom prst="line">
-            <a:avLst/>
-          </a:prstGeom>
-        </p:spPr>
-        <p:style>
-          <a:lnRef idx="1">
-            <a:schemeClr val="accent1"/>
-          </a:lnRef>
-          <a:fillRef idx="0">
-            <a:schemeClr val="accent1"/>
-          </a:fillRef>
-          <a:effectRef idx="0">
-            <a:schemeClr val="accent1"/>
-          </a:effectRef>
-          <a:fontRef idx="minor">
-            <a:schemeClr val="tx1"/>
-          </a:fontRef>
-        </p:style>
-      </p:cxnSp>
-      <p:cxnSp>
-        <p:nvCxnSpPr>
-          <p:cNvPr id="11" name="直接连接符 10">
-            <a:extLst>
-              <a:ext uri="{FF2B5EF4-FFF2-40B4-BE49-F238E27FC236}">
-                <a16:creationId xmlns:a16="http://schemas.microsoft.com/office/drawing/2014/main" id="{FD075405-1CFD-4852-B44B-808B2E1E4460}"/>
-              </a:ext>
-            </a:extLst>
-          </p:cNvPr>
-          <p:cNvCxnSpPr/>
-          <p:nvPr/>
-        </p:nvCxnSpPr>
-        <p:spPr>
-          <a:xfrm>
-            <a:off x="1087120" y="3352800"/>
-            <a:ext cx="1178560" cy="0"/>
-          </a:xfrm>
-          <a:prstGeom prst="line">
-            <a:avLst/>
-          </a:prstGeom>
-        </p:spPr>
-        <p:style>
-          <a:lnRef idx="1">
-            <a:schemeClr val="accent1"/>
-          </a:lnRef>
-          <a:fillRef idx="0">
-            <a:schemeClr val="accent1"/>
-          </a:fillRef>
-          <a:effectRef idx="0">
-            <a:schemeClr val="accent1"/>
-          </a:effectRef>
-          <a:fontRef idx="minor">
-            <a:schemeClr val="tx1"/>
-          </a:fontRef>
-        </p:style>
-      </p:cxnSp>
-      <p:cxnSp>
-        <p:nvCxnSpPr>
-          <p:cNvPr id="12" name="直接连接符 11">
-            <a:extLst>
-              <a:ext uri="{FF2B5EF4-FFF2-40B4-BE49-F238E27FC236}">
-                <a16:creationId xmlns:a16="http://schemas.microsoft.com/office/drawing/2014/main" id="{F9D512C3-40FF-40FD-A3BE-E60D013F4B47}"/>
-              </a:ext>
-            </a:extLst>
-          </p:cNvPr>
-          <p:cNvCxnSpPr/>
-          <p:nvPr/>
-        </p:nvCxnSpPr>
-        <p:spPr>
-          <a:xfrm>
-            <a:off x="1168400" y="3789680"/>
-            <a:ext cx="1178560" cy="0"/>
-          </a:xfrm>
-          <a:prstGeom prst="line">
-            <a:avLst/>
-          </a:prstGeom>
-        </p:spPr>
-        <p:style>
-          <a:lnRef idx="1">
-            <a:schemeClr val="accent1"/>
-          </a:lnRef>
-          <a:fillRef idx="0">
-            <a:schemeClr val="accent1"/>
-          </a:fillRef>
-          <a:effectRef idx="0">
-            <a:schemeClr val="accent1"/>
-          </a:effectRef>
-          <a:fontRef idx="minor">
-            <a:schemeClr val="tx1"/>
-          </a:fontRef>
-        </p:style>
-      </p:cxnSp>
-      <p:sp>
-        <p:nvSpPr>
-          <p:cNvPr id="13" name="文本框 12">
-            <a:extLst>
-              <a:ext uri="{FF2B5EF4-FFF2-40B4-BE49-F238E27FC236}">
-                <a16:creationId xmlns:a16="http://schemas.microsoft.com/office/drawing/2014/main" id="{54EEFB92-4248-42A1-A1D7-F9A207517CDD}"/>
-              </a:ext>
-            </a:extLst>
-          </p:cNvPr>
-          <p:cNvSpPr txBox="1"/>
-          <p:nvPr/>
-        </p:nvSpPr>
-        <p:spPr>
-          <a:xfrm>
-            <a:off x="1226896" y="2668508"/>
-            <a:ext cx="899007" cy="369332"/>
-          </a:xfrm>
-          <a:prstGeom prst="rect">
-            <a:avLst/>
-          </a:prstGeom>
-          <a:noFill/>
-        </p:spPr>
-        <p:txBody>
-          <a:bodyPr wrap="square" rtlCol="0">
-            <a:spAutoFit/>
-          </a:bodyPr>
-          <a:lstStyle/>
-          <a:p>
-            <a:r>
-              <a:rPr lang="en-US" altLang="zh-CN" dirty="0"/>
-              <a:t>Integer</a:t>
-            </a:r>
-            <a:endParaRPr lang="zh-CN" altLang="en-US" dirty="0"/>
-          </a:p>
-        </p:txBody>
-      </p:sp>
-      <p:sp>
-        <p:nvSpPr>
-          <p:cNvPr id="16" name="文本框 15">
-            <a:extLst>
-              <a:ext uri="{FF2B5EF4-FFF2-40B4-BE49-F238E27FC236}">
-                <a16:creationId xmlns:a16="http://schemas.microsoft.com/office/drawing/2014/main" id="{ED9428B8-F94A-40D5-81E8-4B741CD1651F}"/>
-              </a:ext>
-            </a:extLst>
-          </p:cNvPr>
-          <p:cNvSpPr txBox="1"/>
-          <p:nvPr/>
-        </p:nvSpPr>
-        <p:spPr>
-          <a:xfrm>
-            <a:off x="1296784" y="3027365"/>
-            <a:ext cx="899007" cy="369332"/>
-          </a:xfrm>
-          <a:prstGeom prst="rect">
-            <a:avLst/>
-          </a:prstGeom>
-          <a:noFill/>
-        </p:spPr>
-        <p:txBody>
-          <a:bodyPr wrap="square" rtlCol="0">
-            <a:spAutoFit/>
-          </a:bodyPr>
-          <a:lstStyle/>
-          <a:p>
-            <a:r>
-              <a:rPr lang="en-US" altLang="zh-CN" dirty="0"/>
-              <a:t>String</a:t>
-            </a:r>
-            <a:endParaRPr lang="zh-CN" altLang="en-US" dirty="0"/>
-          </a:p>
-        </p:txBody>
-      </p:sp>
-      <p:sp>
-        <p:nvSpPr>
-          <p:cNvPr id="17" name="文本框 16">
-            <a:extLst>
-              <a:ext uri="{FF2B5EF4-FFF2-40B4-BE49-F238E27FC236}">
-                <a16:creationId xmlns:a16="http://schemas.microsoft.com/office/drawing/2014/main" id="{606A44C9-73FB-48FA-A4FC-E949D3C83057}"/>
-              </a:ext>
-            </a:extLst>
-          </p:cNvPr>
-          <p:cNvSpPr txBox="1"/>
-          <p:nvPr/>
-        </p:nvSpPr>
-        <p:spPr>
-          <a:xfrm>
-            <a:off x="1226896" y="3429000"/>
-            <a:ext cx="899007" cy="369332"/>
-          </a:xfrm>
-          <a:prstGeom prst="rect">
-            <a:avLst/>
-          </a:prstGeom>
-          <a:noFill/>
-        </p:spPr>
-        <p:txBody>
-          <a:bodyPr wrap="square" rtlCol="0">
-            <a:spAutoFit/>
-          </a:bodyPr>
-          <a:lstStyle/>
-          <a:p>
-            <a:r>
-              <a:rPr lang="en-US" altLang="zh-CN" dirty="0"/>
-              <a:t>int</a:t>
-            </a:r>
-            <a:endParaRPr lang="zh-CN" altLang="en-US" dirty="0"/>
-          </a:p>
-        </p:txBody>
-      </p:sp>
-      <p:sp>
-        <p:nvSpPr>
-          <p:cNvPr id="18" name="文本框 17">
-            <a:extLst>
-              <a:ext uri="{FF2B5EF4-FFF2-40B4-BE49-F238E27FC236}">
-                <a16:creationId xmlns:a16="http://schemas.microsoft.com/office/drawing/2014/main" id="{E1594AFA-DA8C-44CA-B4B0-70A927CF40F3}"/>
-              </a:ext>
-            </a:extLst>
-          </p:cNvPr>
-          <p:cNvSpPr txBox="1"/>
-          <p:nvPr/>
-        </p:nvSpPr>
-        <p:spPr>
-          <a:xfrm>
-            <a:off x="1216735" y="3846717"/>
-            <a:ext cx="899007" cy="369332"/>
-          </a:xfrm>
-          <a:prstGeom prst="rect">
-            <a:avLst/>
-          </a:prstGeom>
-          <a:noFill/>
-        </p:spPr>
-        <p:txBody>
-          <a:bodyPr wrap="square" rtlCol="0">
-            <a:spAutoFit/>
-          </a:bodyPr>
-          <a:lstStyle/>
-          <a:p>
-            <a:r>
-              <a:rPr lang="en-US" altLang="zh-CN" dirty="0"/>
-              <a:t>List</a:t>
-            </a:r>
-            <a:endParaRPr lang="zh-CN" altLang="en-US" dirty="0"/>
-          </a:p>
-        </p:txBody>
-      </p:sp>
     </p:spTree>
     <p:extLst>
       <p:ext uri="{BB962C8B-B14F-4D97-AF65-F5344CB8AC3E}">
@@ -5655,6 +5491,13 @@
   <p:clrMapOvr>
     <a:masterClrMapping/>
   </p:clrMapOvr>
+  <p:timing>
+    <p:tnLst>
+      <p:par>
+        <p:cTn id="1" dur="indefinite" restart="never" nodeType="tmRoot"/>
+      </p:par>
+    </p:tnLst>
+  </p:timing>
 </p:sld>
 </file>
 
@@ -5680,7 +5523,7 @@
           <p:cNvPr id="2" name="标题 1">
             <a:extLst>
               <a:ext uri="{FF2B5EF4-FFF2-40B4-BE49-F238E27FC236}">
-                <a16:creationId xmlns:a16="http://schemas.microsoft.com/office/drawing/2014/main" id="{03FCCFFB-FFB7-4AC4-97E4-E963267422F0}"/>
+                <a16:creationId xmlns:a16="http://schemas.microsoft.com/office/drawing/2014/main" xmlns="" id="{03FCCFFB-FFB7-4AC4-97E4-E963267422F0}"/>
               </a:ext>
             </a:extLst>
           </p:cNvPr>
@@ -5709,7 +5552,7 @@
           <p:cNvPr id="3" name="内容占位符 2">
             <a:extLst>
               <a:ext uri="{FF2B5EF4-FFF2-40B4-BE49-F238E27FC236}">
-                <a16:creationId xmlns:a16="http://schemas.microsoft.com/office/drawing/2014/main" id="{8DF7D23A-14A4-422F-B817-E208D7B44F56}"/>
+                <a16:creationId xmlns:a16="http://schemas.microsoft.com/office/drawing/2014/main" xmlns="" id="{8DF7D23A-14A4-422F-B817-E208D7B44F56}"/>
               </a:ext>
             </a:extLst>
           </p:cNvPr>
@@ -5745,13 +5588,34 @@
               <a:rPr lang="en-US" altLang="zh-CN" dirty="0"/>
               <a:t>	</a:t>
             </a:r>
-            <a:r>
-              <a:rPr lang="zh-CN" altLang="en-US" dirty="0"/>
-              <a:t>创建一个新对象，属性中引用的其他对象也会被克隆，不再指向原有对象地址。</a:t>
-            </a:r>
-          </a:p>
-        </p:txBody>
-      </p:sp>
+            <a:endParaRPr lang="en-US" altLang="zh-CN" dirty="0"/>
+          </a:p>
+        </p:txBody>
+      </p:sp>
+      <p:pic>
+        <p:nvPicPr>
+          <p:cNvPr id="4" name="图片 3"/>
+          <p:cNvPicPr>
+            <a:picLocks noChangeAspect="1"/>
+          </p:cNvPicPr>
+          <p:nvPr/>
+        </p:nvPicPr>
+        <p:blipFill>
+          <a:blip r:embed="rId2"/>
+          <a:stretch>
+            <a:fillRect/>
+          </a:stretch>
+        </p:blipFill>
+        <p:spPr>
+          <a:xfrm>
+            <a:off x="937726" y="2880049"/>
+            <a:ext cx="9798697" cy="3775787"/>
+          </a:xfrm>
+          <a:prstGeom prst="rect">
+            <a:avLst/>
+          </a:prstGeom>
+        </p:spPr>
+      </p:pic>
     </p:spTree>
     <p:extLst>
       <p:ext uri="{BB962C8B-B14F-4D97-AF65-F5344CB8AC3E}">
@@ -5762,6 +5626,13 @@
   <p:clrMapOvr>
     <a:masterClrMapping/>
   </p:clrMapOvr>
+  <p:timing>
+    <p:tnLst>
+      <p:par>
+        <p:cTn id="1" dur="indefinite" restart="never" nodeType="tmRoot"/>
+      </p:par>
+    </p:tnLst>
+  </p:timing>
 </p:sld>
 </file>
 
@@ -5787,7 +5658,7 @@
           <p:cNvPr id="2" name="标题 1">
             <a:extLst>
               <a:ext uri="{FF2B5EF4-FFF2-40B4-BE49-F238E27FC236}">
-                <a16:creationId xmlns:a16="http://schemas.microsoft.com/office/drawing/2014/main" id="{03FCCFFB-FFB7-4AC4-97E4-E963267422F0}"/>
+                <a16:creationId xmlns:a16="http://schemas.microsoft.com/office/drawing/2014/main" xmlns="" id="{03FCCFFB-FFB7-4AC4-97E4-E963267422F0}"/>
               </a:ext>
             </a:extLst>
           </p:cNvPr>
@@ -5805,8 +5676,20 @@
           <a:p>
             <a:pPr algn="ctr"/>
             <a:r>
+              <a:rPr lang="zh-CN" altLang="en-US" b="1" dirty="0" smtClean="0"/>
+              <a:t>序列化</a:t>
+            </a:r>
+            <a:r>
+              <a:rPr lang="en-US" altLang="zh-CN" b="1" dirty="0" smtClean="0"/>
+              <a:t>&amp;</a:t>
+            </a:r>
+            <a:r>
+              <a:rPr lang="zh-CN" altLang="en-US" b="1" dirty="0" smtClean="0"/>
+              <a:t>反</a:t>
+            </a:r>
+            <a:r>
               <a:rPr lang="zh-CN" altLang="en-US" b="1" dirty="0"/>
-              <a:t>反序列化</a:t>
+              <a:t>序列化</a:t>
             </a:r>
           </a:p>
         </p:txBody>
@@ -5816,7 +5699,7 @@
           <p:cNvPr id="3" name="内容占位符 2">
             <a:extLst>
               <a:ext uri="{FF2B5EF4-FFF2-40B4-BE49-F238E27FC236}">
-                <a16:creationId xmlns:a16="http://schemas.microsoft.com/office/drawing/2014/main" id="{8DF7D23A-14A4-422F-B817-E208D7B44F56}"/>
+                <a16:creationId xmlns:a16="http://schemas.microsoft.com/office/drawing/2014/main" xmlns="" id="{8DF7D23A-14A4-422F-B817-E208D7B44F56}"/>
               </a:ext>
             </a:extLst>
           </p:cNvPr>
@@ -5837,7 +5720,14 @@
             </a:pPr>
             <a:r>
               <a:rPr lang="zh-CN" altLang="en-US" dirty="0"/>
-              <a:t>思考问题，单利是否安全？</a:t>
+              <a:t>序列化：把对象转换为字节序列的过程称为对象的序列化。</a:t>
+            </a:r>
+            <a:br>
+              <a:rPr lang="zh-CN" altLang="en-US" dirty="0"/>
+            </a:br>
+            <a:r>
+              <a:rPr lang="zh-CN" altLang="en-US" dirty="0"/>
+              <a:t>反序列化：把字节序列恢复为对象的过程称为对象的反序列化。</a:t>
             </a:r>
             <a:endParaRPr lang="en-US" altLang="zh-CN" dirty="0"/>
           </a:p>
@@ -5845,10 +5735,96 @@
             <a:pPr marL="0" indent="0">
               <a:buNone/>
             </a:pPr>
-            <a:r>
-              <a:rPr lang="zh-CN" altLang="en-US" dirty="0"/>
-              <a:t>反序列化规则</a:t>
-            </a:r>
+            <a:endParaRPr lang="en-US" altLang="zh-CN" dirty="0" smtClean="0"/>
+          </a:p>
+          <a:p>
+            <a:pPr marL="0" indent="0">
+              <a:buNone/>
+            </a:pPr>
+            <a:r>
+              <a:rPr lang="zh-CN" altLang="en-US" dirty="0" smtClean="0"/>
+              <a:t>演示反序列化创建对象</a:t>
+            </a:r>
+            <a:r>
+              <a:rPr lang="en-US" altLang="zh-CN" dirty="0" smtClean="0"/>
+              <a:t>&amp;</a:t>
+            </a:r>
+            <a:r>
+              <a:rPr lang="zh-CN" altLang="en-US" dirty="0" smtClean="0"/>
+              <a:t>如何阻止一个对象被序列化和反序列化</a:t>
+            </a:r>
+            <a:r>
+              <a:rPr lang="en-US" altLang="zh-CN" dirty="0" smtClean="0"/>
+              <a:t>Test03</a:t>
+            </a:r>
+          </a:p>
+          <a:p>
+            <a:pPr marL="0" indent="0">
+              <a:buNone/>
+            </a:pPr>
+            <a:r>
+              <a:rPr lang="zh-CN" altLang="en-US" dirty="0" smtClean="0"/>
+              <a:t>序列化和反序列化要注意的地方</a:t>
+            </a:r>
+            <a:r>
+              <a:rPr lang="zh-CN" altLang="en-US" dirty="0"/>
+              <a:t/>
+            </a:r>
+            <a:br>
+              <a:rPr lang="zh-CN" altLang="en-US" dirty="0"/>
+            </a:br>
+            <a:r>
+              <a:rPr lang="en-US" altLang="zh-CN" dirty="0" smtClean="0"/>
+              <a:t>1</a:t>
+            </a:r>
+            <a:r>
+              <a:rPr lang="zh-CN" altLang="en-US" dirty="0" smtClean="0"/>
+              <a:t>、为什么</a:t>
+            </a:r>
+            <a:r>
+              <a:rPr lang="zh-CN" altLang="en-US" dirty="0"/>
+              <a:t>序列化要</a:t>
+            </a:r>
+            <a:r>
+              <a:rPr lang="zh-CN" altLang="en-US" dirty="0"/>
+              <a:t>实现</a:t>
+            </a:r>
+            <a:r>
+              <a:rPr lang="en-US" altLang="zh-CN" dirty="0"/>
+              <a:t>Serializable</a:t>
+            </a:r>
+            <a:r>
+              <a:rPr lang="en-US" altLang="zh-CN" b="1" dirty="0"/>
+              <a:t> </a:t>
+            </a:r>
+            <a:endParaRPr lang="en-US" altLang="zh-CN" b="1" dirty="0" smtClean="0"/>
+          </a:p>
+          <a:p>
+            <a:pPr marL="0" indent="0">
+              <a:buNone/>
+            </a:pPr>
+            <a:r>
+              <a:rPr lang="en-US" altLang="zh-CN" dirty="0"/>
+              <a:t>2</a:t>
+            </a:r>
+            <a:r>
+              <a:rPr lang="zh-CN" altLang="en-US" dirty="0"/>
+              <a:t>、</a:t>
+            </a:r>
+            <a:r>
+              <a:rPr lang="en-US" altLang="zh-CN" dirty="0" err="1"/>
+              <a:t>serialVersionUID</a:t>
+            </a:r>
+            <a:r>
+              <a:rPr lang="en-US" altLang="zh-CN" b="1" dirty="0"/>
+              <a:t> </a:t>
+            </a:r>
+            <a:endParaRPr lang="en-US" altLang="zh-CN" b="1" dirty="0"/>
+          </a:p>
+          <a:p>
+            <a:pPr marL="0" indent="0">
+              <a:buNone/>
+            </a:pPr>
             <a:endParaRPr lang="en-US" altLang="zh-CN" dirty="0"/>
           </a:p>
         </p:txBody>
@@ -5863,6 +5839,13 @@
   <p:clrMapOvr>
     <a:masterClrMapping/>
   </p:clrMapOvr>
+  <p:timing>
+    <p:tnLst>
+      <p:par>
+        <p:cTn id="1" dur="indefinite" restart="never" nodeType="tmRoot"/>
+      </p:par>
+    </p:tnLst>
+  </p:timing>
 </p:sld>
 </file>
 

--- a/新建 Microsoft PowerPoint 演示文稿.pptx
+++ b/新建 Microsoft PowerPoint 演示文稿.pptx
@@ -5,7 +5,7 @@
     <p:sldMasterId id="2147483648" r:id="rId1"/>
   </p:sldMasterIdLst>
   <p:notesMasterIdLst>
-    <p:notesMasterId r:id="rId13"/>
+    <p:notesMasterId r:id="rId18"/>
   </p:notesMasterIdLst>
   <p:sldIdLst>
     <p:sldId id="256" r:id="rId2"/>
@@ -19,6 +19,11 @@
     <p:sldId id="265" r:id="rId10"/>
     <p:sldId id="266" r:id="rId11"/>
     <p:sldId id="267" r:id="rId12"/>
+    <p:sldId id="268" r:id="rId13"/>
+    <p:sldId id="269" r:id="rId14"/>
+    <p:sldId id="270" r:id="rId15"/>
+    <p:sldId id="271" r:id="rId16"/>
+    <p:sldId id="272" r:id="rId17"/>
   </p:sldIdLst>
   <p:sldSz cx="12192000" cy="6858000"/>
   <p:notesSz cx="6858000" cy="9144000"/>
@@ -207,7 +212,7 @@
           <a:p>
             <a:fld id="{15276FB2-53B6-4397-A2DD-A4A0D74BA534}" type="datetimeFigureOut">
               <a:rPr lang="zh-CN" altLang="en-US" smtClean="0"/>
-              <a:t>2019/1/16</a:t>
+              <a:t>2019/1/17</a:t>
             </a:fld>
             <a:endParaRPr lang="zh-CN" altLang="en-US"/>
           </a:p>
@@ -1091,7 +1096,7 @@
           <p:cNvPr id="2" name="标题 1">
             <a:extLst>
               <a:ext uri="{FF2B5EF4-FFF2-40B4-BE49-F238E27FC236}">
-                <a16:creationId xmlns:a16="http://schemas.microsoft.com/office/drawing/2014/main" xmlns="" id="{4DD6C28B-13D9-43AE-8086-21CF208CE34A}"/>
+                <a16:creationId xmlns="" xmlns:a16="http://schemas.microsoft.com/office/drawing/2014/main" id="{4DD6C28B-13D9-43AE-8086-21CF208CE34A}"/>
               </a:ext>
             </a:extLst>
           </p:cNvPr>
@@ -1128,7 +1133,7 @@
           <p:cNvPr id="3" name="副标题 2">
             <a:extLst>
               <a:ext uri="{FF2B5EF4-FFF2-40B4-BE49-F238E27FC236}">
-                <a16:creationId xmlns:a16="http://schemas.microsoft.com/office/drawing/2014/main" xmlns="" id="{F6BF65B4-6C30-433A-BCDF-7B7306A8DD15}"/>
+                <a16:creationId xmlns="" xmlns:a16="http://schemas.microsoft.com/office/drawing/2014/main" id="{F6BF65B4-6C30-433A-BCDF-7B7306A8DD15}"/>
               </a:ext>
             </a:extLst>
           </p:cNvPr>
@@ -1198,7 +1203,7 @@
           <p:cNvPr id="4" name="日期占位符 3">
             <a:extLst>
               <a:ext uri="{FF2B5EF4-FFF2-40B4-BE49-F238E27FC236}">
-                <a16:creationId xmlns:a16="http://schemas.microsoft.com/office/drawing/2014/main" xmlns="" id="{DF5835A2-A4A8-40E0-B19A-E6FB3DD43265}"/>
+                <a16:creationId xmlns="" xmlns:a16="http://schemas.microsoft.com/office/drawing/2014/main" id="{DF5835A2-A4A8-40E0-B19A-E6FB3DD43265}"/>
               </a:ext>
             </a:extLst>
           </p:cNvPr>
@@ -1216,7 +1221,7 @@
           <a:p>
             <a:fld id="{98E2CBEF-B294-466C-8925-A1E487525CE0}" type="datetimeFigureOut">
               <a:rPr lang="zh-CN" altLang="en-US" smtClean="0"/>
-              <a:t>2019/1/16</a:t>
+              <a:t>2019/1/17</a:t>
             </a:fld>
             <a:endParaRPr lang="zh-CN" altLang="en-US"/>
           </a:p>
@@ -1227,7 +1232,7 @@
           <p:cNvPr id="5" name="页脚占位符 4">
             <a:extLst>
               <a:ext uri="{FF2B5EF4-FFF2-40B4-BE49-F238E27FC236}">
-                <a16:creationId xmlns:a16="http://schemas.microsoft.com/office/drawing/2014/main" xmlns="" id="{0B49CB3D-73E7-4E15-AD23-52D83A573959}"/>
+                <a16:creationId xmlns="" xmlns:a16="http://schemas.microsoft.com/office/drawing/2014/main" id="{0B49CB3D-73E7-4E15-AD23-52D83A573959}"/>
               </a:ext>
             </a:extLst>
           </p:cNvPr>
@@ -1252,7 +1257,7 @@
           <p:cNvPr id="6" name="灯片编号占位符 5">
             <a:extLst>
               <a:ext uri="{FF2B5EF4-FFF2-40B4-BE49-F238E27FC236}">
-                <a16:creationId xmlns:a16="http://schemas.microsoft.com/office/drawing/2014/main" xmlns="" id="{2E8F8649-F747-4751-8476-2B8694E13E67}"/>
+                <a16:creationId xmlns="" xmlns:a16="http://schemas.microsoft.com/office/drawing/2014/main" id="{2E8F8649-F747-4751-8476-2B8694E13E67}"/>
               </a:ext>
             </a:extLst>
           </p:cNvPr>
@@ -1311,7 +1316,7 @@
           <p:cNvPr id="2" name="标题 1">
             <a:extLst>
               <a:ext uri="{FF2B5EF4-FFF2-40B4-BE49-F238E27FC236}">
-                <a16:creationId xmlns:a16="http://schemas.microsoft.com/office/drawing/2014/main" xmlns="" id="{900D9BBC-C5BC-41CF-9AB4-D02FAE84FA44}"/>
+                <a16:creationId xmlns="" xmlns:a16="http://schemas.microsoft.com/office/drawing/2014/main" id="{900D9BBC-C5BC-41CF-9AB4-D02FAE84FA44}"/>
               </a:ext>
             </a:extLst>
           </p:cNvPr>
@@ -1339,7 +1344,7 @@
           <p:cNvPr id="3" name="竖排文字占位符 2">
             <a:extLst>
               <a:ext uri="{FF2B5EF4-FFF2-40B4-BE49-F238E27FC236}">
-                <a16:creationId xmlns:a16="http://schemas.microsoft.com/office/drawing/2014/main" xmlns="" id="{EBCD22E4-F2DA-438B-A9DF-BB7E6F0470EE}"/>
+                <a16:creationId xmlns="" xmlns:a16="http://schemas.microsoft.com/office/drawing/2014/main" id="{EBCD22E4-F2DA-438B-A9DF-BB7E6F0470EE}"/>
               </a:ext>
             </a:extLst>
           </p:cNvPr>
@@ -1396,7 +1401,7 @@
           <p:cNvPr id="4" name="日期占位符 3">
             <a:extLst>
               <a:ext uri="{FF2B5EF4-FFF2-40B4-BE49-F238E27FC236}">
-                <a16:creationId xmlns:a16="http://schemas.microsoft.com/office/drawing/2014/main" xmlns="" id="{E988D384-F3BF-4E4C-A138-D201F8DB9728}"/>
+                <a16:creationId xmlns="" xmlns:a16="http://schemas.microsoft.com/office/drawing/2014/main" id="{E988D384-F3BF-4E4C-A138-D201F8DB9728}"/>
               </a:ext>
             </a:extLst>
           </p:cNvPr>
@@ -1414,7 +1419,7 @@
           <a:p>
             <a:fld id="{98E2CBEF-B294-466C-8925-A1E487525CE0}" type="datetimeFigureOut">
               <a:rPr lang="zh-CN" altLang="en-US" smtClean="0"/>
-              <a:t>2019/1/16</a:t>
+              <a:t>2019/1/17</a:t>
             </a:fld>
             <a:endParaRPr lang="zh-CN" altLang="en-US"/>
           </a:p>
@@ -1425,7 +1430,7 @@
           <p:cNvPr id="5" name="页脚占位符 4">
             <a:extLst>
               <a:ext uri="{FF2B5EF4-FFF2-40B4-BE49-F238E27FC236}">
-                <a16:creationId xmlns:a16="http://schemas.microsoft.com/office/drawing/2014/main" xmlns="" id="{E4E31477-5364-44A5-9292-AFC54C0DCFF2}"/>
+                <a16:creationId xmlns="" xmlns:a16="http://schemas.microsoft.com/office/drawing/2014/main" id="{E4E31477-5364-44A5-9292-AFC54C0DCFF2}"/>
               </a:ext>
             </a:extLst>
           </p:cNvPr>
@@ -1450,7 +1455,7 @@
           <p:cNvPr id="6" name="灯片编号占位符 5">
             <a:extLst>
               <a:ext uri="{FF2B5EF4-FFF2-40B4-BE49-F238E27FC236}">
-                <a16:creationId xmlns:a16="http://schemas.microsoft.com/office/drawing/2014/main" xmlns="" id="{D642C2E9-FCFC-46E3-B5F0-227E259061D0}"/>
+                <a16:creationId xmlns="" xmlns:a16="http://schemas.microsoft.com/office/drawing/2014/main" id="{D642C2E9-FCFC-46E3-B5F0-227E259061D0}"/>
               </a:ext>
             </a:extLst>
           </p:cNvPr>
@@ -1509,7 +1514,7 @@
           <p:cNvPr id="2" name="竖排标题 1">
             <a:extLst>
               <a:ext uri="{FF2B5EF4-FFF2-40B4-BE49-F238E27FC236}">
-                <a16:creationId xmlns:a16="http://schemas.microsoft.com/office/drawing/2014/main" xmlns="" id="{857B01E3-5B81-42D0-9A3F-33D7B80F069C}"/>
+                <a16:creationId xmlns="" xmlns:a16="http://schemas.microsoft.com/office/drawing/2014/main" id="{857B01E3-5B81-42D0-9A3F-33D7B80F069C}"/>
               </a:ext>
             </a:extLst>
           </p:cNvPr>
@@ -1542,7 +1547,7 @@
           <p:cNvPr id="3" name="竖排文字占位符 2">
             <a:extLst>
               <a:ext uri="{FF2B5EF4-FFF2-40B4-BE49-F238E27FC236}">
-                <a16:creationId xmlns:a16="http://schemas.microsoft.com/office/drawing/2014/main" xmlns="" id="{C2B48FA0-B203-44B2-8DDC-1FA775AF92E4}"/>
+                <a16:creationId xmlns="" xmlns:a16="http://schemas.microsoft.com/office/drawing/2014/main" id="{C2B48FA0-B203-44B2-8DDC-1FA775AF92E4}"/>
               </a:ext>
             </a:extLst>
           </p:cNvPr>
@@ -1604,7 +1609,7 @@
           <p:cNvPr id="4" name="日期占位符 3">
             <a:extLst>
               <a:ext uri="{FF2B5EF4-FFF2-40B4-BE49-F238E27FC236}">
-                <a16:creationId xmlns:a16="http://schemas.microsoft.com/office/drawing/2014/main" xmlns="" id="{0DF6910E-3830-41FD-A0D4-B052B3096449}"/>
+                <a16:creationId xmlns="" xmlns:a16="http://schemas.microsoft.com/office/drawing/2014/main" id="{0DF6910E-3830-41FD-A0D4-B052B3096449}"/>
               </a:ext>
             </a:extLst>
           </p:cNvPr>
@@ -1622,7 +1627,7 @@
           <a:p>
             <a:fld id="{98E2CBEF-B294-466C-8925-A1E487525CE0}" type="datetimeFigureOut">
               <a:rPr lang="zh-CN" altLang="en-US" smtClean="0"/>
-              <a:t>2019/1/16</a:t>
+              <a:t>2019/1/17</a:t>
             </a:fld>
             <a:endParaRPr lang="zh-CN" altLang="en-US"/>
           </a:p>
@@ -1633,7 +1638,7 @@
           <p:cNvPr id="5" name="页脚占位符 4">
             <a:extLst>
               <a:ext uri="{FF2B5EF4-FFF2-40B4-BE49-F238E27FC236}">
-                <a16:creationId xmlns:a16="http://schemas.microsoft.com/office/drawing/2014/main" xmlns="" id="{F15FDC7C-3462-4011-82A3-7B4B4F747421}"/>
+                <a16:creationId xmlns="" xmlns:a16="http://schemas.microsoft.com/office/drawing/2014/main" id="{F15FDC7C-3462-4011-82A3-7B4B4F747421}"/>
               </a:ext>
             </a:extLst>
           </p:cNvPr>
@@ -1658,7 +1663,7 @@
           <p:cNvPr id="6" name="灯片编号占位符 5">
             <a:extLst>
               <a:ext uri="{FF2B5EF4-FFF2-40B4-BE49-F238E27FC236}">
-                <a16:creationId xmlns:a16="http://schemas.microsoft.com/office/drawing/2014/main" xmlns="" id="{B3CC6E41-1BB1-4A5F-93D8-1679357CA3D3}"/>
+                <a16:creationId xmlns="" xmlns:a16="http://schemas.microsoft.com/office/drawing/2014/main" id="{B3CC6E41-1BB1-4A5F-93D8-1679357CA3D3}"/>
               </a:ext>
             </a:extLst>
           </p:cNvPr>
@@ -1717,7 +1722,7 @@
           <p:cNvPr id="2" name="标题 1">
             <a:extLst>
               <a:ext uri="{FF2B5EF4-FFF2-40B4-BE49-F238E27FC236}">
-                <a16:creationId xmlns:a16="http://schemas.microsoft.com/office/drawing/2014/main" xmlns="" id="{A291B57F-061D-4A22-A602-D97F42BD2EDC}"/>
+                <a16:creationId xmlns="" xmlns:a16="http://schemas.microsoft.com/office/drawing/2014/main" id="{A291B57F-061D-4A22-A602-D97F42BD2EDC}"/>
               </a:ext>
             </a:extLst>
           </p:cNvPr>
@@ -1745,7 +1750,7 @@
           <p:cNvPr id="3" name="内容占位符 2">
             <a:extLst>
               <a:ext uri="{FF2B5EF4-FFF2-40B4-BE49-F238E27FC236}">
-                <a16:creationId xmlns:a16="http://schemas.microsoft.com/office/drawing/2014/main" xmlns="" id="{AAC634F8-C098-4464-B274-37AF280C68A5}"/>
+                <a16:creationId xmlns="" xmlns:a16="http://schemas.microsoft.com/office/drawing/2014/main" id="{AAC634F8-C098-4464-B274-37AF280C68A5}"/>
               </a:ext>
             </a:extLst>
           </p:cNvPr>
@@ -1802,7 +1807,7 @@
           <p:cNvPr id="4" name="日期占位符 3">
             <a:extLst>
               <a:ext uri="{FF2B5EF4-FFF2-40B4-BE49-F238E27FC236}">
-                <a16:creationId xmlns:a16="http://schemas.microsoft.com/office/drawing/2014/main" xmlns="" id="{907FDB47-ADF9-43B2-837F-01B3B9A01458}"/>
+                <a16:creationId xmlns="" xmlns:a16="http://schemas.microsoft.com/office/drawing/2014/main" id="{907FDB47-ADF9-43B2-837F-01B3B9A01458}"/>
               </a:ext>
             </a:extLst>
           </p:cNvPr>
@@ -1820,7 +1825,7 @@
           <a:p>
             <a:fld id="{98E2CBEF-B294-466C-8925-A1E487525CE0}" type="datetimeFigureOut">
               <a:rPr lang="zh-CN" altLang="en-US" smtClean="0"/>
-              <a:t>2019/1/16</a:t>
+              <a:t>2019/1/17</a:t>
             </a:fld>
             <a:endParaRPr lang="zh-CN" altLang="en-US"/>
           </a:p>
@@ -1831,7 +1836,7 @@
           <p:cNvPr id="5" name="页脚占位符 4">
             <a:extLst>
               <a:ext uri="{FF2B5EF4-FFF2-40B4-BE49-F238E27FC236}">
-                <a16:creationId xmlns:a16="http://schemas.microsoft.com/office/drawing/2014/main" xmlns="" id="{0C70DC2D-F7D4-4793-9E1B-40C286601CEC}"/>
+                <a16:creationId xmlns="" xmlns:a16="http://schemas.microsoft.com/office/drawing/2014/main" id="{0C70DC2D-F7D4-4793-9E1B-40C286601CEC}"/>
               </a:ext>
             </a:extLst>
           </p:cNvPr>
@@ -1856,7 +1861,7 @@
           <p:cNvPr id="6" name="灯片编号占位符 5">
             <a:extLst>
               <a:ext uri="{FF2B5EF4-FFF2-40B4-BE49-F238E27FC236}">
-                <a16:creationId xmlns:a16="http://schemas.microsoft.com/office/drawing/2014/main" xmlns="" id="{BE4A3343-1AE6-4D14-9875-A778731E8D36}"/>
+                <a16:creationId xmlns="" xmlns:a16="http://schemas.microsoft.com/office/drawing/2014/main" id="{BE4A3343-1AE6-4D14-9875-A778731E8D36}"/>
               </a:ext>
             </a:extLst>
           </p:cNvPr>
@@ -1915,7 +1920,7 @@
           <p:cNvPr id="2" name="标题 1">
             <a:extLst>
               <a:ext uri="{FF2B5EF4-FFF2-40B4-BE49-F238E27FC236}">
-                <a16:creationId xmlns:a16="http://schemas.microsoft.com/office/drawing/2014/main" xmlns="" id="{52E1D61A-B961-4EDF-A992-58D643A08CB8}"/>
+                <a16:creationId xmlns="" xmlns:a16="http://schemas.microsoft.com/office/drawing/2014/main" id="{52E1D61A-B961-4EDF-A992-58D643A08CB8}"/>
               </a:ext>
             </a:extLst>
           </p:cNvPr>
@@ -1952,7 +1957,7 @@
           <p:cNvPr id="3" name="文本占位符 2">
             <a:extLst>
               <a:ext uri="{FF2B5EF4-FFF2-40B4-BE49-F238E27FC236}">
-                <a16:creationId xmlns:a16="http://schemas.microsoft.com/office/drawing/2014/main" xmlns="" id="{8B597321-1506-4A6E-869E-8E6F059B5B93}"/>
+                <a16:creationId xmlns="" xmlns:a16="http://schemas.microsoft.com/office/drawing/2014/main" id="{8B597321-1506-4A6E-869E-8E6F059B5B93}"/>
               </a:ext>
             </a:extLst>
           </p:cNvPr>
@@ -2077,7 +2082,7 @@
           <p:cNvPr id="4" name="日期占位符 3">
             <a:extLst>
               <a:ext uri="{FF2B5EF4-FFF2-40B4-BE49-F238E27FC236}">
-                <a16:creationId xmlns:a16="http://schemas.microsoft.com/office/drawing/2014/main" xmlns="" id="{CF524974-4379-43CD-B800-47E161856153}"/>
+                <a16:creationId xmlns="" xmlns:a16="http://schemas.microsoft.com/office/drawing/2014/main" id="{CF524974-4379-43CD-B800-47E161856153}"/>
               </a:ext>
             </a:extLst>
           </p:cNvPr>
@@ -2095,7 +2100,7 @@
           <a:p>
             <a:fld id="{98E2CBEF-B294-466C-8925-A1E487525CE0}" type="datetimeFigureOut">
               <a:rPr lang="zh-CN" altLang="en-US" smtClean="0"/>
-              <a:t>2019/1/16</a:t>
+              <a:t>2019/1/17</a:t>
             </a:fld>
             <a:endParaRPr lang="zh-CN" altLang="en-US"/>
           </a:p>
@@ -2106,7 +2111,7 @@
           <p:cNvPr id="5" name="页脚占位符 4">
             <a:extLst>
               <a:ext uri="{FF2B5EF4-FFF2-40B4-BE49-F238E27FC236}">
-                <a16:creationId xmlns:a16="http://schemas.microsoft.com/office/drawing/2014/main" xmlns="" id="{4DC02924-FA37-4E5C-A0F2-0E38D00F2D54}"/>
+                <a16:creationId xmlns="" xmlns:a16="http://schemas.microsoft.com/office/drawing/2014/main" id="{4DC02924-FA37-4E5C-A0F2-0E38D00F2D54}"/>
               </a:ext>
             </a:extLst>
           </p:cNvPr>
@@ -2131,7 +2136,7 @@
           <p:cNvPr id="6" name="灯片编号占位符 5">
             <a:extLst>
               <a:ext uri="{FF2B5EF4-FFF2-40B4-BE49-F238E27FC236}">
-                <a16:creationId xmlns:a16="http://schemas.microsoft.com/office/drawing/2014/main" xmlns="" id="{506618C2-06E5-4ACB-AD2F-5581ADFC20DB}"/>
+                <a16:creationId xmlns="" xmlns:a16="http://schemas.microsoft.com/office/drawing/2014/main" id="{506618C2-06E5-4ACB-AD2F-5581ADFC20DB}"/>
               </a:ext>
             </a:extLst>
           </p:cNvPr>
@@ -2190,7 +2195,7 @@
           <p:cNvPr id="2" name="标题 1">
             <a:extLst>
               <a:ext uri="{FF2B5EF4-FFF2-40B4-BE49-F238E27FC236}">
-                <a16:creationId xmlns:a16="http://schemas.microsoft.com/office/drawing/2014/main" xmlns="" id="{39647FC4-6EE9-48FB-8769-B76AD67F72CC}"/>
+                <a16:creationId xmlns="" xmlns:a16="http://schemas.microsoft.com/office/drawing/2014/main" id="{39647FC4-6EE9-48FB-8769-B76AD67F72CC}"/>
               </a:ext>
             </a:extLst>
           </p:cNvPr>
@@ -2218,7 +2223,7 @@
           <p:cNvPr id="3" name="内容占位符 2">
             <a:extLst>
               <a:ext uri="{FF2B5EF4-FFF2-40B4-BE49-F238E27FC236}">
-                <a16:creationId xmlns:a16="http://schemas.microsoft.com/office/drawing/2014/main" xmlns="" id="{BAFF29A8-4906-4AE3-B3CC-AE4459620E28}"/>
+                <a16:creationId xmlns="" xmlns:a16="http://schemas.microsoft.com/office/drawing/2014/main" id="{BAFF29A8-4906-4AE3-B3CC-AE4459620E28}"/>
               </a:ext>
             </a:extLst>
           </p:cNvPr>
@@ -2280,7 +2285,7 @@
           <p:cNvPr id="4" name="内容占位符 3">
             <a:extLst>
               <a:ext uri="{FF2B5EF4-FFF2-40B4-BE49-F238E27FC236}">
-                <a16:creationId xmlns:a16="http://schemas.microsoft.com/office/drawing/2014/main" xmlns="" id="{CAC720B3-EFEB-40E1-950D-D6A6A922E61A}"/>
+                <a16:creationId xmlns="" xmlns:a16="http://schemas.microsoft.com/office/drawing/2014/main" id="{CAC720B3-EFEB-40E1-950D-D6A6A922E61A}"/>
               </a:ext>
             </a:extLst>
           </p:cNvPr>
@@ -2342,7 +2347,7 @@
           <p:cNvPr id="5" name="日期占位符 4">
             <a:extLst>
               <a:ext uri="{FF2B5EF4-FFF2-40B4-BE49-F238E27FC236}">
-                <a16:creationId xmlns:a16="http://schemas.microsoft.com/office/drawing/2014/main" xmlns="" id="{EA6D3B0C-3C11-4AC9-ACA4-E32F9AAAA488}"/>
+                <a16:creationId xmlns="" xmlns:a16="http://schemas.microsoft.com/office/drawing/2014/main" id="{EA6D3B0C-3C11-4AC9-ACA4-E32F9AAAA488}"/>
               </a:ext>
             </a:extLst>
           </p:cNvPr>
@@ -2360,7 +2365,7 @@
           <a:p>
             <a:fld id="{98E2CBEF-B294-466C-8925-A1E487525CE0}" type="datetimeFigureOut">
               <a:rPr lang="zh-CN" altLang="en-US" smtClean="0"/>
-              <a:t>2019/1/16</a:t>
+              <a:t>2019/1/17</a:t>
             </a:fld>
             <a:endParaRPr lang="zh-CN" altLang="en-US"/>
           </a:p>
@@ -2371,7 +2376,7 @@
           <p:cNvPr id="6" name="页脚占位符 5">
             <a:extLst>
               <a:ext uri="{FF2B5EF4-FFF2-40B4-BE49-F238E27FC236}">
-                <a16:creationId xmlns:a16="http://schemas.microsoft.com/office/drawing/2014/main" xmlns="" id="{9FCB1A8F-B49A-4A90-8B06-8A2051BAC2E1}"/>
+                <a16:creationId xmlns="" xmlns:a16="http://schemas.microsoft.com/office/drawing/2014/main" id="{9FCB1A8F-B49A-4A90-8B06-8A2051BAC2E1}"/>
               </a:ext>
             </a:extLst>
           </p:cNvPr>
@@ -2396,7 +2401,7 @@
           <p:cNvPr id="7" name="灯片编号占位符 6">
             <a:extLst>
               <a:ext uri="{FF2B5EF4-FFF2-40B4-BE49-F238E27FC236}">
-                <a16:creationId xmlns:a16="http://schemas.microsoft.com/office/drawing/2014/main" xmlns="" id="{06E20D34-DE01-4B3D-9747-66DD8E60AEBB}"/>
+                <a16:creationId xmlns="" xmlns:a16="http://schemas.microsoft.com/office/drawing/2014/main" id="{06E20D34-DE01-4B3D-9747-66DD8E60AEBB}"/>
               </a:ext>
             </a:extLst>
           </p:cNvPr>
@@ -2455,7 +2460,7 @@
           <p:cNvPr id="2" name="标题 1">
             <a:extLst>
               <a:ext uri="{FF2B5EF4-FFF2-40B4-BE49-F238E27FC236}">
-                <a16:creationId xmlns:a16="http://schemas.microsoft.com/office/drawing/2014/main" xmlns="" id="{59BE6F45-C360-458C-A2F4-24F2DC7B8963}"/>
+                <a16:creationId xmlns="" xmlns:a16="http://schemas.microsoft.com/office/drawing/2014/main" id="{59BE6F45-C360-458C-A2F4-24F2DC7B8963}"/>
               </a:ext>
             </a:extLst>
           </p:cNvPr>
@@ -2488,7 +2493,7 @@
           <p:cNvPr id="3" name="文本占位符 2">
             <a:extLst>
               <a:ext uri="{FF2B5EF4-FFF2-40B4-BE49-F238E27FC236}">
-                <a16:creationId xmlns:a16="http://schemas.microsoft.com/office/drawing/2014/main" xmlns="" id="{A69201B2-437C-4C4D-B8B8-6BFAA0F4E043}"/>
+                <a16:creationId xmlns="" xmlns:a16="http://schemas.microsoft.com/office/drawing/2014/main" id="{A69201B2-437C-4C4D-B8B8-6BFAA0F4E043}"/>
               </a:ext>
             </a:extLst>
           </p:cNvPr>
@@ -2559,7 +2564,7 @@
           <p:cNvPr id="4" name="内容占位符 3">
             <a:extLst>
               <a:ext uri="{FF2B5EF4-FFF2-40B4-BE49-F238E27FC236}">
-                <a16:creationId xmlns:a16="http://schemas.microsoft.com/office/drawing/2014/main" xmlns="" id="{D0DF58E2-B57D-472B-A1AD-7E49B89DDAAF}"/>
+                <a16:creationId xmlns="" xmlns:a16="http://schemas.microsoft.com/office/drawing/2014/main" id="{D0DF58E2-B57D-472B-A1AD-7E49B89DDAAF}"/>
               </a:ext>
             </a:extLst>
           </p:cNvPr>
@@ -2621,7 +2626,7 @@
           <p:cNvPr id="5" name="文本占位符 4">
             <a:extLst>
               <a:ext uri="{FF2B5EF4-FFF2-40B4-BE49-F238E27FC236}">
-                <a16:creationId xmlns:a16="http://schemas.microsoft.com/office/drawing/2014/main" xmlns="" id="{9A756C6D-688B-4A50-8C50-CD085474F66F}"/>
+                <a16:creationId xmlns="" xmlns:a16="http://schemas.microsoft.com/office/drawing/2014/main" id="{9A756C6D-688B-4A50-8C50-CD085474F66F}"/>
               </a:ext>
             </a:extLst>
           </p:cNvPr>
@@ -2692,7 +2697,7 @@
           <p:cNvPr id="6" name="内容占位符 5">
             <a:extLst>
               <a:ext uri="{FF2B5EF4-FFF2-40B4-BE49-F238E27FC236}">
-                <a16:creationId xmlns:a16="http://schemas.microsoft.com/office/drawing/2014/main" xmlns="" id="{3BB3DA0C-44A3-42A1-888A-2FB69CE64B01}"/>
+                <a16:creationId xmlns="" xmlns:a16="http://schemas.microsoft.com/office/drawing/2014/main" id="{3BB3DA0C-44A3-42A1-888A-2FB69CE64B01}"/>
               </a:ext>
             </a:extLst>
           </p:cNvPr>
@@ -2754,7 +2759,7 @@
           <p:cNvPr id="7" name="日期占位符 6">
             <a:extLst>
               <a:ext uri="{FF2B5EF4-FFF2-40B4-BE49-F238E27FC236}">
-                <a16:creationId xmlns:a16="http://schemas.microsoft.com/office/drawing/2014/main" xmlns="" id="{9E84FA6D-82B0-4258-ACA2-389EE2F417BA}"/>
+                <a16:creationId xmlns="" xmlns:a16="http://schemas.microsoft.com/office/drawing/2014/main" id="{9E84FA6D-82B0-4258-ACA2-389EE2F417BA}"/>
               </a:ext>
             </a:extLst>
           </p:cNvPr>
@@ -2772,7 +2777,7 @@
           <a:p>
             <a:fld id="{98E2CBEF-B294-466C-8925-A1E487525CE0}" type="datetimeFigureOut">
               <a:rPr lang="zh-CN" altLang="en-US" smtClean="0"/>
-              <a:t>2019/1/16</a:t>
+              <a:t>2019/1/17</a:t>
             </a:fld>
             <a:endParaRPr lang="zh-CN" altLang="en-US"/>
           </a:p>
@@ -2783,7 +2788,7 @@
           <p:cNvPr id="8" name="页脚占位符 7">
             <a:extLst>
               <a:ext uri="{FF2B5EF4-FFF2-40B4-BE49-F238E27FC236}">
-                <a16:creationId xmlns:a16="http://schemas.microsoft.com/office/drawing/2014/main" xmlns="" id="{0DF08106-CE8A-4D10-A862-223710AFB369}"/>
+                <a16:creationId xmlns="" xmlns:a16="http://schemas.microsoft.com/office/drawing/2014/main" id="{0DF08106-CE8A-4D10-A862-223710AFB369}"/>
               </a:ext>
             </a:extLst>
           </p:cNvPr>
@@ -2808,7 +2813,7 @@
           <p:cNvPr id="9" name="灯片编号占位符 8">
             <a:extLst>
               <a:ext uri="{FF2B5EF4-FFF2-40B4-BE49-F238E27FC236}">
-                <a16:creationId xmlns:a16="http://schemas.microsoft.com/office/drawing/2014/main" xmlns="" id="{CBDAA6A9-4F88-4B32-A631-E56C813EF75B}"/>
+                <a16:creationId xmlns="" xmlns:a16="http://schemas.microsoft.com/office/drawing/2014/main" id="{CBDAA6A9-4F88-4B32-A631-E56C813EF75B}"/>
               </a:ext>
             </a:extLst>
           </p:cNvPr>
@@ -2867,7 +2872,7 @@
           <p:cNvPr id="2" name="标题 1">
             <a:extLst>
               <a:ext uri="{FF2B5EF4-FFF2-40B4-BE49-F238E27FC236}">
-                <a16:creationId xmlns:a16="http://schemas.microsoft.com/office/drawing/2014/main" xmlns="" id="{ED8B6126-4983-47D5-A1C1-A0544C50346D}"/>
+                <a16:creationId xmlns="" xmlns:a16="http://schemas.microsoft.com/office/drawing/2014/main" id="{ED8B6126-4983-47D5-A1C1-A0544C50346D}"/>
               </a:ext>
             </a:extLst>
           </p:cNvPr>
@@ -2895,7 +2900,7 @@
           <p:cNvPr id="3" name="日期占位符 2">
             <a:extLst>
               <a:ext uri="{FF2B5EF4-FFF2-40B4-BE49-F238E27FC236}">
-                <a16:creationId xmlns:a16="http://schemas.microsoft.com/office/drawing/2014/main" xmlns="" id="{4A5CB1B9-ABB2-423E-A01F-ACA9F6E45D46}"/>
+                <a16:creationId xmlns="" xmlns:a16="http://schemas.microsoft.com/office/drawing/2014/main" id="{4A5CB1B9-ABB2-423E-A01F-ACA9F6E45D46}"/>
               </a:ext>
             </a:extLst>
           </p:cNvPr>
@@ -2913,7 +2918,7 @@
           <a:p>
             <a:fld id="{98E2CBEF-B294-466C-8925-A1E487525CE0}" type="datetimeFigureOut">
               <a:rPr lang="zh-CN" altLang="en-US" smtClean="0"/>
-              <a:t>2019/1/16</a:t>
+              <a:t>2019/1/17</a:t>
             </a:fld>
             <a:endParaRPr lang="zh-CN" altLang="en-US"/>
           </a:p>
@@ -2924,7 +2929,7 @@
           <p:cNvPr id="4" name="页脚占位符 3">
             <a:extLst>
               <a:ext uri="{FF2B5EF4-FFF2-40B4-BE49-F238E27FC236}">
-                <a16:creationId xmlns:a16="http://schemas.microsoft.com/office/drawing/2014/main" xmlns="" id="{8F39BA59-97E7-492C-BBE4-4BD6712EB967}"/>
+                <a16:creationId xmlns="" xmlns:a16="http://schemas.microsoft.com/office/drawing/2014/main" id="{8F39BA59-97E7-492C-BBE4-4BD6712EB967}"/>
               </a:ext>
             </a:extLst>
           </p:cNvPr>
@@ -2949,7 +2954,7 @@
           <p:cNvPr id="5" name="灯片编号占位符 4">
             <a:extLst>
               <a:ext uri="{FF2B5EF4-FFF2-40B4-BE49-F238E27FC236}">
-                <a16:creationId xmlns:a16="http://schemas.microsoft.com/office/drawing/2014/main" xmlns="" id="{647AE3C5-B010-458B-9E85-0AAE7FCD1BF5}"/>
+                <a16:creationId xmlns="" xmlns:a16="http://schemas.microsoft.com/office/drawing/2014/main" id="{647AE3C5-B010-458B-9E85-0AAE7FCD1BF5}"/>
               </a:ext>
             </a:extLst>
           </p:cNvPr>
@@ -3008,7 +3013,7 @@
           <p:cNvPr id="2" name="日期占位符 1">
             <a:extLst>
               <a:ext uri="{FF2B5EF4-FFF2-40B4-BE49-F238E27FC236}">
-                <a16:creationId xmlns:a16="http://schemas.microsoft.com/office/drawing/2014/main" xmlns="" id="{2BF9EA9F-CF8A-421F-81D4-EE17866C3604}"/>
+                <a16:creationId xmlns="" xmlns:a16="http://schemas.microsoft.com/office/drawing/2014/main" id="{2BF9EA9F-CF8A-421F-81D4-EE17866C3604}"/>
               </a:ext>
             </a:extLst>
           </p:cNvPr>
@@ -3026,7 +3031,7 @@
           <a:p>
             <a:fld id="{98E2CBEF-B294-466C-8925-A1E487525CE0}" type="datetimeFigureOut">
               <a:rPr lang="zh-CN" altLang="en-US" smtClean="0"/>
-              <a:t>2019/1/16</a:t>
+              <a:t>2019/1/17</a:t>
             </a:fld>
             <a:endParaRPr lang="zh-CN" altLang="en-US"/>
           </a:p>
@@ -3037,7 +3042,7 @@
           <p:cNvPr id="3" name="页脚占位符 2">
             <a:extLst>
               <a:ext uri="{FF2B5EF4-FFF2-40B4-BE49-F238E27FC236}">
-                <a16:creationId xmlns:a16="http://schemas.microsoft.com/office/drawing/2014/main" xmlns="" id="{9E2A15D1-1DC7-4DE2-AE55-6E4A680C6152}"/>
+                <a16:creationId xmlns="" xmlns:a16="http://schemas.microsoft.com/office/drawing/2014/main" id="{9E2A15D1-1DC7-4DE2-AE55-6E4A680C6152}"/>
               </a:ext>
             </a:extLst>
           </p:cNvPr>
@@ -3062,7 +3067,7 @@
           <p:cNvPr id="4" name="灯片编号占位符 3">
             <a:extLst>
               <a:ext uri="{FF2B5EF4-FFF2-40B4-BE49-F238E27FC236}">
-                <a16:creationId xmlns:a16="http://schemas.microsoft.com/office/drawing/2014/main" xmlns="" id="{6BB9DCB1-79B9-48FE-9D2F-FAC162CA4E6C}"/>
+                <a16:creationId xmlns="" xmlns:a16="http://schemas.microsoft.com/office/drawing/2014/main" id="{6BB9DCB1-79B9-48FE-9D2F-FAC162CA4E6C}"/>
               </a:ext>
             </a:extLst>
           </p:cNvPr>
@@ -3121,7 +3126,7 @@
           <p:cNvPr id="2" name="标题 1">
             <a:extLst>
               <a:ext uri="{FF2B5EF4-FFF2-40B4-BE49-F238E27FC236}">
-                <a16:creationId xmlns:a16="http://schemas.microsoft.com/office/drawing/2014/main" xmlns="" id="{19C59565-8700-420F-99D8-3173B4F407FB}"/>
+                <a16:creationId xmlns="" xmlns:a16="http://schemas.microsoft.com/office/drawing/2014/main" id="{19C59565-8700-420F-99D8-3173B4F407FB}"/>
               </a:ext>
             </a:extLst>
           </p:cNvPr>
@@ -3158,7 +3163,7 @@
           <p:cNvPr id="3" name="内容占位符 2">
             <a:extLst>
               <a:ext uri="{FF2B5EF4-FFF2-40B4-BE49-F238E27FC236}">
-                <a16:creationId xmlns:a16="http://schemas.microsoft.com/office/drawing/2014/main" xmlns="" id="{399DE201-BEEA-4FE0-BC93-25B402F14C53}"/>
+                <a16:creationId xmlns="" xmlns:a16="http://schemas.microsoft.com/office/drawing/2014/main" id="{399DE201-BEEA-4FE0-BC93-25B402F14C53}"/>
               </a:ext>
             </a:extLst>
           </p:cNvPr>
@@ -3248,7 +3253,7 @@
           <p:cNvPr id="4" name="文本占位符 3">
             <a:extLst>
               <a:ext uri="{FF2B5EF4-FFF2-40B4-BE49-F238E27FC236}">
-                <a16:creationId xmlns:a16="http://schemas.microsoft.com/office/drawing/2014/main" xmlns="" id="{3D82BE0A-533D-4156-8AE5-5FA08D7F5278}"/>
+                <a16:creationId xmlns="" xmlns:a16="http://schemas.microsoft.com/office/drawing/2014/main" id="{3D82BE0A-533D-4156-8AE5-5FA08D7F5278}"/>
               </a:ext>
             </a:extLst>
           </p:cNvPr>
@@ -3319,7 +3324,7 @@
           <p:cNvPr id="5" name="日期占位符 4">
             <a:extLst>
               <a:ext uri="{FF2B5EF4-FFF2-40B4-BE49-F238E27FC236}">
-                <a16:creationId xmlns:a16="http://schemas.microsoft.com/office/drawing/2014/main" xmlns="" id="{F45B2D80-29F4-4BBB-86D2-D49AEB2CC470}"/>
+                <a16:creationId xmlns="" xmlns:a16="http://schemas.microsoft.com/office/drawing/2014/main" id="{F45B2D80-29F4-4BBB-86D2-D49AEB2CC470}"/>
               </a:ext>
             </a:extLst>
           </p:cNvPr>
@@ -3337,7 +3342,7 @@
           <a:p>
             <a:fld id="{98E2CBEF-B294-466C-8925-A1E487525CE0}" type="datetimeFigureOut">
               <a:rPr lang="zh-CN" altLang="en-US" smtClean="0"/>
-              <a:t>2019/1/16</a:t>
+              <a:t>2019/1/17</a:t>
             </a:fld>
             <a:endParaRPr lang="zh-CN" altLang="en-US"/>
           </a:p>
@@ -3348,7 +3353,7 @@
           <p:cNvPr id="6" name="页脚占位符 5">
             <a:extLst>
               <a:ext uri="{FF2B5EF4-FFF2-40B4-BE49-F238E27FC236}">
-                <a16:creationId xmlns:a16="http://schemas.microsoft.com/office/drawing/2014/main" xmlns="" id="{6BCED152-F21C-42F3-803C-1DD1620FD658}"/>
+                <a16:creationId xmlns="" xmlns:a16="http://schemas.microsoft.com/office/drawing/2014/main" id="{6BCED152-F21C-42F3-803C-1DD1620FD658}"/>
               </a:ext>
             </a:extLst>
           </p:cNvPr>
@@ -3373,7 +3378,7 @@
           <p:cNvPr id="7" name="灯片编号占位符 6">
             <a:extLst>
               <a:ext uri="{FF2B5EF4-FFF2-40B4-BE49-F238E27FC236}">
-                <a16:creationId xmlns:a16="http://schemas.microsoft.com/office/drawing/2014/main" xmlns="" id="{F169CD22-D9DC-443D-B766-53D22554B882}"/>
+                <a16:creationId xmlns="" xmlns:a16="http://schemas.microsoft.com/office/drawing/2014/main" id="{F169CD22-D9DC-443D-B766-53D22554B882}"/>
               </a:ext>
             </a:extLst>
           </p:cNvPr>
@@ -3432,7 +3437,7 @@
           <p:cNvPr id="2" name="标题 1">
             <a:extLst>
               <a:ext uri="{FF2B5EF4-FFF2-40B4-BE49-F238E27FC236}">
-                <a16:creationId xmlns:a16="http://schemas.microsoft.com/office/drawing/2014/main" xmlns="" id="{0A9EBF46-64AD-485B-8883-103B9C83C36F}"/>
+                <a16:creationId xmlns="" xmlns:a16="http://schemas.microsoft.com/office/drawing/2014/main" id="{0A9EBF46-64AD-485B-8883-103B9C83C36F}"/>
               </a:ext>
             </a:extLst>
           </p:cNvPr>
@@ -3469,7 +3474,7 @@
           <p:cNvPr id="3" name="图片占位符 2">
             <a:extLst>
               <a:ext uri="{FF2B5EF4-FFF2-40B4-BE49-F238E27FC236}">
-                <a16:creationId xmlns:a16="http://schemas.microsoft.com/office/drawing/2014/main" xmlns="" id="{43086960-4711-4169-821D-B9A81DC9013F}"/>
+                <a16:creationId xmlns="" xmlns:a16="http://schemas.microsoft.com/office/drawing/2014/main" id="{43086960-4711-4169-821D-B9A81DC9013F}"/>
               </a:ext>
             </a:extLst>
           </p:cNvPr>
@@ -3536,7 +3541,7 @@
           <p:cNvPr id="4" name="文本占位符 3">
             <a:extLst>
               <a:ext uri="{FF2B5EF4-FFF2-40B4-BE49-F238E27FC236}">
-                <a16:creationId xmlns:a16="http://schemas.microsoft.com/office/drawing/2014/main" xmlns="" id="{595AFA39-96C7-4B60-AA04-658F999B3B88}"/>
+                <a16:creationId xmlns="" xmlns:a16="http://schemas.microsoft.com/office/drawing/2014/main" id="{595AFA39-96C7-4B60-AA04-658F999B3B88}"/>
               </a:ext>
             </a:extLst>
           </p:cNvPr>
@@ -3607,7 +3612,7 @@
           <p:cNvPr id="5" name="日期占位符 4">
             <a:extLst>
               <a:ext uri="{FF2B5EF4-FFF2-40B4-BE49-F238E27FC236}">
-                <a16:creationId xmlns:a16="http://schemas.microsoft.com/office/drawing/2014/main" xmlns="" id="{D607AC73-CA67-4ECC-B4A5-6284D87F0F2E}"/>
+                <a16:creationId xmlns="" xmlns:a16="http://schemas.microsoft.com/office/drawing/2014/main" id="{D607AC73-CA67-4ECC-B4A5-6284D87F0F2E}"/>
               </a:ext>
             </a:extLst>
           </p:cNvPr>
@@ -3625,7 +3630,7 @@
           <a:p>
             <a:fld id="{98E2CBEF-B294-466C-8925-A1E487525CE0}" type="datetimeFigureOut">
               <a:rPr lang="zh-CN" altLang="en-US" smtClean="0"/>
-              <a:t>2019/1/16</a:t>
+              <a:t>2019/1/17</a:t>
             </a:fld>
             <a:endParaRPr lang="zh-CN" altLang="en-US"/>
           </a:p>
@@ -3636,7 +3641,7 @@
           <p:cNvPr id="6" name="页脚占位符 5">
             <a:extLst>
               <a:ext uri="{FF2B5EF4-FFF2-40B4-BE49-F238E27FC236}">
-                <a16:creationId xmlns:a16="http://schemas.microsoft.com/office/drawing/2014/main" xmlns="" id="{DA613D71-3473-46D3-B140-97A582119D99}"/>
+                <a16:creationId xmlns="" xmlns:a16="http://schemas.microsoft.com/office/drawing/2014/main" id="{DA613D71-3473-46D3-B140-97A582119D99}"/>
               </a:ext>
             </a:extLst>
           </p:cNvPr>
@@ -3661,7 +3666,7 @@
           <p:cNvPr id="7" name="灯片编号占位符 6">
             <a:extLst>
               <a:ext uri="{FF2B5EF4-FFF2-40B4-BE49-F238E27FC236}">
-                <a16:creationId xmlns:a16="http://schemas.microsoft.com/office/drawing/2014/main" xmlns="" id="{C0FE3CE2-75EE-4C12-BCFD-12F5282D6F33}"/>
+                <a16:creationId xmlns="" xmlns:a16="http://schemas.microsoft.com/office/drawing/2014/main" id="{C0FE3CE2-75EE-4C12-BCFD-12F5282D6F33}"/>
               </a:ext>
             </a:extLst>
           </p:cNvPr>
@@ -3725,7 +3730,7 @@
           <p:cNvPr id="2" name="标题占位符 1">
             <a:extLst>
               <a:ext uri="{FF2B5EF4-FFF2-40B4-BE49-F238E27FC236}">
-                <a16:creationId xmlns:a16="http://schemas.microsoft.com/office/drawing/2014/main" xmlns="" id="{22943E31-0BD0-4E4A-A318-716FDBB63CF0}"/>
+                <a16:creationId xmlns="" xmlns:a16="http://schemas.microsoft.com/office/drawing/2014/main" id="{22943E31-0BD0-4E4A-A318-716FDBB63CF0}"/>
               </a:ext>
             </a:extLst>
           </p:cNvPr>
@@ -3763,7 +3768,7 @@
           <p:cNvPr id="3" name="文本占位符 2">
             <a:extLst>
               <a:ext uri="{FF2B5EF4-FFF2-40B4-BE49-F238E27FC236}">
-                <a16:creationId xmlns:a16="http://schemas.microsoft.com/office/drawing/2014/main" xmlns="" id="{1889A2B7-2AF5-4F64-872B-2CC12D04638B}"/>
+                <a16:creationId xmlns="" xmlns:a16="http://schemas.microsoft.com/office/drawing/2014/main" id="{1889A2B7-2AF5-4F64-872B-2CC12D04638B}"/>
               </a:ext>
             </a:extLst>
           </p:cNvPr>
@@ -3830,7 +3835,7 @@
           <p:cNvPr id="4" name="日期占位符 3">
             <a:extLst>
               <a:ext uri="{FF2B5EF4-FFF2-40B4-BE49-F238E27FC236}">
-                <a16:creationId xmlns:a16="http://schemas.microsoft.com/office/drawing/2014/main" xmlns="" id="{F9EBCF2A-2F04-4088-8D87-FCEF487B96BE}"/>
+                <a16:creationId xmlns="" xmlns:a16="http://schemas.microsoft.com/office/drawing/2014/main" id="{F9EBCF2A-2F04-4088-8D87-FCEF487B96BE}"/>
               </a:ext>
             </a:extLst>
           </p:cNvPr>
@@ -3866,7 +3871,7 @@
           <a:p>
             <a:fld id="{98E2CBEF-B294-466C-8925-A1E487525CE0}" type="datetimeFigureOut">
               <a:rPr lang="zh-CN" altLang="en-US" smtClean="0"/>
-              <a:t>2019/1/16</a:t>
+              <a:t>2019/1/17</a:t>
             </a:fld>
             <a:endParaRPr lang="zh-CN" altLang="en-US"/>
           </a:p>
@@ -3877,7 +3882,7 @@
           <p:cNvPr id="5" name="页脚占位符 4">
             <a:extLst>
               <a:ext uri="{FF2B5EF4-FFF2-40B4-BE49-F238E27FC236}">
-                <a16:creationId xmlns:a16="http://schemas.microsoft.com/office/drawing/2014/main" xmlns="" id="{0D064B0C-74C7-4318-9862-F37D1B8D0BA3}"/>
+                <a16:creationId xmlns="" xmlns:a16="http://schemas.microsoft.com/office/drawing/2014/main" id="{0D064B0C-74C7-4318-9862-F37D1B8D0BA3}"/>
               </a:ext>
             </a:extLst>
           </p:cNvPr>
@@ -3920,7 +3925,7 @@
           <p:cNvPr id="6" name="灯片编号占位符 5">
             <a:extLst>
               <a:ext uri="{FF2B5EF4-FFF2-40B4-BE49-F238E27FC236}">
-                <a16:creationId xmlns:a16="http://schemas.microsoft.com/office/drawing/2014/main" xmlns="" id="{E0B76D1B-5564-4012-B8C7-5EA1F8C23023}"/>
+                <a16:creationId xmlns="" xmlns:a16="http://schemas.microsoft.com/office/drawing/2014/main" id="{E0B76D1B-5564-4012-B8C7-5EA1F8C23023}"/>
               </a:ext>
             </a:extLst>
           </p:cNvPr>
@@ -4267,14 +4272,39 @@
 </file>
 
 <file path=ppt/slides/slide1.xml><?xml version="1.0" encoding="utf-8"?>
-<p:sld xmlns:a="http://schemas.openxmlformats.org/drawingml/2006/main" xmlns:r="http://schemas.openxmlformats.org/officeDocument/2006/relationships" xmlns:p="http://schemas.openxmlformats.org/presentationml/2006/main">
+<p:sld xmlns:a="http://schemas.openxmlformats.org/drawingml/2006/main" xmlns:r="http://schemas.openxmlformats.org/officeDocument/2006/relationships" xmlns:p="http://schemas.openxmlformats.org/presentationml/2006/main" showMasterSp="0">
   <p:cSld>
     <p:bg>
       <p:bgPr>
-        <a:blipFill>
-          <a:blip r:embed="rId2"/>
-          <a:tile tx="0" ty="0" sx="100000" sy="100000" flip="none" algn="tl"/>
-        </a:blipFill>
+        <a:gradFill>
+          <a:gsLst>
+            <a:gs pos="0">
+              <a:schemeClr val="accent1">
+                <a:lumMod val="5000"/>
+                <a:lumOff val="95000"/>
+              </a:schemeClr>
+            </a:gs>
+            <a:gs pos="74000">
+              <a:schemeClr val="accent1">
+                <a:lumMod val="45000"/>
+                <a:lumOff val="55000"/>
+              </a:schemeClr>
+            </a:gs>
+            <a:gs pos="83000">
+              <a:schemeClr val="accent1">
+                <a:lumMod val="45000"/>
+                <a:lumOff val="55000"/>
+              </a:schemeClr>
+            </a:gs>
+            <a:gs pos="100000">
+              <a:schemeClr val="accent1">
+                <a:lumMod val="30000"/>
+                <a:lumOff val="70000"/>
+              </a:schemeClr>
+            </a:gs>
+          </a:gsLst>
+          <a:lin ang="5400000" scaled="1"/>
+        </a:gradFill>
         <a:effectLst/>
       </p:bgPr>
     </p:bg>
@@ -4297,7 +4327,7 @@
           <p:cNvPr id="2" name="标题 1">
             <a:extLst>
               <a:ext uri="{FF2B5EF4-FFF2-40B4-BE49-F238E27FC236}">
-                <a16:creationId xmlns:a16="http://schemas.microsoft.com/office/drawing/2014/main" xmlns="" id="{D60E2B79-D73D-4B65-97EB-DDE189E2DD74}"/>
+                <a16:creationId xmlns="" xmlns:a16="http://schemas.microsoft.com/office/drawing/2014/main" id="{D60E2B79-D73D-4B65-97EB-DDE189E2DD74}"/>
               </a:ext>
             </a:extLst>
           </p:cNvPr>
@@ -4326,7 +4356,7 @@
           <p:cNvPr id="3" name="副标题 2">
             <a:extLst>
               <a:ext uri="{FF2B5EF4-FFF2-40B4-BE49-F238E27FC236}">
-                <a16:creationId xmlns:a16="http://schemas.microsoft.com/office/drawing/2014/main" xmlns="" id="{3F8FFAC7-2B2A-4D7E-AF92-F275D4E60344}"/>
+                <a16:creationId xmlns="" xmlns:a16="http://schemas.microsoft.com/office/drawing/2014/main" id="{3F8FFAC7-2B2A-4D7E-AF92-F275D4E60344}"/>
               </a:ext>
             </a:extLst>
           </p:cNvPr>
@@ -4342,14 +4372,7 @@
           <a:bodyPr/>
           <a:lstStyle/>
           <a:p>
-            <a:r>
-              <a:rPr lang="en-US" altLang="zh-CN" dirty="0"/>
-              <a:t>JAVA</a:t>
-            </a:r>
-            <a:r>
-              <a:rPr lang="zh-CN" altLang="en-US" dirty="0"/>
-              <a:t> 探讨</a:t>
-            </a:r>
+            <a:endParaRPr lang="zh-CN" altLang="en-US" dirty="0"/>
           </a:p>
         </p:txBody>
       </p:sp>
@@ -4376,6 +4399,40 @@
 <file path=ppt/slides/slide10.xml><?xml version="1.0" encoding="utf-8"?>
 <p:sld xmlns:a="http://schemas.openxmlformats.org/drawingml/2006/main" xmlns:r="http://schemas.openxmlformats.org/officeDocument/2006/relationships" xmlns:p="http://schemas.openxmlformats.org/presentationml/2006/main">
   <p:cSld>
+    <p:bg>
+      <p:bgPr>
+        <a:gradFill>
+          <a:gsLst>
+            <a:gs pos="0">
+              <a:schemeClr val="accent1">
+                <a:lumMod val="5000"/>
+                <a:lumOff val="95000"/>
+              </a:schemeClr>
+            </a:gs>
+            <a:gs pos="74000">
+              <a:schemeClr val="accent1">
+                <a:lumMod val="45000"/>
+                <a:lumOff val="55000"/>
+              </a:schemeClr>
+            </a:gs>
+            <a:gs pos="83000">
+              <a:schemeClr val="accent1">
+                <a:lumMod val="45000"/>
+                <a:lumOff val="55000"/>
+              </a:schemeClr>
+            </a:gs>
+            <a:gs pos="100000">
+              <a:schemeClr val="accent1">
+                <a:lumMod val="30000"/>
+                <a:lumOff val="70000"/>
+              </a:schemeClr>
+            </a:gs>
+          </a:gsLst>
+          <a:lin ang="5400000" scaled="1"/>
+        </a:gradFill>
+        <a:effectLst/>
+      </p:bgPr>
+    </p:bg>
     <p:spTree>
       <p:nvGrpSpPr>
         <p:cNvPr id="1" name=""/>
@@ -4395,7 +4452,7 @@
           <p:cNvPr id="2" name="标题 1">
             <a:extLst>
               <a:ext uri="{FF2B5EF4-FFF2-40B4-BE49-F238E27FC236}">
-                <a16:creationId xmlns:a16="http://schemas.microsoft.com/office/drawing/2014/main" xmlns="" id="{03FCCFFB-FFB7-4AC4-97E4-E963267422F0}"/>
+                <a16:creationId xmlns="" xmlns:a16="http://schemas.microsoft.com/office/drawing/2014/main" id="{03FCCFFB-FFB7-4AC4-97E4-E963267422F0}"/>
               </a:ext>
             </a:extLst>
           </p:cNvPr>
@@ -4425,7 +4482,7 @@
           <p:cNvPr id="3" name="内容占位符 2">
             <a:extLst>
               <a:ext uri="{FF2B5EF4-FFF2-40B4-BE49-F238E27FC236}">
-                <a16:creationId xmlns:a16="http://schemas.microsoft.com/office/drawing/2014/main" xmlns="" id="{8DF7D23A-14A4-422F-B817-E208D7B44F56}"/>
+                <a16:creationId xmlns="" xmlns:a16="http://schemas.microsoft.com/office/drawing/2014/main" id="{8DF7D23A-14A4-422F-B817-E208D7B44F56}"/>
               </a:ext>
             </a:extLst>
           </p:cNvPr>
@@ -4513,6 +4570,40 @@
 <file path=ppt/slides/slide11.xml><?xml version="1.0" encoding="utf-8"?>
 <p:sld xmlns:a="http://schemas.openxmlformats.org/drawingml/2006/main" xmlns:r="http://schemas.openxmlformats.org/officeDocument/2006/relationships" xmlns:p="http://schemas.openxmlformats.org/presentationml/2006/main">
   <p:cSld>
+    <p:bg>
+      <p:bgPr>
+        <a:gradFill>
+          <a:gsLst>
+            <a:gs pos="0">
+              <a:schemeClr val="accent1">
+                <a:lumMod val="5000"/>
+                <a:lumOff val="95000"/>
+              </a:schemeClr>
+            </a:gs>
+            <a:gs pos="74000">
+              <a:schemeClr val="accent1">
+                <a:lumMod val="45000"/>
+                <a:lumOff val="55000"/>
+              </a:schemeClr>
+            </a:gs>
+            <a:gs pos="83000">
+              <a:schemeClr val="accent1">
+                <a:lumMod val="45000"/>
+                <a:lumOff val="55000"/>
+              </a:schemeClr>
+            </a:gs>
+            <a:gs pos="100000">
+              <a:schemeClr val="accent1">
+                <a:lumMod val="30000"/>
+                <a:lumOff val="70000"/>
+              </a:schemeClr>
+            </a:gs>
+          </a:gsLst>
+          <a:lin ang="5400000" scaled="1"/>
+        </a:gradFill>
+        <a:effectLst/>
+      </p:bgPr>
+    </p:bg>
     <p:spTree>
       <p:nvGrpSpPr>
         <p:cNvPr id="1" name=""/>
@@ -4532,7 +4623,7 @@
           <p:cNvPr id="2" name="标题 1">
             <a:extLst>
               <a:ext uri="{FF2B5EF4-FFF2-40B4-BE49-F238E27FC236}">
-                <a16:creationId xmlns:a16="http://schemas.microsoft.com/office/drawing/2014/main" xmlns="" id="{03FCCFFB-FFB7-4AC4-97E4-E963267422F0}"/>
+                <a16:creationId xmlns="" xmlns:a16="http://schemas.microsoft.com/office/drawing/2014/main" id="{03FCCFFB-FFB7-4AC4-97E4-E963267422F0}"/>
               </a:ext>
             </a:extLst>
           </p:cNvPr>
@@ -4550,8 +4641,8 @@
           <a:p>
             <a:pPr algn="ctr"/>
             <a:r>
-              <a:rPr lang="zh-CN" altLang="en-US" b="1" dirty="0" smtClean="0"/>
-              <a:t>写代码时经常碰到的问题</a:t>
+              <a:rPr lang="en-US" altLang="zh-CN" b="1" dirty="0" smtClean="0"/>
+              <a:t>Unsafe</a:t>
             </a:r>
             <a:endParaRPr lang="zh-CN" altLang="en-US" b="1" dirty="0"/>
           </a:p>
@@ -4562,7 +4653,7 @@
           <p:cNvPr id="3" name="内容占位符 2">
             <a:extLst>
               <a:ext uri="{FF2B5EF4-FFF2-40B4-BE49-F238E27FC236}">
-                <a16:creationId xmlns:a16="http://schemas.microsoft.com/office/drawing/2014/main" xmlns="" id="{8DF7D23A-14A4-422F-B817-E208D7B44F56}"/>
+                <a16:creationId xmlns="" xmlns:a16="http://schemas.microsoft.com/office/drawing/2014/main" id="{8DF7D23A-14A4-422F-B817-E208D7B44F56}"/>
               </a:ext>
             </a:extLst>
           </p:cNvPr>
@@ -4575,8 +4666,227 @@
         </p:nvSpPr>
         <p:spPr/>
         <p:txBody>
-          <a:bodyPr/>
+          <a:bodyPr>
+            <a:normAutofit fontScale="92500" lnSpcReduction="20000"/>
+          </a:bodyPr>
           <a:lstStyle/>
+          <a:p>
+            <a:pPr marL="0" indent="0">
+              <a:buNone/>
+            </a:pPr>
+            <a:r>
+              <a:rPr lang="en-US" altLang="zh-CN" dirty="0" smtClean="0"/>
+              <a:t>1</a:t>
+            </a:r>
+            <a:r>
+              <a:rPr lang="zh-CN" altLang="en-US" dirty="0" smtClean="0"/>
+              <a:t>、可以分配内存释放内存</a:t>
+            </a:r>
+            <a:endParaRPr lang="en-US" altLang="zh-CN" dirty="0" smtClean="0"/>
+          </a:p>
+          <a:p>
+            <a:pPr marL="0" indent="0">
+              <a:buNone/>
+            </a:pPr>
+            <a:r>
+              <a:rPr lang="en-US" altLang="zh-CN" dirty="0"/>
+              <a:t>public native long </a:t>
+            </a:r>
+            <a:r>
+              <a:rPr lang="en-US" altLang="zh-CN" dirty="0" err="1"/>
+              <a:t>allocateMemory</a:t>
+            </a:r>
+            <a:r>
+              <a:rPr lang="en-US" altLang="zh-CN" dirty="0"/>
+              <a:t>(long var1</a:t>
+            </a:r>
+            <a:r>
+              <a:rPr lang="en-US" altLang="zh-CN" dirty="0" smtClean="0"/>
+              <a:t>);</a:t>
+            </a:r>
+          </a:p>
+          <a:p>
+            <a:pPr marL="0" indent="0">
+              <a:buNone/>
+            </a:pPr>
+            <a:r>
+              <a:rPr lang="en-US" altLang="zh-CN" dirty="0"/>
+              <a:t>public native long </a:t>
+            </a:r>
+            <a:r>
+              <a:rPr lang="en-US" altLang="zh-CN" dirty="0" err="1"/>
+              <a:t>reallocateMemory</a:t>
+            </a:r>
+            <a:r>
+              <a:rPr lang="en-US" altLang="zh-CN" dirty="0"/>
+              <a:t>(long var1, long var3</a:t>
+            </a:r>
+            <a:r>
+              <a:rPr lang="en-US" altLang="zh-CN" dirty="0" smtClean="0"/>
+              <a:t>);</a:t>
+            </a:r>
+          </a:p>
+          <a:p>
+            <a:pPr marL="0" indent="0">
+              <a:buNone/>
+            </a:pPr>
+            <a:r>
+              <a:rPr lang="en-US" altLang="zh-CN" dirty="0"/>
+              <a:t>public native void </a:t>
+            </a:r>
+            <a:r>
+              <a:rPr lang="en-US" altLang="zh-CN" dirty="0" err="1"/>
+              <a:t>freeMemory</a:t>
+            </a:r>
+            <a:r>
+              <a:rPr lang="en-US" altLang="zh-CN" dirty="0"/>
+              <a:t>(long l</a:t>
+            </a:r>
+            <a:r>
+              <a:rPr lang="en-US" altLang="zh-CN" dirty="0" smtClean="0"/>
+              <a:t>);</a:t>
+            </a:r>
+          </a:p>
+          <a:p>
+            <a:pPr marL="0" indent="0">
+              <a:buNone/>
+            </a:pPr>
+            <a:r>
+              <a:rPr lang="en-US" altLang="zh-CN" dirty="0" smtClean="0"/>
+              <a:t>2</a:t>
+            </a:r>
+            <a:r>
+              <a:rPr lang="zh-CN" altLang="en-US" dirty="0"/>
+              <a:t>、可以定位对象某字段的内存位置，也可以修改对象的字段值，即使它是私有的</a:t>
+            </a:r>
+            <a:r>
+              <a:rPr lang="zh-CN" altLang="en-US" dirty="0" smtClean="0"/>
+              <a:t>；</a:t>
+            </a:r>
+            <a:endParaRPr lang="en-US" altLang="zh-CN" dirty="0" smtClean="0"/>
+          </a:p>
+          <a:p>
+            <a:r>
+              <a:rPr lang="en-US" altLang="zh-CN" dirty="0"/>
+              <a:t>JAVA</a:t>
+            </a:r>
+            <a:r>
+              <a:rPr lang="zh-CN" altLang="en-US" dirty="0"/>
+              <a:t>中对象的字段的定位可能通过</a:t>
+            </a:r>
+            <a:r>
+              <a:rPr lang="en-US" altLang="zh-CN" dirty="0" err="1"/>
+              <a:t>staticFieldOffset</a:t>
+            </a:r>
+            <a:r>
+              <a:rPr lang="zh-CN" altLang="en-US" dirty="0"/>
+              <a:t>方法实现，该方法返回给定</a:t>
+            </a:r>
+            <a:r>
+              <a:rPr lang="en-US" altLang="zh-CN" dirty="0"/>
+              <a:t>field</a:t>
+            </a:r>
+            <a:r>
+              <a:rPr lang="zh-CN" altLang="en-US" dirty="0"/>
+              <a:t>的内存地址偏移量，这个值对于给定的</a:t>
+            </a:r>
+            <a:r>
+              <a:rPr lang="en-US" altLang="zh-CN" dirty="0"/>
+              <a:t>filed</a:t>
+            </a:r>
+            <a:r>
+              <a:rPr lang="zh-CN" altLang="en-US" dirty="0"/>
+              <a:t>是唯一的且是固定不变的。</a:t>
+            </a:r>
+          </a:p>
+          <a:p>
+            <a:r>
+              <a:rPr lang="en-US" altLang="zh-CN" dirty="0" err="1"/>
+              <a:t>getIntVolatile</a:t>
+            </a:r>
+            <a:r>
+              <a:rPr lang="zh-CN" altLang="en-US" dirty="0"/>
+              <a:t>方法获取对象中</a:t>
+            </a:r>
+            <a:r>
+              <a:rPr lang="en-US" altLang="zh-CN" dirty="0"/>
+              <a:t>offset</a:t>
+            </a:r>
+            <a:r>
+              <a:rPr lang="zh-CN" altLang="en-US" dirty="0"/>
+              <a:t>偏移地址对应的整型</a:t>
+            </a:r>
+            <a:r>
+              <a:rPr lang="en-US" altLang="zh-CN" dirty="0"/>
+              <a:t>field</a:t>
+            </a:r>
+            <a:r>
+              <a:rPr lang="zh-CN" altLang="en-US" dirty="0"/>
+              <a:t>的值</a:t>
+            </a:r>
+            <a:r>
+              <a:rPr lang="en-US" altLang="zh-CN" dirty="0"/>
+              <a:t>,</a:t>
+            </a:r>
+            <a:r>
+              <a:rPr lang="zh-CN" altLang="en-US" dirty="0"/>
+              <a:t>支持</a:t>
+            </a:r>
+            <a:r>
+              <a:rPr lang="en-US" altLang="zh-CN" dirty="0"/>
+              <a:t>volatile load</a:t>
+            </a:r>
+            <a:r>
+              <a:rPr lang="zh-CN" altLang="en-US" dirty="0"/>
+              <a:t>语义。</a:t>
+            </a:r>
+          </a:p>
+          <a:p>
+            <a:r>
+              <a:rPr lang="en-US" altLang="zh-CN" dirty="0" err="1"/>
+              <a:t>getLong</a:t>
+            </a:r>
+            <a:r>
+              <a:rPr lang="zh-CN" altLang="en-US" dirty="0"/>
+              <a:t>方法获取对象中</a:t>
+            </a:r>
+            <a:r>
+              <a:rPr lang="en-US" altLang="zh-CN" dirty="0"/>
+              <a:t>offset</a:t>
+            </a:r>
+            <a:r>
+              <a:rPr lang="zh-CN" altLang="en-US" dirty="0"/>
+              <a:t>偏移地址对应的</a:t>
+            </a:r>
+            <a:r>
+              <a:rPr lang="en-US" altLang="zh-CN" dirty="0"/>
+              <a:t>long</a:t>
+            </a:r>
+            <a:r>
+              <a:rPr lang="zh-CN" altLang="en-US" dirty="0"/>
+              <a:t>型</a:t>
+            </a:r>
+            <a:r>
+              <a:rPr lang="en-US" altLang="zh-CN" dirty="0"/>
+              <a:t>field</a:t>
+            </a:r>
+            <a:r>
+              <a:rPr lang="zh-CN" altLang="en-US" dirty="0"/>
+              <a:t>的值</a:t>
+            </a:r>
+          </a:p>
+          <a:p>
+            <a:pPr marL="0" indent="0">
+              <a:buNone/>
+            </a:pPr>
+            <a:endParaRPr lang="en-US" altLang="zh-CN" dirty="0" smtClean="0"/>
+          </a:p>
+          <a:p>
+            <a:pPr marL="0" indent="0">
+              <a:buNone/>
+            </a:pPr>
+            <a:endParaRPr lang="en-US" altLang="zh-CN" dirty="0" smtClean="0"/>
+          </a:p>
           <a:p>
             <a:pPr marL="0" indent="0">
               <a:buNone/>
@@ -4605,9 +4915,43 @@
 </p:sld>
 </file>
 
-<file path=ppt/slides/slide2.xml><?xml version="1.0" encoding="utf-8"?>
+<file path=ppt/slides/slide12.xml><?xml version="1.0" encoding="utf-8"?>
 <p:sld xmlns:a="http://schemas.openxmlformats.org/drawingml/2006/main" xmlns:r="http://schemas.openxmlformats.org/officeDocument/2006/relationships" xmlns:p="http://schemas.openxmlformats.org/presentationml/2006/main">
   <p:cSld>
+    <p:bg>
+      <p:bgPr>
+        <a:gradFill>
+          <a:gsLst>
+            <a:gs pos="0">
+              <a:schemeClr val="accent1">
+                <a:lumMod val="5000"/>
+                <a:lumOff val="95000"/>
+              </a:schemeClr>
+            </a:gs>
+            <a:gs pos="74000">
+              <a:schemeClr val="accent1">
+                <a:lumMod val="45000"/>
+                <a:lumOff val="55000"/>
+              </a:schemeClr>
+            </a:gs>
+            <a:gs pos="83000">
+              <a:schemeClr val="accent1">
+                <a:lumMod val="45000"/>
+                <a:lumOff val="55000"/>
+              </a:schemeClr>
+            </a:gs>
+            <a:gs pos="100000">
+              <a:schemeClr val="accent1">
+                <a:lumMod val="30000"/>
+                <a:lumOff val="70000"/>
+              </a:schemeClr>
+            </a:gs>
+          </a:gsLst>
+          <a:lin ang="5400000" scaled="1"/>
+        </a:gradFill>
+        <a:effectLst/>
+      </p:bgPr>
+    </p:bg>
     <p:spTree>
       <p:nvGrpSpPr>
         <p:cNvPr id="1" name=""/>
@@ -4627,7 +4971,7 @@
           <p:cNvPr id="2" name="标题 1">
             <a:extLst>
               <a:ext uri="{FF2B5EF4-FFF2-40B4-BE49-F238E27FC236}">
-                <a16:creationId xmlns:a16="http://schemas.microsoft.com/office/drawing/2014/main" xmlns="" id="{03FCCFFB-FFB7-4AC4-97E4-E963267422F0}"/>
+                <a16:creationId xmlns="" xmlns:a16="http://schemas.microsoft.com/office/drawing/2014/main" id="{03FCCFFB-FFB7-4AC4-97E4-E963267422F0}"/>
               </a:ext>
             </a:extLst>
           </p:cNvPr>
@@ -4643,6 +4987,1443 @@
           <a:bodyPr/>
           <a:lstStyle/>
           <a:p>
+            <a:pPr algn="ctr"/>
+            <a:r>
+              <a:rPr lang="en-US" altLang="zh-CN" b="1" dirty="0" smtClean="0"/>
+              <a:t>Unsafe</a:t>
+            </a:r>
+            <a:endParaRPr lang="zh-CN" altLang="en-US" b="1" dirty="0"/>
+          </a:p>
+        </p:txBody>
+      </p:sp>
+      <p:sp>
+        <p:nvSpPr>
+          <p:cNvPr id="3" name="内容占位符 2">
+            <a:extLst>
+              <a:ext uri="{FF2B5EF4-FFF2-40B4-BE49-F238E27FC236}">
+                <a16:creationId xmlns="" xmlns:a16="http://schemas.microsoft.com/office/drawing/2014/main" id="{8DF7D23A-14A4-422F-B817-E208D7B44F56}"/>
+              </a:ext>
+            </a:extLst>
+          </p:cNvPr>
+          <p:cNvSpPr>
+            <a:spLocks noGrp="1"/>
+          </p:cNvSpPr>
+          <p:nvPr>
+            <p:ph idx="1"/>
+          </p:nvPr>
+        </p:nvSpPr>
+        <p:spPr/>
+        <p:txBody>
+          <a:bodyPr>
+            <a:normAutofit/>
+          </a:bodyPr>
+          <a:lstStyle/>
+          <a:p>
+            <a:pPr marL="0" indent="0">
+              <a:buNone/>
+            </a:pPr>
+            <a:r>
+              <a:rPr lang="en-US" altLang="zh-CN" dirty="0" smtClean="0"/>
+              <a:t>3</a:t>
+            </a:r>
+            <a:r>
+              <a:rPr lang="zh-CN" altLang="en-US" dirty="0" smtClean="0"/>
+              <a:t>、线程挂起恢复</a:t>
+            </a:r>
+            <a:endParaRPr lang="en-US" altLang="zh-CN" dirty="0" smtClean="0"/>
+          </a:p>
+          <a:p>
+            <a:pPr marL="0" indent="0">
+              <a:buNone/>
+            </a:pPr>
+            <a:r>
+              <a:rPr lang="en-US" altLang="zh-CN" dirty="0"/>
+              <a:t>public native void park(</a:t>
+            </a:r>
+            <a:r>
+              <a:rPr lang="en-US" altLang="zh-CN" dirty="0" err="1"/>
+              <a:t>boolean</a:t>
+            </a:r>
+            <a:r>
+              <a:rPr lang="en-US" altLang="zh-CN" dirty="0"/>
+              <a:t> var1, long var2</a:t>
+            </a:r>
+            <a:r>
+              <a:rPr lang="en-US" altLang="zh-CN" dirty="0" smtClean="0"/>
+              <a:t>);</a:t>
+            </a:r>
+          </a:p>
+          <a:p>
+            <a:pPr marL="0" indent="0">
+              <a:buNone/>
+            </a:pPr>
+            <a:r>
+              <a:rPr lang="en-US" altLang="zh-CN" dirty="0"/>
+              <a:t>public native void </a:t>
+            </a:r>
+            <a:r>
+              <a:rPr lang="en-US" altLang="zh-CN" dirty="0" err="1"/>
+              <a:t>unpark</a:t>
+            </a:r>
+            <a:r>
+              <a:rPr lang="en-US" altLang="zh-CN" dirty="0"/>
+              <a:t>(Object var1</a:t>
+            </a:r>
+            <a:r>
+              <a:rPr lang="en-US" altLang="zh-CN" dirty="0" smtClean="0"/>
+              <a:t>);</a:t>
+            </a:r>
+          </a:p>
+          <a:p>
+            <a:pPr marL="0" indent="0">
+              <a:buNone/>
+            </a:pPr>
+            <a:r>
+              <a:rPr lang="en-US" altLang="zh-CN" dirty="0" smtClean="0"/>
+              <a:t>4</a:t>
+            </a:r>
+            <a:r>
+              <a:rPr lang="zh-CN" altLang="en-US" dirty="0" smtClean="0"/>
+              <a:t>、</a:t>
+            </a:r>
+            <a:r>
+              <a:rPr lang="en-US" altLang="zh-CN" dirty="0" smtClean="0"/>
+              <a:t>CAS</a:t>
+            </a:r>
+            <a:r>
+              <a:rPr lang="zh-CN" altLang="en-US" dirty="0" smtClean="0"/>
+              <a:t>操作</a:t>
+            </a:r>
+            <a:endParaRPr lang="en-US" altLang="zh-CN" dirty="0" smtClean="0"/>
+          </a:p>
+          <a:p>
+            <a:pPr marL="0" indent="0">
+              <a:buNone/>
+            </a:pPr>
+            <a:r>
+              <a:rPr lang="en-US" altLang="zh-CN" dirty="0"/>
+              <a:t>public native </a:t>
+            </a:r>
+            <a:r>
+              <a:rPr lang="en-US" altLang="zh-CN" dirty="0" err="1"/>
+              <a:t>boolean</a:t>
+            </a:r>
+            <a:r>
+              <a:rPr lang="en-US" altLang="zh-CN" dirty="0"/>
+              <a:t> </a:t>
+            </a:r>
+            <a:r>
+              <a:rPr lang="en-US" altLang="zh-CN" dirty="0" err="1"/>
+              <a:t>compareAndSwapInt</a:t>
+            </a:r>
+            <a:r>
+              <a:rPr lang="en-US" altLang="zh-CN" dirty="0"/>
+              <a:t>(Object </a:t>
+            </a:r>
+            <a:r>
+              <a:rPr lang="en-US" altLang="zh-CN" dirty="0" err="1"/>
+              <a:t>obj</a:t>
+            </a:r>
+            <a:r>
+              <a:rPr lang="en-US" altLang="zh-CN" dirty="0"/>
+              <a:t>, long offset, </a:t>
+            </a:r>
+            <a:r>
+              <a:rPr lang="en-US" altLang="zh-CN" dirty="0" err="1"/>
+              <a:t>int</a:t>
+            </a:r>
+            <a:r>
+              <a:rPr lang="en-US" altLang="zh-CN" dirty="0"/>
+              <a:t> expect, </a:t>
+            </a:r>
+            <a:r>
+              <a:rPr lang="en-US" altLang="zh-CN" dirty="0" err="1"/>
+              <a:t>int</a:t>
+            </a:r>
+            <a:r>
+              <a:rPr lang="en-US" altLang="zh-CN" dirty="0"/>
+              <a:t> update);</a:t>
+            </a:r>
+          </a:p>
+          <a:p>
+            <a:pPr marL="0" indent="0">
+              <a:buNone/>
+            </a:pPr>
+            <a:endParaRPr lang="en-US" altLang="zh-CN" dirty="0" smtClean="0"/>
+          </a:p>
+          <a:p>
+            <a:pPr marL="0" indent="0">
+              <a:buNone/>
+            </a:pPr>
+            <a:r>
+              <a:rPr lang="zh-CN" altLang="en-US" dirty="0" smtClean="0"/>
+              <a:t>参考：</a:t>
+            </a:r>
+            <a:r>
+              <a:rPr lang="en-US" altLang="zh-CN" dirty="0"/>
+              <a:t>https://www.cnblogs.com/thomas12112406/p/6510787.html</a:t>
+            </a:r>
+            <a:endParaRPr lang="en-US" altLang="zh-CN" dirty="0" smtClean="0"/>
+          </a:p>
+          <a:p>
+            <a:pPr marL="0" indent="0">
+              <a:buNone/>
+            </a:pPr>
+            <a:endParaRPr lang="en-US" altLang="zh-CN" dirty="0" smtClean="0"/>
+          </a:p>
+          <a:p>
+            <a:pPr marL="0" indent="0">
+              <a:buNone/>
+            </a:pPr>
+            <a:endParaRPr lang="en-US" altLang="zh-CN" dirty="0" smtClean="0"/>
+          </a:p>
+          <a:p>
+            <a:pPr marL="0" indent="0">
+              <a:buNone/>
+            </a:pPr>
+            <a:endParaRPr lang="en-US" altLang="zh-CN" dirty="0" smtClean="0"/>
+          </a:p>
+          <a:p>
+            <a:pPr marL="0" indent="0">
+              <a:buNone/>
+            </a:pPr>
+            <a:endParaRPr lang="en-US" altLang="zh-CN" dirty="0"/>
+          </a:p>
+        </p:txBody>
+      </p:sp>
+    </p:spTree>
+    <p:extLst>
+      <p:ext uri="{BB962C8B-B14F-4D97-AF65-F5344CB8AC3E}">
+        <p14:creationId xmlns:p14="http://schemas.microsoft.com/office/powerpoint/2010/main" val="2777956255"/>
+      </p:ext>
+    </p:extLst>
+  </p:cSld>
+  <p:clrMapOvr>
+    <a:masterClrMapping/>
+  </p:clrMapOvr>
+  <p:timing>
+    <p:tnLst>
+      <p:par>
+        <p:cTn id="1" dur="indefinite" restart="never" nodeType="tmRoot"/>
+      </p:par>
+    </p:tnLst>
+  </p:timing>
+</p:sld>
+</file>
+
+<file path=ppt/slides/slide13.xml><?xml version="1.0" encoding="utf-8"?>
+<p:sld xmlns:a="http://schemas.openxmlformats.org/drawingml/2006/main" xmlns:r="http://schemas.openxmlformats.org/officeDocument/2006/relationships" xmlns:p="http://schemas.openxmlformats.org/presentationml/2006/main">
+  <p:cSld>
+    <p:bg>
+      <p:bgPr>
+        <a:gradFill>
+          <a:gsLst>
+            <a:gs pos="0">
+              <a:schemeClr val="accent1">
+                <a:lumMod val="5000"/>
+                <a:lumOff val="95000"/>
+              </a:schemeClr>
+            </a:gs>
+            <a:gs pos="74000">
+              <a:schemeClr val="accent1">
+                <a:lumMod val="45000"/>
+                <a:lumOff val="55000"/>
+              </a:schemeClr>
+            </a:gs>
+            <a:gs pos="83000">
+              <a:schemeClr val="accent1">
+                <a:lumMod val="45000"/>
+                <a:lumOff val="55000"/>
+              </a:schemeClr>
+            </a:gs>
+            <a:gs pos="100000">
+              <a:schemeClr val="accent1">
+                <a:lumMod val="30000"/>
+                <a:lumOff val="70000"/>
+              </a:schemeClr>
+            </a:gs>
+          </a:gsLst>
+          <a:lin ang="5400000" scaled="1"/>
+        </a:gradFill>
+        <a:effectLst/>
+      </p:bgPr>
+    </p:bg>
+    <p:spTree>
+      <p:nvGrpSpPr>
+        <p:cNvPr id="1" name=""/>
+        <p:cNvGrpSpPr/>
+        <p:nvPr/>
+      </p:nvGrpSpPr>
+      <p:grpSpPr>
+        <a:xfrm>
+          <a:off x="0" y="0"/>
+          <a:ext cx="0" cy="0"/>
+          <a:chOff x="0" y="0"/>
+          <a:chExt cx="0" cy="0"/>
+        </a:xfrm>
+      </p:grpSpPr>
+      <p:sp>
+        <p:nvSpPr>
+          <p:cNvPr id="2" name="标题 1">
+            <a:extLst>
+              <a:ext uri="{FF2B5EF4-FFF2-40B4-BE49-F238E27FC236}">
+                <a16:creationId xmlns="" xmlns:a16="http://schemas.microsoft.com/office/drawing/2014/main" id="{03FCCFFB-FFB7-4AC4-97E4-E963267422F0}"/>
+              </a:ext>
+            </a:extLst>
+          </p:cNvPr>
+          <p:cNvSpPr>
+            <a:spLocks noGrp="1"/>
+          </p:cNvSpPr>
+          <p:nvPr>
+            <p:ph type="title"/>
+          </p:nvPr>
+        </p:nvSpPr>
+        <p:spPr/>
+        <p:txBody>
+          <a:bodyPr/>
+          <a:lstStyle/>
+          <a:p>
+            <a:pPr algn="ctr"/>
+            <a:r>
+              <a:rPr lang="zh-CN" altLang="en-US" b="1" dirty="0" smtClean="0"/>
+              <a:t>多线程</a:t>
+            </a:r>
+            <a:endParaRPr lang="zh-CN" altLang="en-US" b="1" dirty="0"/>
+          </a:p>
+        </p:txBody>
+      </p:sp>
+      <p:sp>
+        <p:nvSpPr>
+          <p:cNvPr id="3" name="内容占位符 2">
+            <a:extLst>
+              <a:ext uri="{FF2B5EF4-FFF2-40B4-BE49-F238E27FC236}">
+                <a16:creationId xmlns="" xmlns:a16="http://schemas.microsoft.com/office/drawing/2014/main" id="{8DF7D23A-14A4-422F-B817-E208D7B44F56}"/>
+              </a:ext>
+            </a:extLst>
+          </p:cNvPr>
+          <p:cNvSpPr>
+            <a:spLocks noGrp="1"/>
+          </p:cNvSpPr>
+          <p:nvPr>
+            <p:ph idx="1"/>
+          </p:nvPr>
+        </p:nvSpPr>
+        <p:spPr/>
+        <p:txBody>
+          <a:bodyPr>
+            <a:normAutofit/>
+          </a:bodyPr>
+          <a:lstStyle/>
+          <a:p>
+            <a:pPr marL="0" indent="0">
+              <a:buNone/>
+            </a:pPr>
+            <a:endParaRPr lang="en-US" altLang="zh-CN" dirty="0" smtClean="0"/>
+          </a:p>
+          <a:p>
+            <a:pPr marL="0" indent="0">
+              <a:buNone/>
+            </a:pPr>
+            <a:endParaRPr lang="en-US" altLang="zh-CN" dirty="0" smtClean="0"/>
+          </a:p>
+          <a:p>
+            <a:pPr marL="0" indent="0">
+              <a:buNone/>
+            </a:pPr>
+            <a:endParaRPr lang="en-US" altLang="zh-CN" dirty="0" smtClean="0"/>
+          </a:p>
+          <a:p>
+            <a:pPr marL="0" indent="0">
+              <a:buNone/>
+            </a:pPr>
+            <a:endParaRPr lang="en-US" altLang="zh-CN" dirty="0"/>
+          </a:p>
+        </p:txBody>
+      </p:sp>
+      <p:pic>
+        <p:nvPicPr>
+          <p:cNvPr id="4" name="图片 3"/>
+          <p:cNvPicPr>
+            <a:picLocks noChangeAspect="1"/>
+          </p:cNvPicPr>
+          <p:nvPr/>
+        </p:nvPicPr>
+        <p:blipFill>
+          <a:blip r:embed="rId2"/>
+          <a:stretch>
+            <a:fillRect/>
+          </a:stretch>
+        </p:blipFill>
+        <p:spPr>
+          <a:xfrm>
+            <a:off x="506994" y="1690688"/>
+            <a:ext cx="10311897" cy="4505324"/>
+          </a:xfrm>
+          <a:prstGeom prst="rect">
+            <a:avLst/>
+          </a:prstGeom>
+        </p:spPr>
+      </p:pic>
+    </p:spTree>
+    <p:extLst>
+      <p:ext uri="{BB962C8B-B14F-4D97-AF65-F5344CB8AC3E}">
+        <p14:creationId xmlns:p14="http://schemas.microsoft.com/office/powerpoint/2010/main" val="4284751970"/>
+      </p:ext>
+    </p:extLst>
+  </p:cSld>
+  <p:clrMapOvr>
+    <a:masterClrMapping/>
+  </p:clrMapOvr>
+  <p:timing>
+    <p:tnLst>
+      <p:par>
+        <p:cTn id="1" dur="indefinite" restart="never" nodeType="tmRoot"/>
+      </p:par>
+    </p:tnLst>
+  </p:timing>
+</p:sld>
+</file>
+
+<file path=ppt/slides/slide14.xml><?xml version="1.0" encoding="utf-8"?>
+<p:sld xmlns:a="http://schemas.openxmlformats.org/drawingml/2006/main" xmlns:r="http://schemas.openxmlformats.org/officeDocument/2006/relationships" xmlns:p="http://schemas.openxmlformats.org/presentationml/2006/main">
+  <p:cSld>
+    <p:bg>
+      <p:bgPr>
+        <a:gradFill>
+          <a:gsLst>
+            <a:gs pos="0">
+              <a:schemeClr val="accent1">
+                <a:lumMod val="5000"/>
+                <a:lumOff val="95000"/>
+              </a:schemeClr>
+            </a:gs>
+            <a:gs pos="74000">
+              <a:schemeClr val="accent1">
+                <a:lumMod val="45000"/>
+                <a:lumOff val="55000"/>
+              </a:schemeClr>
+            </a:gs>
+            <a:gs pos="83000">
+              <a:schemeClr val="accent1">
+                <a:lumMod val="45000"/>
+                <a:lumOff val="55000"/>
+              </a:schemeClr>
+            </a:gs>
+            <a:gs pos="100000">
+              <a:schemeClr val="accent1">
+                <a:lumMod val="30000"/>
+                <a:lumOff val="70000"/>
+              </a:schemeClr>
+            </a:gs>
+          </a:gsLst>
+          <a:lin ang="5400000" scaled="1"/>
+        </a:gradFill>
+        <a:effectLst/>
+      </p:bgPr>
+    </p:bg>
+    <p:spTree>
+      <p:nvGrpSpPr>
+        <p:cNvPr id="1" name=""/>
+        <p:cNvGrpSpPr/>
+        <p:nvPr/>
+      </p:nvGrpSpPr>
+      <p:grpSpPr>
+        <a:xfrm>
+          <a:off x="0" y="0"/>
+          <a:ext cx="0" cy="0"/>
+          <a:chOff x="0" y="0"/>
+          <a:chExt cx="0" cy="0"/>
+        </a:xfrm>
+      </p:grpSpPr>
+      <p:sp>
+        <p:nvSpPr>
+          <p:cNvPr id="2" name="标题 1">
+            <a:extLst>
+              <a:ext uri="{FF2B5EF4-FFF2-40B4-BE49-F238E27FC236}">
+                <a16:creationId xmlns="" xmlns:a16="http://schemas.microsoft.com/office/drawing/2014/main" id="{03FCCFFB-FFB7-4AC4-97E4-E963267422F0}"/>
+              </a:ext>
+            </a:extLst>
+          </p:cNvPr>
+          <p:cNvSpPr>
+            <a:spLocks noGrp="1"/>
+          </p:cNvSpPr>
+          <p:nvPr>
+            <p:ph type="title"/>
+          </p:nvPr>
+        </p:nvSpPr>
+        <p:spPr/>
+        <p:txBody>
+          <a:bodyPr/>
+          <a:lstStyle/>
+          <a:p>
+            <a:pPr algn="ctr"/>
+            <a:r>
+              <a:rPr lang="zh-CN" altLang="en-US" b="1" dirty="0" smtClean="0"/>
+              <a:t>多线程</a:t>
+            </a:r>
+            <a:endParaRPr lang="zh-CN" altLang="en-US" b="1" dirty="0"/>
+          </a:p>
+        </p:txBody>
+      </p:sp>
+      <p:sp>
+        <p:nvSpPr>
+          <p:cNvPr id="3" name="内容占位符 2">
+            <a:extLst>
+              <a:ext uri="{FF2B5EF4-FFF2-40B4-BE49-F238E27FC236}">
+                <a16:creationId xmlns="" xmlns:a16="http://schemas.microsoft.com/office/drawing/2014/main" id="{8DF7D23A-14A4-422F-B817-E208D7B44F56}"/>
+              </a:ext>
+            </a:extLst>
+          </p:cNvPr>
+          <p:cNvSpPr>
+            <a:spLocks noGrp="1"/>
+          </p:cNvSpPr>
+          <p:nvPr>
+            <p:ph idx="1"/>
+          </p:nvPr>
+        </p:nvSpPr>
+        <p:spPr/>
+        <p:txBody>
+          <a:bodyPr>
+            <a:normAutofit fontScale="55000" lnSpcReduction="20000"/>
+          </a:bodyPr>
+          <a:lstStyle/>
+          <a:p>
+            <a:pPr marL="0" indent="0">
+              <a:buNone/>
+            </a:pPr>
+            <a:r>
+              <a:rPr lang="zh-CN" altLang="en-US" b="1" dirty="0"/>
+              <a:t>新建状态（</a:t>
+            </a:r>
+            <a:r>
+              <a:rPr lang="en-US" altLang="zh-CN" b="1" dirty="0"/>
+              <a:t>New</a:t>
+            </a:r>
+            <a:r>
+              <a:rPr lang="zh-CN" altLang="en-US" b="1" dirty="0"/>
+              <a:t>）</a:t>
+            </a:r>
+            <a:r>
+              <a:rPr lang="zh-CN" altLang="en-US" dirty="0"/>
+              <a:t>：当线程对象对创建后，即进入了新建状态，如：</a:t>
+            </a:r>
+            <a:r>
+              <a:rPr lang="en-US" altLang="zh-CN" dirty="0"/>
+              <a:t>Thread t = new </a:t>
+            </a:r>
+            <a:r>
+              <a:rPr lang="en-US" altLang="zh-CN" dirty="0" err="1"/>
+              <a:t>MyThread</a:t>
+            </a:r>
+            <a:r>
+              <a:rPr lang="en-US" altLang="zh-CN" dirty="0"/>
+              <a:t>();</a:t>
+            </a:r>
+          </a:p>
+          <a:p>
+            <a:pPr marL="0" indent="0">
+              <a:buNone/>
+            </a:pPr>
+            <a:r>
+              <a:rPr lang="zh-CN" altLang="en-US" b="1" dirty="0"/>
+              <a:t>就绪状态（</a:t>
+            </a:r>
+            <a:r>
+              <a:rPr lang="en-US" altLang="zh-CN" b="1" dirty="0"/>
+              <a:t>Runnable</a:t>
+            </a:r>
+            <a:r>
+              <a:rPr lang="zh-CN" altLang="en-US" b="1" dirty="0"/>
+              <a:t>）</a:t>
+            </a:r>
+            <a:r>
+              <a:rPr lang="zh-CN" altLang="en-US" dirty="0"/>
+              <a:t>：当调用线程对象的</a:t>
+            </a:r>
+            <a:r>
+              <a:rPr lang="en-US" altLang="zh-CN" dirty="0"/>
+              <a:t>start()</a:t>
+            </a:r>
+            <a:r>
+              <a:rPr lang="zh-CN" altLang="en-US" dirty="0"/>
+              <a:t>方法（</a:t>
+            </a:r>
+            <a:r>
+              <a:rPr lang="en-US" altLang="zh-CN" dirty="0" err="1"/>
+              <a:t>t.start</a:t>
+            </a:r>
+            <a:r>
+              <a:rPr lang="en-US" altLang="zh-CN" dirty="0"/>
+              <a:t>();</a:t>
+            </a:r>
+            <a:r>
+              <a:rPr lang="zh-CN" altLang="en-US" dirty="0"/>
+              <a:t>），线程即进入就绪状态。处于就绪</a:t>
+            </a:r>
+            <a:r>
+              <a:rPr lang="zh-CN" altLang="en-US" dirty="0" smtClean="0"/>
+              <a:t>状</a:t>
+            </a:r>
+            <a:endParaRPr lang="en-US" altLang="zh-CN" dirty="0" smtClean="0"/>
+          </a:p>
+          <a:p>
+            <a:pPr marL="0" indent="0">
+              <a:buNone/>
+            </a:pPr>
+            <a:r>
+              <a:rPr lang="zh-CN" altLang="en-US" dirty="0" smtClean="0"/>
+              <a:t>态</a:t>
+            </a:r>
+            <a:r>
+              <a:rPr lang="zh-CN" altLang="en-US" dirty="0"/>
+              <a:t>的线程，只是说明此线程已经做好了准备，随时等待</a:t>
+            </a:r>
+            <a:r>
+              <a:rPr lang="en-US" altLang="zh-CN" dirty="0"/>
+              <a:t>CPU</a:t>
+            </a:r>
+            <a:r>
+              <a:rPr lang="zh-CN" altLang="en-US" dirty="0"/>
+              <a:t>调度执行，并不是说执行了</a:t>
+            </a:r>
+            <a:r>
+              <a:rPr lang="en-US" altLang="zh-CN" dirty="0" err="1"/>
+              <a:t>t.start</a:t>
+            </a:r>
+            <a:r>
+              <a:rPr lang="en-US" altLang="zh-CN" dirty="0"/>
+              <a:t>()</a:t>
+            </a:r>
+            <a:r>
+              <a:rPr lang="zh-CN" altLang="en-US" dirty="0"/>
+              <a:t>此线程</a:t>
+            </a:r>
+            <a:r>
+              <a:rPr lang="zh-CN" altLang="en-US" dirty="0" smtClean="0"/>
+              <a:t>立</a:t>
+            </a:r>
+            <a:endParaRPr lang="en-US" altLang="zh-CN" dirty="0" smtClean="0"/>
+          </a:p>
+          <a:p>
+            <a:pPr marL="0" indent="0">
+              <a:buNone/>
+            </a:pPr>
+            <a:r>
+              <a:rPr lang="zh-CN" altLang="en-US" dirty="0" smtClean="0"/>
+              <a:t>即</a:t>
+            </a:r>
+            <a:r>
+              <a:rPr lang="zh-CN" altLang="en-US" dirty="0"/>
+              <a:t>就会执行；</a:t>
+            </a:r>
+          </a:p>
+          <a:p>
+            <a:pPr marL="0" indent="0">
+              <a:buNone/>
+            </a:pPr>
+            <a:r>
+              <a:rPr lang="zh-CN" altLang="en-US" b="1" dirty="0"/>
+              <a:t>运行状态（</a:t>
+            </a:r>
+            <a:r>
+              <a:rPr lang="en-US" altLang="zh-CN" b="1" dirty="0"/>
+              <a:t>Running</a:t>
+            </a:r>
+            <a:r>
+              <a:rPr lang="zh-CN" altLang="en-US" b="1" dirty="0"/>
+              <a:t>）</a:t>
+            </a:r>
+            <a:r>
+              <a:rPr lang="zh-CN" altLang="en-US" dirty="0"/>
+              <a:t>：当</a:t>
+            </a:r>
+            <a:r>
+              <a:rPr lang="en-US" altLang="zh-CN" dirty="0"/>
+              <a:t>CPU</a:t>
+            </a:r>
+            <a:r>
+              <a:rPr lang="zh-CN" altLang="en-US" dirty="0"/>
+              <a:t>开始调度处于就绪状态的线程时，此时线程才得以真正执行，即进入</a:t>
+            </a:r>
+            <a:r>
+              <a:rPr lang="zh-CN" altLang="en-US" dirty="0" smtClean="0"/>
+              <a:t>到</a:t>
+            </a:r>
+            <a:endParaRPr lang="en-US" altLang="zh-CN" dirty="0" smtClean="0"/>
+          </a:p>
+          <a:p>
+            <a:pPr marL="0" indent="0">
+              <a:buNone/>
+            </a:pPr>
+            <a:r>
+              <a:rPr lang="zh-CN" altLang="en-US" dirty="0" smtClean="0"/>
+              <a:t>运行</a:t>
+            </a:r>
+            <a:r>
+              <a:rPr lang="zh-CN" altLang="en-US" dirty="0"/>
+              <a:t>状态。注：就     绪状态是进入到运行状态的唯一入口，也就是说，线程要想进入运行状态执行</a:t>
+            </a:r>
+            <a:r>
+              <a:rPr lang="zh-CN" altLang="en-US" dirty="0" smtClean="0"/>
+              <a:t>，</a:t>
+            </a:r>
+            <a:endParaRPr lang="en-US" altLang="zh-CN" dirty="0" smtClean="0"/>
+          </a:p>
+          <a:p>
+            <a:pPr marL="0" indent="0">
+              <a:buNone/>
+            </a:pPr>
+            <a:r>
+              <a:rPr lang="zh-CN" altLang="en-US" dirty="0" smtClean="0"/>
+              <a:t>首先</a:t>
+            </a:r>
+            <a:r>
+              <a:rPr lang="zh-CN" altLang="en-US" dirty="0"/>
+              <a:t>必须处于就绪状态中；</a:t>
+            </a:r>
+          </a:p>
+          <a:p>
+            <a:pPr marL="0" indent="0">
+              <a:buNone/>
+            </a:pPr>
+            <a:r>
+              <a:rPr lang="zh-CN" altLang="en-US" b="1" dirty="0"/>
+              <a:t>阻塞状态（</a:t>
+            </a:r>
+            <a:r>
+              <a:rPr lang="en-US" altLang="zh-CN" b="1" dirty="0"/>
+              <a:t>Blocked</a:t>
+            </a:r>
+            <a:r>
+              <a:rPr lang="zh-CN" altLang="en-US" b="1" dirty="0"/>
+              <a:t>）</a:t>
+            </a:r>
+            <a:r>
+              <a:rPr lang="zh-CN" altLang="en-US" dirty="0"/>
+              <a:t>：处于运行状态中的线程由于某种原因，暂时放弃对</a:t>
+            </a:r>
+            <a:r>
+              <a:rPr lang="en-US" altLang="zh-CN" dirty="0"/>
+              <a:t>CPU</a:t>
+            </a:r>
+            <a:r>
+              <a:rPr lang="zh-CN" altLang="en-US" dirty="0"/>
+              <a:t>的使用权，停止执行，此时进入阻塞状态</a:t>
+            </a:r>
+            <a:r>
+              <a:rPr lang="zh-CN" altLang="en-US" dirty="0" smtClean="0"/>
+              <a:t>，</a:t>
+            </a:r>
+            <a:endParaRPr lang="en-US" altLang="zh-CN" dirty="0" smtClean="0"/>
+          </a:p>
+          <a:p>
+            <a:pPr marL="0" indent="0">
+              <a:buNone/>
+            </a:pPr>
+            <a:r>
+              <a:rPr lang="zh-CN" altLang="en-US" dirty="0" smtClean="0"/>
+              <a:t>直到</a:t>
+            </a:r>
+            <a:r>
+              <a:rPr lang="zh-CN" altLang="en-US" dirty="0"/>
+              <a:t>其进入到就绪状态，才 有机会再次被</a:t>
+            </a:r>
+            <a:r>
+              <a:rPr lang="en-US" altLang="zh-CN" dirty="0"/>
+              <a:t>CPU</a:t>
+            </a:r>
+            <a:r>
+              <a:rPr lang="zh-CN" altLang="en-US" dirty="0"/>
+              <a:t>调用以进入到运行状态。根据阻塞产生的原因不同，阻塞状态又可以分为三种：</a:t>
+            </a:r>
+          </a:p>
+          <a:p>
+            <a:pPr marL="0" indent="0">
+              <a:buNone/>
+            </a:pPr>
+            <a:r>
+              <a:rPr lang="en-US" altLang="zh-CN" dirty="0" smtClean="0"/>
+              <a:t>	1</a:t>
+            </a:r>
+            <a:r>
+              <a:rPr lang="en-US" altLang="zh-CN" dirty="0"/>
+              <a:t>.</a:t>
+            </a:r>
+            <a:r>
+              <a:rPr lang="zh-CN" altLang="en-US" dirty="0"/>
+              <a:t>等待阻塞：运行状态中的线程执行</a:t>
+            </a:r>
+            <a:r>
+              <a:rPr lang="en-US" altLang="zh-CN" dirty="0"/>
+              <a:t>wait()</a:t>
+            </a:r>
+            <a:r>
+              <a:rPr lang="zh-CN" altLang="en-US" dirty="0"/>
+              <a:t>方法，使本线程进入到等待阻塞状态；</a:t>
+            </a:r>
+          </a:p>
+          <a:p>
+            <a:pPr marL="0" indent="0">
+              <a:buNone/>
+            </a:pPr>
+            <a:r>
+              <a:rPr lang="en-US" altLang="zh-CN" dirty="0" smtClean="0"/>
+              <a:t>	2</a:t>
+            </a:r>
+            <a:r>
+              <a:rPr lang="en-US" altLang="zh-CN" dirty="0"/>
+              <a:t>.</a:t>
+            </a:r>
+            <a:r>
+              <a:rPr lang="zh-CN" altLang="en-US" dirty="0"/>
+              <a:t>同步阻塞 </a:t>
+            </a:r>
+            <a:r>
+              <a:rPr lang="en-US" altLang="zh-CN" dirty="0"/>
+              <a:t>-- </a:t>
+            </a:r>
+            <a:r>
+              <a:rPr lang="zh-CN" altLang="en-US" dirty="0"/>
+              <a:t>线程在获取</a:t>
+            </a:r>
+            <a:r>
+              <a:rPr lang="en-US" altLang="zh-CN" dirty="0"/>
+              <a:t>synchronized</a:t>
+            </a:r>
+            <a:r>
+              <a:rPr lang="zh-CN" altLang="en-US" dirty="0"/>
+              <a:t>同步锁失败</a:t>
+            </a:r>
+            <a:r>
+              <a:rPr lang="en-US" altLang="zh-CN" dirty="0"/>
+              <a:t>(</a:t>
+            </a:r>
+            <a:r>
+              <a:rPr lang="zh-CN" altLang="en-US" dirty="0"/>
+              <a:t>因为锁被其它线程所占用</a:t>
+            </a:r>
+            <a:r>
+              <a:rPr lang="en-US" altLang="zh-CN" dirty="0"/>
+              <a:t>)</a:t>
+            </a:r>
+            <a:r>
+              <a:rPr lang="zh-CN" altLang="en-US" dirty="0"/>
+              <a:t>，它会进入同步阻塞状态；</a:t>
+            </a:r>
+          </a:p>
+          <a:p>
+            <a:pPr marL="0" indent="0">
+              <a:buNone/>
+            </a:pPr>
+            <a:r>
+              <a:rPr lang="en-US" altLang="zh-CN" dirty="0" smtClean="0"/>
+              <a:t>	3</a:t>
+            </a:r>
+            <a:r>
+              <a:rPr lang="en-US" altLang="zh-CN" dirty="0"/>
+              <a:t>.</a:t>
+            </a:r>
+            <a:r>
+              <a:rPr lang="zh-CN" altLang="en-US" dirty="0"/>
+              <a:t>其他阻塞 </a:t>
+            </a:r>
+            <a:r>
+              <a:rPr lang="en-US" altLang="zh-CN" dirty="0"/>
+              <a:t>-- </a:t>
+            </a:r>
+            <a:r>
+              <a:rPr lang="zh-CN" altLang="en-US" dirty="0"/>
+              <a:t>通过调用线程的</a:t>
+            </a:r>
+            <a:r>
+              <a:rPr lang="en-US" altLang="zh-CN" dirty="0"/>
+              <a:t>sleep()</a:t>
+            </a:r>
+            <a:r>
+              <a:rPr lang="zh-CN" altLang="en-US" dirty="0"/>
+              <a:t>或</a:t>
+            </a:r>
+            <a:r>
+              <a:rPr lang="en-US" altLang="zh-CN" dirty="0"/>
+              <a:t>join()</a:t>
+            </a:r>
+            <a:r>
+              <a:rPr lang="zh-CN" altLang="en-US" dirty="0"/>
+              <a:t>或发出了</a:t>
+            </a:r>
+            <a:r>
+              <a:rPr lang="en-US" altLang="zh-CN" dirty="0"/>
+              <a:t>I/O</a:t>
+            </a:r>
+            <a:r>
+              <a:rPr lang="zh-CN" altLang="en-US" dirty="0"/>
+              <a:t>请求时，线程会进入到阻塞状态。当</a:t>
+            </a:r>
+            <a:r>
+              <a:rPr lang="en-US" altLang="zh-CN" dirty="0"/>
+              <a:t>sleep()</a:t>
+            </a:r>
+            <a:r>
+              <a:rPr lang="zh-CN" altLang="en-US" dirty="0"/>
+              <a:t>状态超时</a:t>
+            </a:r>
+            <a:r>
+              <a:rPr lang="zh-CN" altLang="en-US" dirty="0" smtClean="0"/>
+              <a:t>、</a:t>
+            </a:r>
+            <a:endParaRPr lang="en-US" altLang="zh-CN" dirty="0" smtClean="0"/>
+          </a:p>
+          <a:p>
+            <a:pPr marL="0" indent="0">
+              <a:buNone/>
+            </a:pPr>
+            <a:r>
+              <a:rPr lang="en-US" altLang="zh-CN" dirty="0" smtClean="0"/>
+              <a:t>	join</a:t>
+            </a:r>
+            <a:r>
+              <a:rPr lang="en-US" altLang="zh-CN" dirty="0"/>
+              <a:t>()</a:t>
+            </a:r>
+            <a:r>
+              <a:rPr lang="zh-CN" altLang="en-US" dirty="0"/>
+              <a:t>等待线程终止或者超时、或者</a:t>
+            </a:r>
+            <a:r>
+              <a:rPr lang="en-US" altLang="zh-CN" dirty="0"/>
+              <a:t>I/O</a:t>
+            </a:r>
+            <a:r>
+              <a:rPr lang="zh-CN" altLang="en-US" dirty="0"/>
+              <a:t>处理完毕时，线程重新转入就绪状态</a:t>
+            </a:r>
+            <a:r>
+              <a:rPr lang="zh-CN" altLang="en-US" dirty="0" smtClean="0"/>
+              <a:t>。</a:t>
+            </a:r>
+            <a:endParaRPr lang="en-US" altLang="zh-CN" dirty="0" smtClean="0"/>
+          </a:p>
+          <a:p>
+            <a:pPr marL="0" indent="0">
+              <a:buNone/>
+            </a:pPr>
+            <a:r>
+              <a:rPr lang="zh-CN" altLang="en-US" b="1" dirty="0" smtClean="0"/>
+              <a:t>死亡</a:t>
+            </a:r>
+            <a:r>
+              <a:rPr lang="zh-CN" altLang="en-US" b="1" dirty="0"/>
+              <a:t>状态（</a:t>
+            </a:r>
+            <a:r>
+              <a:rPr lang="en-US" altLang="zh-CN" b="1" dirty="0"/>
+              <a:t>Dead</a:t>
+            </a:r>
+            <a:r>
+              <a:rPr lang="zh-CN" altLang="en-US" b="1" dirty="0"/>
+              <a:t>）</a:t>
+            </a:r>
+            <a:r>
+              <a:rPr lang="zh-CN" altLang="en-US" dirty="0"/>
+              <a:t>：线程执行完了或者因异常退出了</a:t>
+            </a:r>
+            <a:r>
+              <a:rPr lang="en-US" altLang="zh-CN" dirty="0"/>
+              <a:t>run()</a:t>
+            </a:r>
+            <a:r>
+              <a:rPr lang="zh-CN" altLang="en-US" dirty="0"/>
+              <a:t>方法，该线程结束生命周期。</a:t>
+            </a:r>
+            <a:endParaRPr lang="en-US" altLang="zh-CN" dirty="0"/>
+          </a:p>
+        </p:txBody>
+      </p:sp>
+    </p:spTree>
+    <p:extLst>
+      <p:ext uri="{BB962C8B-B14F-4D97-AF65-F5344CB8AC3E}">
+        <p14:creationId xmlns:p14="http://schemas.microsoft.com/office/powerpoint/2010/main" val="695056570"/>
+      </p:ext>
+    </p:extLst>
+  </p:cSld>
+  <p:clrMapOvr>
+    <a:masterClrMapping/>
+  </p:clrMapOvr>
+  <p:timing>
+    <p:tnLst>
+      <p:par>
+        <p:cTn id="1" dur="indefinite" restart="never" nodeType="tmRoot"/>
+      </p:par>
+    </p:tnLst>
+  </p:timing>
+</p:sld>
+</file>
+
+<file path=ppt/slides/slide15.xml><?xml version="1.0" encoding="utf-8"?>
+<p:sld xmlns:a="http://schemas.openxmlformats.org/drawingml/2006/main" xmlns:r="http://schemas.openxmlformats.org/officeDocument/2006/relationships" xmlns:p="http://schemas.openxmlformats.org/presentationml/2006/main">
+  <p:cSld>
+    <p:bg>
+      <p:bgPr>
+        <a:gradFill>
+          <a:gsLst>
+            <a:gs pos="0">
+              <a:schemeClr val="accent1">
+                <a:lumMod val="5000"/>
+                <a:lumOff val="95000"/>
+              </a:schemeClr>
+            </a:gs>
+            <a:gs pos="74000">
+              <a:schemeClr val="accent1">
+                <a:lumMod val="45000"/>
+                <a:lumOff val="55000"/>
+              </a:schemeClr>
+            </a:gs>
+            <a:gs pos="83000">
+              <a:schemeClr val="accent1">
+                <a:lumMod val="45000"/>
+                <a:lumOff val="55000"/>
+              </a:schemeClr>
+            </a:gs>
+            <a:gs pos="100000">
+              <a:schemeClr val="accent1">
+                <a:lumMod val="30000"/>
+                <a:lumOff val="70000"/>
+              </a:schemeClr>
+            </a:gs>
+          </a:gsLst>
+          <a:lin ang="5400000" scaled="1"/>
+        </a:gradFill>
+        <a:effectLst/>
+      </p:bgPr>
+    </p:bg>
+    <p:spTree>
+      <p:nvGrpSpPr>
+        <p:cNvPr id="1" name=""/>
+        <p:cNvGrpSpPr/>
+        <p:nvPr/>
+      </p:nvGrpSpPr>
+      <p:grpSpPr>
+        <a:xfrm>
+          <a:off x="0" y="0"/>
+          <a:ext cx="0" cy="0"/>
+          <a:chOff x="0" y="0"/>
+          <a:chExt cx="0" cy="0"/>
+        </a:xfrm>
+      </p:grpSpPr>
+      <p:sp>
+        <p:nvSpPr>
+          <p:cNvPr id="2" name="标题 1">
+            <a:extLst>
+              <a:ext uri="{FF2B5EF4-FFF2-40B4-BE49-F238E27FC236}">
+                <a16:creationId xmlns="" xmlns:a16="http://schemas.microsoft.com/office/drawing/2014/main" id="{03FCCFFB-FFB7-4AC4-97E4-E963267422F0}"/>
+              </a:ext>
+            </a:extLst>
+          </p:cNvPr>
+          <p:cNvSpPr>
+            <a:spLocks noGrp="1"/>
+          </p:cNvSpPr>
+          <p:nvPr>
+            <p:ph type="title"/>
+          </p:nvPr>
+        </p:nvSpPr>
+        <p:spPr/>
+        <p:txBody>
+          <a:bodyPr/>
+          <a:lstStyle/>
+          <a:p>
+            <a:pPr algn="ctr"/>
+            <a:r>
+              <a:rPr lang="zh-CN" altLang="en-US" b="1" dirty="0" smtClean="0"/>
+              <a:t>多线程</a:t>
+            </a:r>
+            <a:endParaRPr lang="zh-CN" altLang="en-US" b="1" dirty="0"/>
+          </a:p>
+        </p:txBody>
+      </p:sp>
+      <p:sp>
+        <p:nvSpPr>
+          <p:cNvPr id="3" name="内容占位符 2">
+            <a:extLst>
+              <a:ext uri="{FF2B5EF4-FFF2-40B4-BE49-F238E27FC236}">
+                <a16:creationId xmlns="" xmlns:a16="http://schemas.microsoft.com/office/drawing/2014/main" id="{8DF7D23A-14A4-422F-B817-E208D7B44F56}"/>
+              </a:ext>
+            </a:extLst>
+          </p:cNvPr>
+          <p:cNvSpPr>
+            <a:spLocks noGrp="1"/>
+          </p:cNvSpPr>
+          <p:nvPr>
+            <p:ph idx="1"/>
+          </p:nvPr>
+        </p:nvSpPr>
+        <p:spPr/>
+        <p:txBody>
+          <a:bodyPr>
+            <a:normAutofit/>
+          </a:bodyPr>
+          <a:lstStyle/>
+          <a:p>
+            <a:pPr marL="0" indent="0">
+              <a:buNone/>
+            </a:pPr>
+            <a:r>
+              <a:rPr lang="zh-CN" altLang="en-US" dirty="0" smtClean="0"/>
+              <a:t>现有</a:t>
+            </a:r>
+            <a:r>
+              <a:rPr lang="en-US" altLang="zh-CN" dirty="0" smtClean="0"/>
+              <a:t>100</a:t>
+            </a:r>
+            <a:r>
+              <a:rPr lang="zh-CN" altLang="en-US" dirty="0" smtClean="0"/>
+              <a:t>张编号的火车票，有</a:t>
+            </a:r>
+            <a:r>
+              <a:rPr lang="en-US" altLang="zh-CN" dirty="0" smtClean="0"/>
+              <a:t>10</a:t>
+            </a:r>
+            <a:r>
+              <a:rPr lang="zh-CN" altLang="en-US" dirty="0" smtClean="0"/>
+              <a:t>个窗口同时进行售卖（</a:t>
+            </a:r>
+            <a:r>
+              <a:rPr lang="en-US" altLang="zh-CN" dirty="0" smtClean="0"/>
+              <a:t>Test06</a:t>
+            </a:r>
+            <a:r>
+              <a:rPr lang="zh-CN" altLang="en-US" dirty="0" smtClean="0"/>
+              <a:t>）</a:t>
+            </a:r>
+            <a:endParaRPr lang="en-US" altLang="zh-CN" dirty="0" smtClean="0"/>
+          </a:p>
+          <a:p>
+            <a:pPr marL="0" indent="0">
+              <a:buNone/>
+            </a:pPr>
+            <a:r>
+              <a:rPr lang="en-US" altLang="zh-CN" dirty="0" smtClean="0"/>
+              <a:t>Synchronized</a:t>
+            </a:r>
+          </a:p>
+          <a:p>
+            <a:pPr marL="0" indent="0">
+              <a:buNone/>
+            </a:pPr>
+            <a:r>
+              <a:rPr lang="en-US" altLang="zh-CN" dirty="0" smtClean="0"/>
+              <a:t>L</a:t>
+            </a:r>
+            <a:r>
+              <a:rPr lang="en-US" altLang="zh-CN" dirty="0" smtClean="0"/>
+              <a:t>ock</a:t>
+            </a:r>
+            <a:r>
+              <a:rPr lang="zh-CN" altLang="en-US" dirty="0" smtClean="0"/>
+              <a:t>（</a:t>
+            </a:r>
+            <a:r>
+              <a:rPr lang="en-US" altLang="zh-CN" dirty="0" err="1" smtClean="0"/>
+              <a:t>UserCache</a:t>
+            </a:r>
+            <a:r>
+              <a:rPr lang="zh-CN" altLang="en-US" dirty="0" smtClean="0"/>
+              <a:t>）</a:t>
+            </a:r>
+            <a:endParaRPr lang="en-US" altLang="zh-CN" dirty="0" smtClean="0"/>
+          </a:p>
+          <a:p>
+            <a:pPr marL="0" indent="0">
+              <a:buNone/>
+            </a:pPr>
+            <a:r>
+              <a:rPr lang="zh-CN" altLang="en-US" dirty="0" smtClean="0"/>
+              <a:t>获取返回结果 （</a:t>
+            </a:r>
+            <a:r>
+              <a:rPr lang="en-US" altLang="zh-CN" dirty="0" smtClean="0"/>
+              <a:t>Test07</a:t>
+            </a:r>
+            <a:r>
+              <a:rPr lang="zh-CN" altLang="en-US" dirty="0" smtClean="0"/>
+              <a:t>）</a:t>
+            </a:r>
+            <a:endParaRPr lang="en-US" altLang="zh-CN" dirty="0"/>
+          </a:p>
+          <a:p>
+            <a:pPr marL="0" indent="0">
+              <a:buNone/>
+            </a:pPr>
+            <a:endParaRPr lang="en-US" altLang="zh-CN" dirty="0" smtClean="0"/>
+          </a:p>
+        </p:txBody>
+      </p:sp>
+    </p:spTree>
+    <p:extLst>
+      <p:ext uri="{BB962C8B-B14F-4D97-AF65-F5344CB8AC3E}">
+        <p14:creationId xmlns:p14="http://schemas.microsoft.com/office/powerpoint/2010/main" val="1134276671"/>
+      </p:ext>
+    </p:extLst>
+  </p:cSld>
+  <p:clrMapOvr>
+    <a:masterClrMapping/>
+  </p:clrMapOvr>
+  <p:timing>
+    <p:tnLst>
+      <p:par>
+        <p:cTn id="1" dur="indefinite" restart="never" nodeType="tmRoot"/>
+      </p:par>
+    </p:tnLst>
+  </p:timing>
+</p:sld>
+</file>
+
+<file path=ppt/slides/slide16.xml><?xml version="1.0" encoding="utf-8"?>
+<p:sld xmlns:a="http://schemas.openxmlformats.org/drawingml/2006/main" xmlns:r="http://schemas.openxmlformats.org/officeDocument/2006/relationships" xmlns:p="http://schemas.openxmlformats.org/presentationml/2006/main">
+  <p:cSld>
+    <p:bg>
+      <p:bgPr>
+        <a:gradFill>
+          <a:gsLst>
+            <a:gs pos="0">
+              <a:schemeClr val="accent1">
+                <a:lumMod val="5000"/>
+                <a:lumOff val="95000"/>
+              </a:schemeClr>
+            </a:gs>
+            <a:gs pos="74000">
+              <a:schemeClr val="accent1">
+                <a:lumMod val="45000"/>
+                <a:lumOff val="55000"/>
+              </a:schemeClr>
+            </a:gs>
+            <a:gs pos="83000">
+              <a:schemeClr val="accent1">
+                <a:lumMod val="45000"/>
+                <a:lumOff val="55000"/>
+              </a:schemeClr>
+            </a:gs>
+            <a:gs pos="100000">
+              <a:schemeClr val="accent1">
+                <a:lumMod val="30000"/>
+                <a:lumOff val="70000"/>
+              </a:schemeClr>
+            </a:gs>
+          </a:gsLst>
+          <a:lin ang="5400000" scaled="1"/>
+        </a:gradFill>
+        <a:effectLst/>
+      </p:bgPr>
+    </p:bg>
+    <p:spTree>
+      <p:nvGrpSpPr>
+        <p:cNvPr id="1" name=""/>
+        <p:cNvGrpSpPr/>
+        <p:nvPr/>
+      </p:nvGrpSpPr>
+      <p:grpSpPr>
+        <a:xfrm>
+          <a:off x="0" y="0"/>
+          <a:ext cx="0" cy="0"/>
+          <a:chOff x="0" y="0"/>
+          <a:chExt cx="0" cy="0"/>
+        </a:xfrm>
+      </p:grpSpPr>
+      <p:sp>
+        <p:nvSpPr>
+          <p:cNvPr id="2" name="标题 1">
+            <a:extLst>
+              <a:ext uri="{FF2B5EF4-FFF2-40B4-BE49-F238E27FC236}">
+                <a16:creationId xmlns="" xmlns:a16="http://schemas.microsoft.com/office/drawing/2014/main" id="{03FCCFFB-FFB7-4AC4-97E4-E963267422F0}"/>
+              </a:ext>
+            </a:extLst>
+          </p:cNvPr>
+          <p:cNvSpPr>
+            <a:spLocks noGrp="1"/>
+          </p:cNvSpPr>
+          <p:nvPr>
+            <p:ph type="title"/>
+          </p:nvPr>
+        </p:nvSpPr>
+        <p:spPr/>
+        <p:txBody>
+          <a:bodyPr/>
+          <a:lstStyle/>
+          <a:p>
+            <a:pPr algn="ctr"/>
+            <a:r>
+              <a:rPr lang="zh-CN" altLang="en-US" b="1" dirty="0" smtClean="0"/>
+              <a:t>线程池</a:t>
+            </a:r>
+            <a:endParaRPr lang="zh-CN" altLang="en-US" b="1" dirty="0"/>
+          </a:p>
+        </p:txBody>
+      </p:sp>
+      <p:sp>
+        <p:nvSpPr>
+          <p:cNvPr id="3" name="内容占位符 2">
+            <a:extLst>
+              <a:ext uri="{FF2B5EF4-FFF2-40B4-BE49-F238E27FC236}">
+                <a16:creationId xmlns="" xmlns:a16="http://schemas.microsoft.com/office/drawing/2014/main" id="{8DF7D23A-14A4-422F-B817-E208D7B44F56}"/>
+              </a:ext>
+            </a:extLst>
+          </p:cNvPr>
+          <p:cNvSpPr>
+            <a:spLocks noGrp="1"/>
+          </p:cNvSpPr>
+          <p:nvPr>
+            <p:ph idx="1"/>
+          </p:nvPr>
+        </p:nvSpPr>
+        <p:spPr/>
+        <p:txBody>
+          <a:bodyPr>
+            <a:normAutofit/>
+          </a:bodyPr>
+          <a:lstStyle/>
+          <a:p>
+            <a:pPr marL="0" indent="0">
+              <a:buNone/>
+            </a:pPr>
+            <a:r>
+              <a:rPr lang="zh-CN" altLang="en-US" dirty="0" smtClean="0"/>
+              <a:t>默认线程池实现</a:t>
+            </a:r>
+            <a:endParaRPr lang="en-US" altLang="zh-CN" dirty="0" smtClean="0"/>
+          </a:p>
+          <a:p>
+            <a:pPr marL="0" indent="0">
+              <a:buNone/>
+            </a:pPr>
+            <a:r>
+              <a:rPr lang="en-US" altLang="zh-CN" dirty="0" smtClean="0"/>
+              <a:t>Executors </a:t>
+            </a:r>
+            <a:r>
+              <a:rPr lang="zh-CN" altLang="en-US" dirty="0" smtClean="0"/>
+              <a:t>类？</a:t>
+            </a:r>
+            <a:endParaRPr lang="en-US" altLang="zh-CN" dirty="0" smtClean="0"/>
+          </a:p>
+          <a:p>
+            <a:pPr marL="0" indent="0">
+              <a:buNone/>
+            </a:pPr>
+            <a:r>
+              <a:rPr lang="en-US" altLang="zh-CN" dirty="0" err="1" smtClean="0"/>
+              <a:t>ThreadPoolExecutor</a:t>
+            </a:r>
+            <a:r>
+              <a:rPr lang="en-US" altLang="zh-CN" dirty="0" smtClean="0"/>
+              <a:t>?</a:t>
+            </a:r>
+            <a:endParaRPr lang="en-US" altLang="zh-CN" dirty="0" smtClean="0"/>
+          </a:p>
+          <a:p>
+            <a:pPr marL="0" indent="0">
+              <a:buNone/>
+            </a:pPr>
+            <a:endParaRPr lang="en-US" altLang="zh-CN" dirty="0" smtClean="0"/>
+          </a:p>
+          <a:p>
+            <a:pPr marL="0" indent="0">
+              <a:buNone/>
+            </a:pPr>
+            <a:endParaRPr lang="en-US" altLang="zh-CN" dirty="0" smtClean="0"/>
+          </a:p>
+        </p:txBody>
+      </p:sp>
+    </p:spTree>
+    <p:extLst>
+      <p:ext uri="{BB962C8B-B14F-4D97-AF65-F5344CB8AC3E}">
+        <p14:creationId xmlns:p14="http://schemas.microsoft.com/office/powerpoint/2010/main" val="357378391"/>
+      </p:ext>
+    </p:extLst>
+  </p:cSld>
+  <p:clrMapOvr>
+    <a:masterClrMapping/>
+  </p:clrMapOvr>
+  <p:timing>
+    <p:tnLst>
+      <p:par>
+        <p:cTn id="1" dur="indefinite" restart="never" nodeType="tmRoot"/>
+      </p:par>
+    </p:tnLst>
+  </p:timing>
+</p:sld>
+</file>
+
+<file path=ppt/slides/slide2.xml><?xml version="1.0" encoding="utf-8"?>
+<p:sld xmlns:a="http://schemas.openxmlformats.org/drawingml/2006/main" xmlns:r="http://schemas.openxmlformats.org/officeDocument/2006/relationships" xmlns:p="http://schemas.openxmlformats.org/presentationml/2006/main">
+  <p:cSld>
+    <p:bg>
+      <p:bgPr>
+        <a:gradFill>
+          <a:gsLst>
+            <a:gs pos="0">
+              <a:schemeClr val="accent1">
+                <a:lumMod val="5000"/>
+                <a:lumOff val="95000"/>
+              </a:schemeClr>
+            </a:gs>
+            <a:gs pos="74000">
+              <a:schemeClr val="accent1">
+                <a:lumMod val="45000"/>
+                <a:lumOff val="55000"/>
+              </a:schemeClr>
+            </a:gs>
+            <a:gs pos="83000">
+              <a:schemeClr val="accent1">
+                <a:lumMod val="45000"/>
+                <a:lumOff val="55000"/>
+              </a:schemeClr>
+            </a:gs>
+            <a:gs pos="100000">
+              <a:schemeClr val="accent1">
+                <a:lumMod val="30000"/>
+                <a:lumOff val="70000"/>
+              </a:schemeClr>
+            </a:gs>
+          </a:gsLst>
+          <a:lin ang="5400000" scaled="1"/>
+        </a:gradFill>
+        <a:effectLst/>
+      </p:bgPr>
+    </p:bg>
+    <p:spTree>
+      <p:nvGrpSpPr>
+        <p:cNvPr id="1" name=""/>
+        <p:cNvGrpSpPr/>
+        <p:nvPr/>
+      </p:nvGrpSpPr>
+      <p:grpSpPr>
+        <a:xfrm>
+          <a:off x="0" y="0"/>
+          <a:ext cx="0" cy="0"/>
+          <a:chOff x="0" y="0"/>
+          <a:chExt cx="0" cy="0"/>
+        </a:xfrm>
+      </p:grpSpPr>
+      <p:sp>
+        <p:nvSpPr>
+          <p:cNvPr id="2" name="标题 1">
+            <a:extLst>
+              <a:ext uri="{FF2B5EF4-FFF2-40B4-BE49-F238E27FC236}">
+                <a16:creationId xmlns="" xmlns:a16="http://schemas.microsoft.com/office/drawing/2014/main" id="{03FCCFFB-FFB7-4AC4-97E4-E963267422F0}"/>
+              </a:ext>
+            </a:extLst>
+          </p:cNvPr>
+          <p:cNvSpPr>
+            <a:spLocks noGrp="1"/>
+          </p:cNvSpPr>
+          <p:nvPr>
+            <p:ph type="title"/>
+          </p:nvPr>
+        </p:nvSpPr>
+        <p:spPr/>
+        <p:txBody>
+          <a:bodyPr/>
+          <a:lstStyle/>
+          <a:p>
             <a:r>
               <a:rPr lang="zh-CN" altLang="en-US" dirty="0"/>
               <a:t>创建对象有哪几种方式</a:t>
@@ -4655,7 +6436,7 @@
           <p:cNvPr id="3" name="内容占位符 2">
             <a:extLst>
               <a:ext uri="{FF2B5EF4-FFF2-40B4-BE49-F238E27FC236}">
-                <a16:creationId xmlns:a16="http://schemas.microsoft.com/office/drawing/2014/main" xmlns="" id="{8DF7D23A-14A4-422F-B817-E208D7B44F56}"/>
+                <a16:creationId xmlns="" xmlns:a16="http://schemas.microsoft.com/office/drawing/2014/main" id="{8DF7D23A-14A4-422F-B817-E208D7B44F56}"/>
               </a:ext>
             </a:extLst>
           </p:cNvPr>
@@ -4709,6 +6490,40 @@
 <file path=ppt/slides/slide3.xml><?xml version="1.0" encoding="utf-8"?>
 <p:sld xmlns:a="http://schemas.openxmlformats.org/drawingml/2006/main" xmlns:r="http://schemas.openxmlformats.org/officeDocument/2006/relationships" xmlns:p="http://schemas.openxmlformats.org/presentationml/2006/main">
   <p:cSld>
+    <p:bg>
+      <p:bgPr>
+        <a:gradFill>
+          <a:gsLst>
+            <a:gs pos="0">
+              <a:schemeClr val="accent1">
+                <a:lumMod val="5000"/>
+                <a:lumOff val="95000"/>
+              </a:schemeClr>
+            </a:gs>
+            <a:gs pos="74000">
+              <a:schemeClr val="accent1">
+                <a:lumMod val="45000"/>
+                <a:lumOff val="55000"/>
+              </a:schemeClr>
+            </a:gs>
+            <a:gs pos="83000">
+              <a:schemeClr val="accent1">
+                <a:lumMod val="45000"/>
+                <a:lumOff val="55000"/>
+              </a:schemeClr>
+            </a:gs>
+            <a:gs pos="100000">
+              <a:schemeClr val="accent1">
+                <a:lumMod val="30000"/>
+                <a:lumOff val="70000"/>
+              </a:schemeClr>
+            </a:gs>
+          </a:gsLst>
+          <a:lin ang="5400000" scaled="1"/>
+        </a:gradFill>
+        <a:effectLst/>
+      </p:bgPr>
+    </p:bg>
     <p:spTree>
       <p:nvGrpSpPr>
         <p:cNvPr id="1" name=""/>
@@ -4728,7 +6543,7 @@
           <p:cNvPr id="2" name="标题 1">
             <a:extLst>
               <a:ext uri="{FF2B5EF4-FFF2-40B4-BE49-F238E27FC236}">
-                <a16:creationId xmlns:a16="http://schemas.microsoft.com/office/drawing/2014/main" xmlns="" id="{03FCCFFB-FFB7-4AC4-97E4-E963267422F0}"/>
+                <a16:creationId xmlns="" xmlns:a16="http://schemas.microsoft.com/office/drawing/2014/main" id="{03FCCFFB-FFB7-4AC4-97E4-E963267422F0}"/>
               </a:ext>
             </a:extLst>
           </p:cNvPr>
@@ -4756,7 +6571,7 @@
           <p:cNvPr id="3" name="内容占位符 2">
             <a:extLst>
               <a:ext uri="{FF2B5EF4-FFF2-40B4-BE49-F238E27FC236}">
-                <a16:creationId xmlns:a16="http://schemas.microsoft.com/office/drawing/2014/main" xmlns="" id="{8DF7D23A-14A4-422F-B817-E208D7B44F56}"/>
+                <a16:creationId xmlns="" xmlns:a16="http://schemas.microsoft.com/office/drawing/2014/main" id="{8DF7D23A-14A4-422F-B817-E208D7B44F56}"/>
               </a:ext>
             </a:extLst>
           </p:cNvPr>
@@ -4851,6 +6666,40 @@
 <file path=ppt/slides/slide4.xml><?xml version="1.0" encoding="utf-8"?>
 <p:sld xmlns:a="http://schemas.openxmlformats.org/drawingml/2006/main" xmlns:r="http://schemas.openxmlformats.org/officeDocument/2006/relationships" xmlns:p="http://schemas.openxmlformats.org/presentationml/2006/main">
   <p:cSld>
+    <p:bg>
+      <p:bgPr>
+        <a:gradFill>
+          <a:gsLst>
+            <a:gs pos="0">
+              <a:schemeClr val="accent1">
+                <a:lumMod val="5000"/>
+                <a:lumOff val="95000"/>
+              </a:schemeClr>
+            </a:gs>
+            <a:gs pos="74000">
+              <a:schemeClr val="accent1">
+                <a:lumMod val="45000"/>
+                <a:lumOff val="55000"/>
+              </a:schemeClr>
+            </a:gs>
+            <a:gs pos="83000">
+              <a:schemeClr val="accent1">
+                <a:lumMod val="45000"/>
+                <a:lumOff val="55000"/>
+              </a:schemeClr>
+            </a:gs>
+            <a:gs pos="100000">
+              <a:schemeClr val="accent1">
+                <a:lumMod val="30000"/>
+                <a:lumOff val="70000"/>
+              </a:schemeClr>
+            </a:gs>
+          </a:gsLst>
+          <a:lin ang="5400000" scaled="1"/>
+        </a:gradFill>
+        <a:effectLst/>
+      </p:bgPr>
+    </p:bg>
     <p:spTree>
       <p:nvGrpSpPr>
         <p:cNvPr id="1" name=""/>
@@ -4870,7 +6719,7 @@
           <p:cNvPr id="2" name="标题 1">
             <a:extLst>
               <a:ext uri="{FF2B5EF4-FFF2-40B4-BE49-F238E27FC236}">
-                <a16:creationId xmlns:a16="http://schemas.microsoft.com/office/drawing/2014/main" xmlns="" id="{03FCCFFB-FFB7-4AC4-97E4-E963267422F0}"/>
+                <a16:creationId xmlns="" xmlns:a16="http://schemas.microsoft.com/office/drawing/2014/main" id="{03FCCFFB-FFB7-4AC4-97E4-E963267422F0}"/>
               </a:ext>
             </a:extLst>
           </p:cNvPr>
@@ -4906,7 +6755,7 @@
           <p:cNvPr id="3" name="内容占位符 2">
             <a:extLst>
               <a:ext uri="{FF2B5EF4-FFF2-40B4-BE49-F238E27FC236}">
-                <a16:creationId xmlns:a16="http://schemas.microsoft.com/office/drawing/2014/main" xmlns="" id="{8DF7D23A-14A4-422F-B817-E208D7B44F56}"/>
+                <a16:creationId xmlns="" xmlns:a16="http://schemas.microsoft.com/office/drawing/2014/main" id="{8DF7D23A-14A4-422F-B817-E208D7B44F56}"/>
               </a:ext>
             </a:extLst>
           </p:cNvPr>
@@ -4956,6 +6805,40 @@
 <file path=ppt/slides/slide5.xml><?xml version="1.0" encoding="utf-8"?>
 <p:sld xmlns:a="http://schemas.openxmlformats.org/drawingml/2006/main" xmlns:r="http://schemas.openxmlformats.org/officeDocument/2006/relationships" xmlns:p="http://schemas.openxmlformats.org/presentationml/2006/main">
   <p:cSld>
+    <p:bg>
+      <p:bgPr>
+        <a:gradFill>
+          <a:gsLst>
+            <a:gs pos="0">
+              <a:schemeClr val="accent1">
+                <a:lumMod val="5000"/>
+                <a:lumOff val="95000"/>
+              </a:schemeClr>
+            </a:gs>
+            <a:gs pos="74000">
+              <a:schemeClr val="accent1">
+                <a:lumMod val="45000"/>
+                <a:lumOff val="55000"/>
+              </a:schemeClr>
+            </a:gs>
+            <a:gs pos="83000">
+              <a:schemeClr val="accent1">
+                <a:lumMod val="45000"/>
+                <a:lumOff val="55000"/>
+              </a:schemeClr>
+            </a:gs>
+            <a:gs pos="100000">
+              <a:schemeClr val="accent1">
+                <a:lumMod val="30000"/>
+                <a:lumOff val="70000"/>
+              </a:schemeClr>
+            </a:gs>
+          </a:gsLst>
+          <a:lin ang="5400000" scaled="1"/>
+        </a:gradFill>
+        <a:effectLst/>
+      </p:bgPr>
+    </p:bg>
     <p:spTree>
       <p:nvGrpSpPr>
         <p:cNvPr id="1" name=""/>
@@ -4975,7 +6858,7 @@
           <p:cNvPr id="2" name="标题 1">
             <a:extLst>
               <a:ext uri="{FF2B5EF4-FFF2-40B4-BE49-F238E27FC236}">
-                <a16:creationId xmlns:a16="http://schemas.microsoft.com/office/drawing/2014/main" xmlns="" id="{03FCCFFB-FFB7-4AC4-97E4-E963267422F0}"/>
+                <a16:creationId xmlns="" xmlns:a16="http://schemas.microsoft.com/office/drawing/2014/main" id="{03FCCFFB-FFB7-4AC4-97E4-E963267422F0}"/>
               </a:ext>
             </a:extLst>
           </p:cNvPr>
@@ -5004,7 +6887,7 @@
           <p:cNvPr id="3" name="内容占位符 2">
             <a:extLst>
               <a:ext uri="{FF2B5EF4-FFF2-40B4-BE49-F238E27FC236}">
-                <a16:creationId xmlns:a16="http://schemas.microsoft.com/office/drawing/2014/main" xmlns="" id="{8DF7D23A-14A4-422F-B817-E208D7B44F56}"/>
+                <a16:creationId xmlns="" xmlns:a16="http://schemas.microsoft.com/office/drawing/2014/main" id="{8DF7D23A-14A4-422F-B817-E208D7B44F56}"/>
               </a:ext>
             </a:extLst>
           </p:cNvPr>
@@ -5102,7 +6985,7 @@
           <p:cNvPr id="10" name="图片 9">
             <a:extLst>
               <a:ext uri="{FF2B5EF4-FFF2-40B4-BE49-F238E27FC236}">
-                <a16:creationId xmlns:a16="http://schemas.microsoft.com/office/drawing/2014/main" xmlns="" id="{3E661419-B75F-4AD4-8FEE-5A788603A8FB}"/>
+                <a16:creationId xmlns="" xmlns:a16="http://schemas.microsoft.com/office/drawing/2014/main" id="{3E661419-B75F-4AD4-8FEE-5A788603A8FB}"/>
               </a:ext>
             </a:extLst>
           </p:cNvPr>
@@ -5132,7 +7015,7 @@
           <p:cNvPr id="12" name="直接连接符 11">
             <a:extLst>
               <a:ext uri="{FF2B5EF4-FFF2-40B4-BE49-F238E27FC236}">
-                <a16:creationId xmlns:a16="http://schemas.microsoft.com/office/drawing/2014/main" xmlns="" id="{76B0CAE6-105D-4D3B-93E6-749D4F03A8DE}"/>
+                <a16:creationId xmlns="" xmlns:a16="http://schemas.microsoft.com/office/drawing/2014/main" id="{76B0CAE6-105D-4D3B-93E6-749D4F03A8DE}"/>
               </a:ext>
             </a:extLst>
           </p:cNvPr>
@@ -5168,7 +7051,7 @@
           <p:cNvPr id="14" name="直接连接符 13">
             <a:extLst>
               <a:ext uri="{FF2B5EF4-FFF2-40B4-BE49-F238E27FC236}">
-                <a16:creationId xmlns:a16="http://schemas.microsoft.com/office/drawing/2014/main" xmlns="" id="{75417691-A296-48B8-8C62-A5908AC6DACB}"/>
+                <a16:creationId xmlns="" xmlns:a16="http://schemas.microsoft.com/office/drawing/2014/main" id="{75417691-A296-48B8-8C62-A5908AC6DACB}"/>
               </a:ext>
             </a:extLst>
           </p:cNvPr>
@@ -5222,6 +7105,40 @@
 <file path=ppt/slides/slide6.xml><?xml version="1.0" encoding="utf-8"?>
 <p:sld xmlns:a="http://schemas.openxmlformats.org/drawingml/2006/main" xmlns:r="http://schemas.openxmlformats.org/officeDocument/2006/relationships" xmlns:p="http://schemas.openxmlformats.org/presentationml/2006/main">
   <p:cSld>
+    <p:bg>
+      <p:bgPr>
+        <a:gradFill>
+          <a:gsLst>
+            <a:gs pos="0">
+              <a:schemeClr val="accent1">
+                <a:lumMod val="5000"/>
+                <a:lumOff val="95000"/>
+              </a:schemeClr>
+            </a:gs>
+            <a:gs pos="74000">
+              <a:schemeClr val="accent1">
+                <a:lumMod val="45000"/>
+                <a:lumOff val="55000"/>
+              </a:schemeClr>
+            </a:gs>
+            <a:gs pos="83000">
+              <a:schemeClr val="accent1">
+                <a:lumMod val="45000"/>
+                <a:lumOff val="55000"/>
+              </a:schemeClr>
+            </a:gs>
+            <a:gs pos="100000">
+              <a:schemeClr val="accent1">
+                <a:lumMod val="30000"/>
+                <a:lumOff val="70000"/>
+              </a:schemeClr>
+            </a:gs>
+          </a:gsLst>
+          <a:lin ang="5400000" scaled="1"/>
+        </a:gradFill>
+        <a:effectLst/>
+      </p:bgPr>
+    </p:bg>
     <p:spTree>
       <p:nvGrpSpPr>
         <p:cNvPr id="1" name=""/>
@@ -5241,7 +7158,7 @@
           <p:cNvPr id="2" name="标题 1">
             <a:extLst>
               <a:ext uri="{FF2B5EF4-FFF2-40B4-BE49-F238E27FC236}">
-                <a16:creationId xmlns:a16="http://schemas.microsoft.com/office/drawing/2014/main" xmlns="" id="{03FCCFFB-FFB7-4AC4-97E4-E963267422F0}"/>
+                <a16:creationId xmlns="" xmlns:a16="http://schemas.microsoft.com/office/drawing/2014/main" id="{03FCCFFB-FFB7-4AC4-97E4-E963267422F0}"/>
               </a:ext>
             </a:extLst>
           </p:cNvPr>
@@ -5271,7 +7188,7 @@
           <p:cNvPr id="3" name="内容占位符 2">
             <a:extLst>
               <a:ext uri="{FF2B5EF4-FFF2-40B4-BE49-F238E27FC236}">
-                <a16:creationId xmlns:a16="http://schemas.microsoft.com/office/drawing/2014/main" xmlns="" id="{8DF7D23A-14A4-422F-B817-E208D7B44F56}"/>
+                <a16:creationId xmlns="" xmlns:a16="http://schemas.microsoft.com/office/drawing/2014/main" id="{8DF7D23A-14A4-422F-B817-E208D7B44F56}"/>
               </a:ext>
             </a:extLst>
           </p:cNvPr>
@@ -5369,6 +7286,40 @@
 <file path=ppt/slides/slide7.xml><?xml version="1.0" encoding="utf-8"?>
 <p:sld xmlns:a="http://schemas.openxmlformats.org/drawingml/2006/main" xmlns:r="http://schemas.openxmlformats.org/officeDocument/2006/relationships" xmlns:p="http://schemas.openxmlformats.org/presentationml/2006/main">
   <p:cSld>
+    <p:bg>
+      <p:bgPr>
+        <a:gradFill>
+          <a:gsLst>
+            <a:gs pos="0">
+              <a:schemeClr val="accent1">
+                <a:lumMod val="5000"/>
+                <a:lumOff val="95000"/>
+              </a:schemeClr>
+            </a:gs>
+            <a:gs pos="74000">
+              <a:schemeClr val="accent1">
+                <a:lumMod val="45000"/>
+                <a:lumOff val="55000"/>
+              </a:schemeClr>
+            </a:gs>
+            <a:gs pos="83000">
+              <a:schemeClr val="accent1">
+                <a:lumMod val="45000"/>
+                <a:lumOff val="55000"/>
+              </a:schemeClr>
+            </a:gs>
+            <a:gs pos="100000">
+              <a:schemeClr val="accent1">
+                <a:lumMod val="30000"/>
+                <a:lumOff val="70000"/>
+              </a:schemeClr>
+            </a:gs>
+          </a:gsLst>
+          <a:lin ang="5400000" scaled="1"/>
+        </a:gradFill>
+        <a:effectLst/>
+      </p:bgPr>
+    </p:bg>
     <p:spTree>
       <p:nvGrpSpPr>
         <p:cNvPr id="1" name=""/>
@@ -5388,7 +7339,7 @@
           <p:cNvPr id="2" name="标题 1">
             <a:extLst>
               <a:ext uri="{FF2B5EF4-FFF2-40B4-BE49-F238E27FC236}">
-                <a16:creationId xmlns:a16="http://schemas.microsoft.com/office/drawing/2014/main" xmlns="" id="{03FCCFFB-FFB7-4AC4-97E4-E963267422F0}"/>
+                <a16:creationId xmlns="" xmlns:a16="http://schemas.microsoft.com/office/drawing/2014/main" id="{03FCCFFB-FFB7-4AC4-97E4-E963267422F0}"/>
               </a:ext>
             </a:extLst>
           </p:cNvPr>
@@ -5417,7 +7368,7 @@
           <p:cNvPr id="6" name="内容占位符 5">
             <a:extLst>
               <a:ext uri="{FF2B5EF4-FFF2-40B4-BE49-F238E27FC236}">
-                <a16:creationId xmlns:a16="http://schemas.microsoft.com/office/drawing/2014/main" xmlns="" id="{A7FA1D3A-7E94-4DC4-839F-306646E7D14A}"/>
+                <a16:creationId xmlns="" xmlns:a16="http://schemas.microsoft.com/office/drawing/2014/main" id="{A7FA1D3A-7E94-4DC4-839F-306646E7D14A}"/>
               </a:ext>
             </a:extLst>
           </p:cNvPr>
@@ -5504,6 +7455,40 @@
 <file path=ppt/slides/slide8.xml><?xml version="1.0" encoding="utf-8"?>
 <p:sld xmlns:a="http://schemas.openxmlformats.org/drawingml/2006/main" xmlns:r="http://schemas.openxmlformats.org/officeDocument/2006/relationships" xmlns:p="http://schemas.openxmlformats.org/presentationml/2006/main">
   <p:cSld>
+    <p:bg>
+      <p:bgPr>
+        <a:gradFill>
+          <a:gsLst>
+            <a:gs pos="0">
+              <a:schemeClr val="accent1">
+                <a:lumMod val="5000"/>
+                <a:lumOff val="95000"/>
+              </a:schemeClr>
+            </a:gs>
+            <a:gs pos="74000">
+              <a:schemeClr val="accent1">
+                <a:lumMod val="45000"/>
+                <a:lumOff val="55000"/>
+              </a:schemeClr>
+            </a:gs>
+            <a:gs pos="83000">
+              <a:schemeClr val="accent1">
+                <a:lumMod val="45000"/>
+                <a:lumOff val="55000"/>
+              </a:schemeClr>
+            </a:gs>
+            <a:gs pos="100000">
+              <a:schemeClr val="accent1">
+                <a:lumMod val="30000"/>
+                <a:lumOff val="70000"/>
+              </a:schemeClr>
+            </a:gs>
+          </a:gsLst>
+          <a:lin ang="5400000" scaled="1"/>
+        </a:gradFill>
+        <a:effectLst/>
+      </p:bgPr>
+    </p:bg>
     <p:spTree>
       <p:nvGrpSpPr>
         <p:cNvPr id="1" name=""/>
@@ -5523,7 +7508,7 @@
           <p:cNvPr id="2" name="标题 1">
             <a:extLst>
               <a:ext uri="{FF2B5EF4-FFF2-40B4-BE49-F238E27FC236}">
-                <a16:creationId xmlns:a16="http://schemas.microsoft.com/office/drawing/2014/main" xmlns="" id="{03FCCFFB-FFB7-4AC4-97E4-E963267422F0}"/>
+                <a16:creationId xmlns="" xmlns:a16="http://schemas.microsoft.com/office/drawing/2014/main" id="{03FCCFFB-FFB7-4AC4-97E4-E963267422F0}"/>
               </a:ext>
             </a:extLst>
           </p:cNvPr>
@@ -5552,7 +7537,7 @@
           <p:cNvPr id="3" name="内容占位符 2">
             <a:extLst>
               <a:ext uri="{FF2B5EF4-FFF2-40B4-BE49-F238E27FC236}">
-                <a16:creationId xmlns:a16="http://schemas.microsoft.com/office/drawing/2014/main" xmlns="" id="{8DF7D23A-14A4-422F-B817-E208D7B44F56}"/>
+                <a16:creationId xmlns="" xmlns:a16="http://schemas.microsoft.com/office/drawing/2014/main" id="{8DF7D23A-14A4-422F-B817-E208D7B44F56}"/>
               </a:ext>
             </a:extLst>
           </p:cNvPr>
@@ -5588,7 +7573,6 @@
               <a:rPr lang="en-US" altLang="zh-CN" dirty="0"/>
               <a:t>	</a:t>
             </a:r>
-            <a:endParaRPr lang="en-US" altLang="zh-CN" dirty="0"/>
           </a:p>
         </p:txBody>
       </p:sp>
@@ -5639,6 +7623,40 @@
 <file path=ppt/slides/slide9.xml><?xml version="1.0" encoding="utf-8"?>
 <p:sld xmlns:a="http://schemas.openxmlformats.org/drawingml/2006/main" xmlns:r="http://schemas.openxmlformats.org/officeDocument/2006/relationships" xmlns:p="http://schemas.openxmlformats.org/presentationml/2006/main">
   <p:cSld>
+    <p:bg>
+      <p:bgPr>
+        <a:gradFill>
+          <a:gsLst>
+            <a:gs pos="0">
+              <a:schemeClr val="accent1">
+                <a:lumMod val="5000"/>
+                <a:lumOff val="95000"/>
+              </a:schemeClr>
+            </a:gs>
+            <a:gs pos="74000">
+              <a:schemeClr val="accent1">
+                <a:lumMod val="45000"/>
+                <a:lumOff val="55000"/>
+              </a:schemeClr>
+            </a:gs>
+            <a:gs pos="83000">
+              <a:schemeClr val="accent1">
+                <a:lumMod val="45000"/>
+                <a:lumOff val="55000"/>
+              </a:schemeClr>
+            </a:gs>
+            <a:gs pos="100000">
+              <a:schemeClr val="accent1">
+                <a:lumMod val="30000"/>
+                <a:lumOff val="70000"/>
+              </a:schemeClr>
+            </a:gs>
+          </a:gsLst>
+          <a:lin ang="5400000" scaled="1"/>
+        </a:gradFill>
+        <a:effectLst/>
+      </p:bgPr>
+    </p:bg>
     <p:spTree>
       <p:nvGrpSpPr>
         <p:cNvPr id="1" name=""/>
@@ -5658,7 +7676,7 @@
           <p:cNvPr id="2" name="标题 1">
             <a:extLst>
               <a:ext uri="{FF2B5EF4-FFF2-40B4-BE49-F238E27FC236}">
-                <a16:creationId xmlns:a16="http://schemas.microsoft.com/office/drawing/2014/main" xmlns="" id="{03FCCFFB-FFB7-4AC4-97E4-E963267422F0}"/>
+                <a16:creationId xmlns="" xmlns:a16="http://schemas.microsoft.com/office/drawing/2014/main" id="{03FCCFFB-FFB7-4AC4-97E4-E963267422F0}"/>
               </a:ext>
             </a:extLst>
           </p:cNvPr>
@@ -5699,7 +7717,7 @@
           <p:cNvPr id="3" name="内容占位符 2">
             <a:extLst>
               <a:ext uri="{FF2B5EF4-FFF2-40B4-BE49-F238E27FC236}">
-                <a16:creationId xmlns:a16="http://schemas.microsoft.com/office/drawing/2014/main" xmlns="" id="{8DF7D23A-14A4-422F-B817-E208D7B44F56}"/>
+                <a16:creationId xmlns="" xmlns:a16="http://schemas.microsoft.com/office/drawing/2014/main" id="{8DF7D23A-14A4-422F-B817-E208D7B44F56}"/>
               </a:ext>
             </a:extLst>
           </p:cNvPr>
@@ -5783,11 +7801,7 @@
             </a:r>
             <a:r>
               <a:rPr lang="zh-CN" altLang="en-US" dirty="0"/>
-              <a:t>序列化要</a:t>
-            </a:r>
-            <a:r>
-              <a:rPr lang="zh-CN" altLang="en-US" dirty="0"/>
-              <a:t>实现</a:t>
+              <a:t>序列化要实现</a:t>
             </a:r>
             <a:r>
               <a:rPr lang="en-US" altLang="zh-CN" dirty="0"/>
@@ -5819,7 +7833,6 @@
               <a:rPr lang="en-US" altLang="zh-CN" b="1" dirty="0"/>
               <a:t> </a:t>
             </a:r>
-            <a:endParaRPr lang="en-US" altLang="zh-CN" b="1" dirty="0"/>
           </a:p>
           <a:p>
             <a:pPr marL="0" indent="0">
